--- a/incremental placement routing/Incremental Timing-Driven Placement With Approximated Signoff Wire Delay and Regression-Based Cell Delay.pptx
+++ b/incremental placement routing/Incremental Timing-Driven Placement With Approximated Signoff Wire Delay and Regression-Based Cell Delay.pptx
@@ -6,28 +6,29 @@
     <p:sldMasterId id="2147483673" r:id="rId2"/>
   </p:sldMasterIdLst>
   <p:notesMasterIdLst>
-    <p:notesMasterId r:id="rId19"/>
+    <p:notesMasterId r:id="rId20"/>
   </p:notesMasterIdLst>
   <p:handoutMasterIdLst>
-    <p:handoutMasterId r:id="rId20"/>
+    <p:handoutMasterId r:id="rId21"/>
   </p:handoutMasterIdLst>
   <p:sldIdLst>
     <p:sldId id="357" r:id="rId3"/>
     <p:sldId id="358" r:id="rId4"/>
     <p:sldId id="375" r:id="rId5"/>
     <p:sldId id="360" r:id="rId6"/>
-    <p:sldId id="376" r:id="rId7"/>
-    <p:sldId id="385" r:id="rId8"/>
-    <p:sldId id="367" r:id="rId9"/>
-    <p:sldId id="478" r:id="rId10"/>
-    <p:sldId id="479" r:id="rId11"/>
-    <p:sldId id="480" r:id="rId12"/>
-    <p:sldId id="481" r:id="rId13"/>
-    <p:sldId id="377" r:id="rId14"/>
-    <p:sldId id="374" r:id="rId15"/>
-    <p:sldId id="379" r:id="rId16"/>
-    <p:sldId id="366" r:id="rId17"/>
-    <p:sldId id="475" r:id="rId18"/>
+    <p:sldId id="482" r:id="rId7"/>
+    <p:sldId id="376" r:id="rId8"/>
+    <p:sldId id="385" r:id="rId9"/>
+    <p:sldId id="367" r:id="rId10"/>
+    <p:sldId id="478" r:id="rId11"/>
+    <p:sldId id="479" r:id="rId12"/>
+    <p:sldId id="480" r:id="rId13"/>
+    <p:sldId id="481" r:id="rId14"/>
+    <p:sldId id="377" r:id="rId15"/>
+    <p:sldId id="374" r:id="rId16"/>
+    <p:sldId id="379" r:id="rId17"/>
+    <p:sldId id="366" r:id="rId18"/>
+    <p:sldId id="475" r:id="rId19"/>
   </p:sldIdLst>
   <p:sldSz cx="12192000" cy="6858000"/>
   <p:notesSz cx="6797675" cy="9928225"/>
@@ -239,14 +240,14 @@
           <a:effectLst/>
           <a:extLst>
             <a:ext uri="{909E8E84-426E-40dd-AFC4-6F175D3DCCD1}">
-              <a14:hiddenFill xmlns:a14="http://schemas.microsoft.com/office/drawing/2010/main" xmlns="">
+              <a14:hiddenFill xmlns="" xmlns:a14="http://schemas.microsoft.com/office/drawing/2010/main">
                 <a:solidFill>
                   <a:schemeClr val="accent1"/>
                 </a:solidFill>
               </a14:hiddenFill>
             </a:ext>
             <a:ext uri="{91240B29-F687-4f45-9708-019B960494DF}">
-              <a14:hiddenLine xmlns:a14="http://schemas.microsoft.com/office/drawing/2010/main" xmlns="" w="9525">
+              <a14:hiddenLine xmlns="" xmlns:a14="http://schemas.microsoft.com/office/drawing/2010/main" w="9525">
                 <a:solidFill>
                   <a:schemeClr val="tx1"/>
                 </a:solidFill>
@@ -256,7 +257,7 @@
               </a14:hiddenLine>
             </a:ext>
             <a:ext uri="{AF507438-7753-43e0-B8FC-AC1667EBCBE1}">
-              <a14:hiddenEffects xmlns:a14="http://schemas.microsoft.com/office/drawing/2010/main" xmlns="">
+              <a14:hiddenEffects xmlns="" xmlns:a14="http://schemas.microsoft.com/office/drawing/2010/main">
                 <a:effectLst>
                   <a:outerShdw dist="35921" dir="2700000" algn="ctr" rotWithShape="0">
                     <a:schemeClr val="bg2"/>
@@ -310,14 +311,14 @@
           <a:effectLst/>
           <a:extLst>
             <a:ext uri="{909E8E84-426E-40dd-AFC4-6F175D3DCCD1}">
-              <a14:hiddenFill xmlns:a14="http://schemas.microsoft.com/office/drawing/2010/main" xmlns="">
+              <a14:hiddenFill xmlns="" xmlns:a14="http://schemas.microsoft.com/office/drawing/2010/main">
                 <a:solidFill>
                   <a:schemeClr val="accent1"/>
                 </a:solidFill>
               </a14:hiddenFill>
             </a:ext>
             <a:ext uri="{91240B29-F687-4f45-9708-019B960494DF}">
-              <a14:hiddenLine xmlns:a14="http://schemas.microsoft.com/office/drawing/2010/main" xmlns="" w="9525">
+              <a14:hiddenLine xmlns="" xmlns:a14="http://schemas.microsoft.com/office/drawing/2010/main" w="9525">
                 <a:solidFill>
                   <a:schemeClr val="tx1"/>
                 </a:solidFill>
@@ -327,7 +328,7 @@
               </a14:hiddenLine>
             </a:ext>
             <a:ext uri="{AF507438-7753-43e0-B8FC-AC1667EBCBE1}">
-              <a14:hiddenEffects xmlns:a14="http://schemas.microsoft.com/office/drawing/2010/main" xmlns="">
+              <a14:hiddenEffects xmlns="" xmlns:a14="http://schemas.microsoft.com/office/drawing/2010/main">
                 <a:effectLst>
                   <a:outerShdw dist="35921" dir="2700000" algn="ctr" rotWithShape="0">
                     <a:schemeClr val="bg2"/>
@@ -381,14 +382,14 @@
           <a:effectLst/>
           <a:extLst>
             <a:ext uri="{909E8E84-426E-40dd-AFC4-6F175D3DCCD1}">
-              <a14:hiddenFill xmlns:a14="http://schemas.microsoft.com/office/drawing/2010/main" xmlns="">
+              <a14:hiddenFill xmlns="" xmlns:a14="http://schemas.microsoft.com/office/drawing/2010/main">
                 <a:solidFill>
                   <a:schemeClr val="accent1"/>
                 </a:solidFill>
               </a14:hiddenFill>
             </a:ext>
             <a:ext uri="{91240B29-F687-4f45-9708-019B960494DF}">
-              <a14:hiddenLine xmlns:a14="http://schemas.microsoft.com/office/drawing/2010/main" xmlns="" w="9525">
+              <a14:hiddenLine xmlns="" xmlns:a14="http://schemas.microsoft.com/office/drawing/2010/main" w="9525">
                 <a:solidFill>
                   <a:schemeClr val="tx1"/>
                 </a:solidFill>
@@ -398,7 +399,7 @@
               </a14:hiddenLine>
             </a:ext>
             <a:ext uri="{AF507438-7753-43e0-B8FC-AC1667EBCBE1}">
-              <a14:hiddenEffects xmlns:a14="http://schemas.microsoft.com/office/drawing/2010/main" xmlns="">
+              <a14:hiddenEffects xmlns="" xmlns:a14="http://schemas.microsoft.com/office/drawing/2010/main">
                 <a:effectLst>
                   <a:outerShdw dist="35921" dir="2700000" algn="ctr" rotWithShape="0">
                     <a:schemeClr val="bg2"/>
@@ -452,14 +453,14 @@
           <a:effectLst/>
           <a:extLst>
             <a:ext uri="{909E8E84-426E-40dd-AFC4-6F175D3DCCD1}">
-              <a14:hiddenFill xmlns:a14="http://schemas.microsoft.com/office/drawing/2010/main" xmlns="">
+              <a14:hiddenFill xmlns="" xmlns:a14="http://schemas.microsoft.com/office/drawing/2010/main">
                 <a:solidFill>
                   <a:schemeClr val="accent1"/>
                 </a:solidFill>
               </a14:hiddenFill>
             </a:ext>
             <a:ext uri="{91240B29-F687-4f45-9708-019B960494DF}">
-              <a14:hiddenLine xmlns:a14="http://schemas.microsoft.com/office/drawing/2010/main" xmlns="" w="9525">
+              <a14:hiddenLine xmlns="" xmlns:a14="http://schemas.microsoft.com/office/drawing/2010/main" w="9525">
                 <a:solidFill>
                   <a:schemeClr val="tx1"/>
                 </a:solidFill>
@@ -469,7 +470,7 @@
               </a14:hiddenLine>
             </a:ext>
             <a:ext uri="{AF507438-7753-43e0-B8FC-AC1667EBCBE1}">
-              <a14:hiddenEffects xmlns:a14="http://schemas.microsoft.com/office/drawing/2010/main" xmlns="">
+              <a14:hiddenEffects xmlns="" xmlns:a14="http://schemas.microsoft.com/office/drawing/2010/main">
                 <a:effectLst>
                   <a:outerShdw dist="35921" dir="2700000" algn="ctr" rotWithShape="0">
                     <a:schemeClr val="bg2"/>
@@ -566,14 +567,14 @@
           <a:effectLst/>
           <a:extLst>
             <a:ext uri="{909E8E84-426E-40dd-AFC4-6F175D3DCCD1}">
-              <a14:hiddenFill xmlns:a14="http://schemas.microsoft.com/office/drawing/2010/main" xmlns="">
+              <a14:hiddenFill xmlns="" xmlns:a14="http://schemas.microsoft.com/office/drawing/2010/main">
                 <a:solidFill>
                   <a:schemeClr val="accent1"/>
                 </a:solidFill>
               </a14:hiddenFill>
             </a:ext>
             <a:ext uri="{91240B29-F687-4f45-9708-019B960494DF}">
-              <a14:hiddenLine xmlns:a14="http://schemas.microsoft.com/office/drawing/2010/main" xmlns="" w="9525">
+              <a14:hiddenLine xmlns="" xmlns:a14="http://schemas.microsoft.com/office/drawing/2010/main" w="9525">
                 <a:solidFill>
                   <a:schemeClr val="tx1"/>
                 </a:solidFill>
@@ -583,7 +584,7 @@
               </a14:hiddenLine>
             </a:ext>
             <a:ext uri="{AF507438-7753-43e0-B8FC-AC1667EBCBE1}">
-              <a14:hiddenEffects xmlns:a14="http://schemas.microsoft.com/office/drawing/2010/main" xmlns="">
+              <a14:hiddenEffects xmlns="" xmlns:a14="http://schemas.microsoft.com/office/drawing/2010/main">
                 <a:effectLst>
                   <a:outerShdw dist="35921" dir="2700000" algn="ctr" rotWithShape="0">
                     <a:schemeClr val="bg2"/>
@@ -637,14 +638,14 @@
           <a:effectLst/>
           <a:extLst>
             <a:ext uri="{909E8E84-426E-40dd-AFC4-6F175D3DCCD1}">
-              <a14:hiddenFill xmlns:a14="http://schemas.microsoft.com/office/drawing/2010/main" xmlns="">
+              <a14:hiddenFill xmlns="" xmlns:a14="http://schemas.microsoft.com/office/drawing/2010/main">
                 <a:solidFill>
                   <a:schemeClr val="accent1"/>
                 </a:solidFill>
               </a14:hiddenFill>
             </a:ext>
             <a:ext uri="{91240B29-F687-4f45-9708-019B960494DF}">
-              <a14:hiddenLine xmlns:a14="http://schemas.microsoft.com/office/drawing/2010/main" xmlns="" w="9525">
+              <a14:hiddenLine xmlns="" xmlns:a14="http://schemas.microsoft.com/office/drawing/2010/main" w="9525">
                 <a:solidFill>
                   <a:schemeClr val="tx1"/>
                 </a:solidFill>
@@ -654,7 +655,7 @@
               </a14:hiddenLine>
             </a:ext>
             <a:ext uri="{AF507438-7753-43e0-B8FC-AC1667EBCBE1}">
-              <a14:hiddenEffects xmlns:a14="http://schemas.microsoft.com/office/drawing/2010/main" xmlns="">
+              <a14:hiddenEffects xmlns="" xmlns:a14="http://schemas.microsoft.com/office/drawing/2010/main">
                 <a:effectLst>
                   <a:outerShdw dist="35921" dir="2700000" algn="ctr" rotWithShape="0">
                     <a:schemeClr val="bg2"/>
@@ -713,14 +714,14 @@
           <a:effectLst/>
           <a:extLst>
             <a:ext uri="{909E8E84-426E-40dd-AFC4-6F175D3DCCD1}">
-              <a14:hiddenFill xmlns:a14="http://schemas.microsoft.com/office/drawing/2010/main" xmlns="">
+              <a14:hiddenFill xmlns="" xmlns:a14="http://schemas.microsoft.com/office/drawing/2010/main">
                 <a:solidFill>
                   <a:srgbClr val="FFFFFF"/>
                 </a:solidFill>
               </a14:hiddenFill>
             </a:ext>
             <a:ext uri="{AF507438-7753-43e0-B8FC-AC1667EBCBE1}">
-              <a14:hiddenEffects xmlns:a14="http://schemas.microsoft.com/office/drawing/2010/main" xmlns="">
+              <a14:hiddenEffects xmlns="" xmlns:a14="http://schemas.microsoft.com/office/drawing/2010/main">
                 <a:effectLst>
                   <a:outerShdw dist="35921" dir="2700000" algn="ctr" rotWithShape="0">
                     <a:srgbClr val="808080"/>
@@ -729,7 +730,7 @@
               </a14:hiddenEffects>
             </a:ext>
             <a:ext uri="{53640926-AAD7-44d8-BBD7-CCE9431645EC}">
-              <a14:shadowObscured xmlns:a14="http://schemas.microsoft.com/office/drawing/2010/main" xmlns="" val="1"/>
+              <a14:shadowObscured xmlns="" xmlns:a14="http://schemas.microsoft.com/office/drawing/2010/main" val="1"/>
             </a:ext>
           </a:extLst>
         </p:spPr>
@@ -759,14 +760,14 @@
           <a:effectLst/>
           <a:extLst>
             <a:ext uri="{909E8E84-426E-40dd-AFC4-6F175D3DCCD1}">
-              <a14:hiddenFill xmlns:a14="http://schemas.microsoft.com/office/drawing/2010/main" xmlns="">
+              <a14:hiddenFill xmlns="" xmlns:a14="http://schemas.microsoft.com/office/drawing/2010/main">
                 <a:solidFill>
                   <a:schemeClr val="accent1"/>
                 </a:solidFill>
               </a14:hiddenFill>
             </a:ext>
             <a:ext uri="{91240B29-F687-4f45-9708-019B960494DF}">
-              <a14:hiddenLine xmlns:a14="http://schemas.microsoft.com/office/drawing/2010/main" xmlns="" w="9525">
+              <a14:hiddenLine xmlns="" xmlns:a14="http://schemas.microsoft.com/office/drawing/2010/main" w="9525">
                 <a:solidFill>
                   <a:schemeClr val="tx1"/>
                 </a:solidFill>
@@ -776,7 +777,7 @@
               </a14:hiddenLine>
             </a:ext>
             <a:ext uri="{AF507438-7753-43e0-B8FC-AC1667EBCBE1}">
-              <a14:hiddenEffects xmlns:a14="http://schemas.microsoft.com/office/drawing/2010/main" xmlns="">
+              <a14:hiddenEffects xmlns="" xmlns:a14="http://schemas.microsoft.com/office/drawing/2010/main">
                 <a:effectLst>
                   <a:outerShdw dist="35921" dir="2700000" algn="ctr" rotWithShape="0">
                     <a:schemeClr val="bg2"/>
@@ -855,14 +856,14 @@
           <a:effectLst/>
           <a:extLst>
             <a:ext uri="{909E8E84-426E-40dd-AFC4-6F175D3DCCD1}">
-              <a14:hiddenFill xmlns:a14="http://schemas.microsoft.com/office/drawing/2010/main" xmlns="">
+              <a14:hiddenFill xmlns="" xmlns:a14="http://schemas.microsoft.com/office/drawing/2010/main">
                 <a:solidFill>
                   <a:schemeClr val="accent1"/>
                 </a:solidFill>
               </a14:hiddenFill>
             </a:ext>
             <a:ext uri="{91240B29-F687-4f45-9708-019B960494DF}">
-              <a14:hiddenLine xmlns:a14="http://schemas.microsoft.com/office/drawing/2010/main" xmlns="" w="9525">
+              <a14:hiddenLine xmlns="" xmlns:a14="http://schemas.microsoft.com/office/drawing/2010/main" w="9525">
                 <a:solidFill>
                   <a:schemeClr val="tx1"/>
                 </a:solidFill>
@@ -872,7 +873,7 @@
               </a14:hiddenLine>
             </a:ext>
             <a:ext uri="{AF507438-7753-43e0-B8FC-AC1667EBCBE1}">
-              <a14:hiddenEffects xmlns:a14="http://schemas.microsoft.com/office/drawing/2010/main" xmlns="">
+              <a14:hiddenEffects xmlns="" xmlns:a14="http://schemas.microsoft.com/office/drawing/2010/main">
                 <a:effectLst>
                   <a:outerShdw dist="35921" dir="2700000" algn="ctr" rotWithShape="0">
                     <a:schemeClr val="bg2"/>
@@ -926,14 +927,14 @@
           <a:effectLst/>
           <a:extLst>
             <a:ext uri="{909E8E84-426E-40dd-AFC4-6F175D3DCCD1}">
-              <a14:hiddenFill xmlns:a14="http://schemas.microsoft.com/office/drawing/2010/main" xmlns="">
+              <a14:hiddenFill xmlns="" xmlns:a14="http://schemas.microsoft.com/office/drawing/2010/main">
                 <a:solidFill>
                   <a:schemeClr val="accent1"/>
                 </a:solidFill>
               </a14:hiddenFill>
             </a:ext>
             <a:ext uri="{91240B29-F687-4f45-9708-019B960494DF}">
-              <a14:hiddenLine xmlns:a14="http://schemas.microsoft.com/office/drawing/2010/main" xmlns="" w="9525">
+              <a14:hiddenLine xmlns="" xmlns:a14="http://schemas.microsoft.com/office/drawing/2010/main" w="9525">
                 <a:solidFill>
                   <a:schemeClr val="tx1"/>
                 </a:solidFill>
@@ -943,7 +944,7 @@
               </a14:hiddenLine>
             </a:ext>
             <a:ext uri="{AF507438-7753-43e0-B8FC-AC1667EBCBE1}">
-              <a14:hiddenEffects xmlns:a14="http://schemas.microsoft.com/office/drawing/2010/main" xmlns="">
+              <a14:hiddenEffects xmlns="" xmlns:a14="http://schemas.microsoft.com/office/drawing/2010/main">
                 <a:effectLst>
                   <a:outerShdw dist="35921" dir="2700000" algn="ctr" rotWithShape="0">
                     <a:schemeClr val="bg2"/>
@@ -1161,14 +1162,14 @@
           <a:noFill/>
           <a:extLst>
             <a:ext uri="{909E8E84-426E-40dd-AFC4-6F175D3DCCD1}">
-              <a14:hiddenFill xmlns="" xmlns:a14="http://schemas.microsoft.com/office/drawing/2010/main">
+              <a14:hiddenFill xmlns:a14="http://schemas.microsoft.com/office/drawing/2010/main" xmlns="">
                 <a:solidFill>
                   <a:srgbClr val="FFFFFF"/>
                 </a:solidFill>
               </a14:hiddenFill>
             </a:ext>
             <a:ext uri="{91240B29-F687-4f45-9708-019B960494DF}">
-              <a14:hiddenLine xmlns="" xmlns:a14="http://schemas.microsoft.com/office/drawing/2010/main" w="9525">
+              <a14:hiddenLine xmlns:a14="http://schemas.microsoft.com/office/drawing/2010/main" xmlns="" w="9525">
                 <a:solidFill>
                   <a:srgbClr val="000000"/>
                 </a:solidFill>
@@ -1274,7 +1275,7 @@
               <a:pPr>
                 <a:defRPr/>
               </a:pPr>
-              <a:t>8</a:t>
+              <a:t>5</a:t>
             </a:fld>
             <a:endParaRPr lang="en-US" altLang="zh-Hant" dirty="0"/>
           </a:p>
@@ -1283,7 +1284,7 @@
     </p:spTree>
     <p:extLst>
       <p:ext uri="{BB962C8B-B14F-4D97-AF65-F5344CB8AC3E}">
-        <p14:creationId xmlns:p14="http://schemas.microsoft.com/office/powerpoint/2010/main" val="2250443371"/>
+        <p14:creationId xmlns:p14="http://schemas.microsoft.com/office/powerpoint/2010/main" val="2746717492"/>
       </p:ext>
     </p:extLst>
   </p:cSld>
@@ -1364,7 +1365,7 @@
               <a:pPr>
                 <a:defRPr/>
               </a:pPr>
-              <a:t>15</a:t>
+              <a:t>9</a:t>
             </a:fld>
             <a:endParaRPr lang="en-US" altLang="zh-Hant" dirty="0"/>
           </a:p>
@@ -1373,7 +1374,7 @@
     </p:spTree>
     <p:extLst>
       <p:ext uri="{BB962C8B-B14F-4D97-AF65-F5344CB8AC3E}">
-        <p14:creationId xmlns:p14="http://schemas.microsoft.com/office/powerpoint/2010/main" val="4007608523"/>
+        <p14:creationId xmlns:p14="http://schemas.microsoft.com/office/powerpoint/2010/main" val="2250443371"/>
       </p:ext>
     </p:extLst>
   </p:cSld>
@@ -1402,6 +1403,96 @@
       </p:grpSpPr>
       <p:sp>
         <p:nvSpPr>
+          <p:cNvPr id="2" name="投影片影像版面配置區 1"/>
+          <p:cNvSpPr>
+            <a:spLocks noGrp="1" noRot="1" noChangeAspect="1"/>
+          </p:cNvSpPr>
+          <p:nvPr>
+            <p:ph type="sldImg"/>
+          </p:nvPr>
+        </p:nvSpPr>
+        <p:spPr/>
+      </p:sp>
+      <p:sp>
+        <p:nvSpPr>
+          <p:cNvPr id="3" name="備忘稿版面配置區 2"/>
+          <p:cNvSpPr>
+            <a:spLocks noGrp="1"/>
+          </p:cNvSpPr>
+          <p:nvPr>
+            <p:ph type="body" idx="1"/>
+          </p:nvPr>
+        </p:nvSpPr>
+        <p:spPr/>
+        <p:txBody>
+          <a:bodyPr/>
+          <a:lstStyle/>
+          <a:p>
+            <a:endParaRPr lang="zh-TW" altLang="en-US" dirty="0"/>
+          </a:p>
+        </p:txBody>
+      </p:sp>
+      <p:sp>
+        <p:nvSpPr>
+          <p:cNvPr id="4" name="投影片編號版面配置區 3"/>
+          <p:cNvSpPr>
+            <a:spLocks noGrp="1"/>
+          </p:cNvSpPr>
+          <p:nvPr>
+            <p:ph type="sldNum" sz="quarter" idx="5"/>
+          </p:nvPr>
+        </p:nvSpPr>
+        <p:spPr/>
+        <p:txBody>
+          <a:bodyPr/>
+          <a:lstStyle/>
+          <a:p>
+            <a:pPr>
+              <a:defRPr/>
+            </a:pPr>
+            <a:fld id="{F805D155-4C6A-4B13-920E-C2B08AFD570F}" type="slidenum">
+              <a:rPr lang="en-US" altLang="zh-Hant" smtClean="0"/>
+              <a:pPr>
+                <a:defRPr/>
+              </a:pPr>
+              <a:t>16</a:t>
+            </a:fld>
+            <a:endParaRPr lang="en-US" altLang="zh-Hant" dirty="0"/>
+          </a:p>
+        </p:txBody>
+      </p:sp>
+    </p:spTree>
+    <p:extLst>
+      <p:ext uri="{BB962C8B-B14F-4D97-AF65-F5344CB8AC3E}">
+        <p14:creationId xmlns:p14="http://schemas.microsoft.com/office/powerpoint/2010/main" val="4007608523"/>
+      </p:ext>
+    </p:extLst>
+  </p:cSld>
+  <p:clrMapOvr>
+    <a:masterClrMapping/>
+  </p:clrMapOvr>
+</p:notes>
+</file>
+
+<file path=ppt/notesSlides/notesSlide5.xml><?xml version="1.0" encoding="utf-8"?>
+<p:notes xmlns:a="http://schemas.openxmlformats.org/drawingml/2006/main" xmlns:r="http://schemas.openxmlformats.org/officeDocument/2006/relationships" xmlns:p="http://schemas.openxmlformats.org/presentationml/2006/main">
+  <p:cSld>
+    <p:spTree>
+      <p:nvGrpSpPr>
+        <p:cNvPr id="1" name=""/>
+        <p:cNvGrpSpPr/>
+        <p:nvPr/>
+      </p:nvGrpSpPr>
+      <p:grpSpPr>
+        <a:xfrm>
+          <a:off x="0" y="0"/>
+          <a:ext cx="0" cy="0"/>
+          <a:chOff x="0" y="0"/>
+          <a:chExt cx="0" cy="0"/>
+        </a:xfrm>
+      </p:grpSpPr>
+      <p:sp>
+        <p:nvSpPr>
           <p:cNvPr id="40962" name="Rectangle 7"/>
           <p:cNvSpPr>
             <a:spLocks noGrp="1" noChangeArrowheads="1"/>
@@ -1423,7 +1514,7 @@
               <a:pPr>
                 <a:defRPr/>
               </a:pPr>
-              <a:t>16</a:t>
+              <a:t>17</a:t>
             </a:fld>
             <a:endParaRPr lang="en-US" altLang="zh-TW"/>
           </a:p>
@@ -1555,14 +1646,14 @@
           </a:ln>
           <a:extLst>
             <a:ext uri="{909E8E84-426E-40dd-AFC4-6F175D3DCCD1}">
-              <a14:hiddenFill xmlns:a14="http://schemas.microsoft.com/office/drawing/2010/main" xmlns="">
+              <a14:hiddenFill xmlns="" xmlns:a14="http://schemas.microsoft.com/office/drawing/2010/main">
                 <a:solidFill>
                   <a:srgbClr val="FFFFFF"/>
                 </a:solidFill>
               </a14:hiddenFill>
             </a:ext>
             <a:ext uri="{91240B29-F687-4f45-9708-019B960494DF}">
-              <a14:hiddenLine xmlns:a14="http://schemas.microsoft.com/office/drawing/2010/main" xmlns="" w="9525">
+              <a14:hiddenLine xmlns="" xmlns:a14="http://schemas.microsoft.com/office/drawing/2010/main" w="9525">
                 <a:solidFill>
                   <a:srgbClr val="000000"/>
                 </a:solidFill>
@@ -1610,14 +1701,14 @@
           </a:ln>
           <a:extLst>
             <a:ext uri="{909E8E84-426E-40dd-AFC4-6F175D3DCCD1}">
-              <a14:hiddenFill xmlns:a14="http://schemas.microsoft.com/office/drawing/2010/main" xmlns="">
+              <a14:hiddenFill xmlns="" xmlns:a14="http://schemas.microsoft.com/office/drawing/2010/main">
                 <a:solidFill>
                   <a:srgbClr val="FFFFFF"/>
                 </a:solidFill>
               </a14:hiddenFill>
             </a:ext>
             <a:ext uri="{91240B29-F687-4f45-9708-019B960494DF}">
-              <a14:hiddenLine xmlns:a14="http://schemas.microsoft.com/office/drawing/2010/main" xmlns="" w="9525">
+              <a14:hiddenLine xmlns="" xmlns:a14="http://schemas.microsoft.com/office/drawing/2010/main" w="9525">
                 <a:solidFill>
                   <a:srgbClr val="000000"/>
                 </a:solidFill>
@@ -1738,14 +1829,14 @@
             </a:ln>
             <a:extLst>
               <a:ext uri="{909E8E84-426E-40dd-AFC4-6F175D3DCCD1}">
-                <a14:hiddenFill xmlns:a14="http://schemas.microsoft.com/office/drawing/2010/main" xmlns="">
+                <a14:hiddenFill xmlns="" xmlns:a14="http://schemas.microsoft.com/office/drawing/2010/main">
                   <a:solidFill>
                     <a:srgbClr val="FFFFFF"/>
                   </a:solidFill>
                 </a14:hiddenFill>
               </a:ext>
               <a:ext uri="{91240B29-F687-4f45-9708-019B960494DF}">
-                <a14:hiddenLine xmlns:a14="http://schemas.microsoft.com/office/drawing/2010/main" xmlns="" w="9525">
+                <a14:hiddenLine xmlns="" xmlns:a14="http://schemas.microsoft.com/office/drawing/2010/main" w="9525">
                   <a:solidFill>
                     <a:srgbClr val="000000"/>
                   </a:solidFill>
@@ -1794,14 +1885,14 @@
             </a:ln>
             <a:extLst>
               <a:ext uri="{909E8E84-426E-40dd-AFC4-6F175D3DCCD1}">
-                <a14:hiddenFill xmlns:a14="http://schemas.microsoft.com/office/drawing/2010/main" xmlns="">
+                <a14:hiddenFill xmlns="" xmlns:a14="http://schemas.microsoft.com/office/drawing/2010/main">
                   <a:solidFill>
                     <a:srgbClr val="FFFFFF"/>
                   </a:solidFill>
                 </a14:hiddenFill>
               </a:ext>
               <a:ext uri="{91240B29-F687-4f45-9708-019B960494DF}">
-                <a14:hiddenLine xmlns:a14="http://schemas.microsoft.com/office/drawing/2010/main" xmlns="" w="9525">
+                <a14:hiddenLine xmlns="" xmlns:a14="http://schemas.microsoft.com/office/drawing/2010/main" w="9525">
                   <a:solidFill>
                     <a:srgbClr val="000000"/>
                   </a:solidFill>
@@ -1836,14 +1927,14 @@
           </a:ln>
           <a:extLst>
             <a:ext uri="{909E8E84-426E-40dd-AFC4-6F175D3DCCD1}">
-              <a14:hiddenFill xmlns:a14="http://schemas.microsoft.com/office/drawing/2010/main" xmlns="">
+              <a14:hiddenFill xmlns="" xmlns:a14="http://schemas.microsoft.com/office/drawing/2010/main">
                 <a:solidFill>
                   <a:srgbClr val="FFFFFF"/>
                 </a:solidFill>
               </a14:hiddenFill>
             </a:ext>
             <a:ext uri="{91240B29-F687-4f45-9708-019B960494DF}">
-              <a14:hiddenLine xmlns:a14="http://schemas.microsoft.com/office/drawing/2010/main" xmlns="" w="9525">
+              <a14:hiddenLine xmlns="" xmlns:a14="http://schemas.microsoft.com/office/drawing/2010/main" w="9525">
                 <a:solidFill>
                   <a:srgbClr val="000000"/>
                 </a:solidFill>
@@ -2429,14 +2520,14 @@
           </a:ln>
           <a:extLst>
             <a:ext uri="{909E8E84-426E-40dd-AFC4-6F175D3DCCD1}">
-              <a14:hiddenFill xmlns:a14="http://schemas.microsoft.com/office/drawing/2010/main" xmlns="">
+              <a14:hiddenFill xmlns="" xmlns:a14="http://schemas.microsoft.com/office/drawing/2010/main">
                 <a:solidFill>
                   <a:srgbClr val="FFFFFF"/>
                 </a:solidFill>
               </a14:hiddenFill>
             </a:ext>
             <a:ext uri="{91240B29-F687-4f45-9708-019B960494DF}">
-              <a14:hiddenLine xmlns:a14="http://schemas.microsoft.com/office/drawing/2010/main" xmlns="" w="9525">
+              <a14:hiddenLine xmlns="" xmlns:a14="http://schemas.microsoft.com/office/drawing/2010/main" w="9525">
                 <a:solidFill>
                   <a:srgbClr val="000000"/>
                 </a:solidFill>
@@ -2484,14 +2575,14 @@
           </a:ln>
           <a:extLst>
             <a:ext uri="{909E8E84-426E-40dd-AFC4-6F175D3DCCD1}">
-              <a14:hiddenFill xmlns:a14="http://schemas.microsoft.com/office/drawing/2010/main" xmlns="">
+              <a14:hiddenFill xmlns="" xmlns:a14="http://schemas.microsoft.com/office/drawing/2010/main">
                 <a:solidFill>
                   <a:srgbClr val="FFFFFF"/>
                 </a:solidFill>
               </a14:hiddenFill>
             </a:ext>
             <a:ext uri="{91240B29-F687-4f45-9708-019B960494DF}">
-              <a14:hiddenLine xmlns:a14="http://schemas.microsoft.com/office/drawing/2010/main" xmlns="" w="9525">
+              <a14:hiddenLine xmlns="" xmlns:a14="http://schemas.microsoft.com/office/drawing/2010/main" w="9525">
                 <a:solidFill>
                   <a:srgbClr val="000000"/>
                 </a:solidFill>
@@ -2554,14 +2645,14 @@
             </a:ln>
             <a:extLst>
               <a:ext uri="{909E8E84-426E-40dd-AFC4-6F175D3DCCD1}">
-                <a14:hiddenFill xmlns:a14="http://schemas.microsoft.com/office/drawing/2010/main" xmlns="">
+                <a14:hiddenFill xmlns="" xmlns:a14="http://schemas.microsoft.com/office/drawing/2010/main">
                   <a:solidFill>
                     <a:srgbClr val="FFFFFF"/>
                   </a:solidFill>
                 </a14:hiddenFill>
               </a:ext>
               <a:ext uri="{91240B29-F687-4f45-9708-019B960494DF}">
-                <a14:hiddenLine xmlns:a14="http://schemas.microsoft.com/office/drawing/2010/main" xmlns="" w="9525">
+                <a14:hiddenLine xmlns="" xmlns:a14="http://schemas.microsoft.com/office/drawing/2010/main" w="9525">
                   <a:solidFill>
                     <a:srgbClr val="000000"/>
                   </a:solidFill>
@@ -2610,14 +2701,14 @@
             </a:ln>
             <a:extLst>
               <a:ext uri="{909E8E84-426E-40dd-AFC4-6F175D3DCCD1}">
-                <a14:hiddenFill xmlns:a14="http://schemas.microsoft.com/office/drawing/2010/main" xmlns="">
+                <a14:hiddenFill xmlns="" xmlns:a14="http://schemas.microsoft.com/office/drawing/2010/main">
                   <a:solidFill>
                     <a:srgbClr val="FFFFFF"/>
                   </a:solidFill>
                 </a14:hiddenFill>
               </a:ext>
               <a:ext uri="{91240B29-F687-4f45-9708-019B960494DF}">
-                <a14:hiddenLine xmlns:a14="http://schemas.microsoft.com/office/drawing/2010/main" xmlns="" w="9525">
+                <a14:hiddenLine xmlns="" xmlns:a14="http://schemas.microsoft.com/office/drawing/2010/main" w="9525">
                   <a:solidFill>
                     <a:srgbClr val="000000"/>
                   </a:solidFill>
@@ -2707,14 +2798,14 @@
           </a:ln>
           <a:extLst>
             <a:ext uri="{909E8E84-426E-40dd-AFC4-6F175D3DCCD1}">
-              <a14:hiddenFill xmlns:a14="http://schemas.microsoft.com/office/drawing/2010/main" xmlns="">
+              <a14:hiddenFill xmlns="" xmlns:a14="http://schemas.microsoft.com/office/drawing/2010/main">
                 <a:solidFill>
                   <a:srgbClr val="FFFFFF"/>
                 </a:solidFill>
               </a14:hiddenFill>
             </a:ext>
             <a:ext uri="{91240B29-F687-4f45-9708-019B960494DF}">
-              <a14:hiddenLine xmlns:a14="http://schemas.microsoft.com/office/drawing/2010/main" xmlns="" w="9525">
+              <a14:hiddenLine xmlns="" xmlns:a14="http://schemas.microsoft.com/office/drawing/2010/main" w="9525">
                 <a:solidFill>
                   <a:srgbClr val="000000"/>
                 </a:solidFill>
@@ -7396,14 +7487,14 @@
           </a:ln>
           <a:extLst>
             <a:ext uri="{909E8E84-426E-40dd-AFC4-6F175D3DCCD1}">
-              <a14:hiddenFill xmlns:a14="http://schemas.microsoft.com/office/drawing/2010/main" xmlns="">
+              <a14:hiddenFill xmlns="" xmlns:a14="http://schemas.microsoft.com/office/drawing/2010/main">
                 <a:solidFill>
                   <a:srgbClr val="FFFFFF"/>
                 </a:solidFill>
               </a14:hiddenFill>
             </a:ext>
             <a:ext uri="{91240B29-F687-4f45-9708-019B960494DF}">
-              <a14:hiddenLine xmlns:a14="http://schemas.microsoft.com/office/drawing/2010/main" xmlns="" w="9525">
+              <a14:hiddenLine xmlns="" xmlns:a14="http://schemas.microsoft.com/office/drawing/2010/main" w="9525">
                 <a:solidFill>
                   <a:srgbClr val="000000"/>
                 </a:solidFill>
@@ -7439,14 +7530,14 @@
           </a:ln>
           <a:extLst>
             <a:ext uri="{909E8E84-426E-40dd-AFC4-6F175D3DCCD1}">
-              <a14:hiddenFill xmlns:a14="http://schemas.microsoft.com/office/drawing/2010/main" xmlns="">
+              <a14:hiddenFill xmlns="" xmlns:a14="http://schemas.microsoft.com/office/drawing/2010/main">
                 <a:solidFill>
                   <a:srgbClr val="FFFFFF"/>
                 </a:solidFill>
               </a14:hiddenFill>
             </a:ext>
             <a:ext uri="{91240B29-F687-4f45-9708-019B960494DF}">
-              <a14:hiddenLine xmlns:a14="http://schemas.microsoft.com/office/drawing/2010/main" xmlns="" w="9525">
+              <a14:hiddenLine xmlns="" xmlns:a14="http://schemas.microsoft.com/office/drawing/2010/main" w="9525">
                 <a:solidFill>
                   <a:srgbClr val="000000"/>
                 </a:solidFill>
@@ -7497,14 +7588,14 @@
           </a:ln>
           <a:extLst>
             <a:ext uri="{909E8E84-426E-40dd-AFC4-6F175D3DCCD1}">
-              <a14:hiddenFill xmlns:a14="http://schemas.microsoft.com/office/drawing/2010/main" xmlns="">
+              <a14:hiddenFill xmlns="" xmlns:a14="http://schemas.microsoft.com/office/drawing/2010/main">
                 <a:solidFill>
                   <a:srgbClr val="FFFFFF"/>
                 </a:solidFill>
               </a14:hiddenFill>
             </a:ext>
             <a:ext uri="{91240B29-F687-4f45-9708-019B960494DF}">
-              <a14:hiddenLine xmlns:a14="http://schemas.microsoft.com/office/drawing/2010/main" xmlns="" w="9525">
+              <a14:hiddenLine xmlns="" xmlns:a14="http://schemas.microsoft.com/office/drawing/2010/main" w="9525">
                 <a:solidFill>
                   <a:srgbClr val="000000"/>
                 </a:solidFill>
@@ -7753,14 +7844,14 @@
           </a:ln>
           <a:extLst>
             <a:ext uri="{909E8E84-426E-40dd-AFC4-6F175D3DCCD1}">
-              <a14:hiddenFill xmlns:a14="http://schemas.microsoft.com/office/drawing/2010/main" xmlns="">
+              <a14:hiddenFill xmlns="" xmlns:a14="http://schemas.microsoft.com/office/drawing/2010/main">
                 <a:solidFill>
                   <a:srgbClr val="FFFFFF"/>
                 </a:solidFill>
               </a14:hiddenFill>
             </a:ext>
             <a:ext uri="{91240B29-F687-4f45-9708-019B960494DF}">
-              <a14:hiddenLine xmlns:a14="http://schemas.microsoft.com/office/drawing/2010/main" xmlns="" w="9525">
+              <a14:hiddenLine xmlns="" xmlns:a14="http://schemas.microsoft.com/office/drawing/2010/main" w="9525">
                 <a:solidFill>
                   <a:srgbClr val="000000"/>
                 </a:solidFill>
@@ -8279,14 +8370,14 @@
           </a:ln>
           <a:extLst>
             <a:ext uri="{909E8E84-426E-40dd-AFC4-6F175D3DCCD1}">
-              <a14:hiddenFill xmlns:a14="http://schemas.microsoft.com/office/drawing/2010/main" xmlns="">
+              <a14:hiddenFill xmlns="" xmlns:a14="http://schemas.microsoft.com/office/drawing/2010/main">
                 <a:solidFill>
                   <a:srgbClr val="FFFFFF"/>
                 </a:solidFill>
               </a14:hiddenFill>
             </a:ext>
             <a:ext uri="{91240B29-F687-4f45-9708-019B960494DF}">
-              <a14:hiddenLine xmlns:a14="http://schemas.microsoft.com/office/drawing/2010/main" xmlns="" w="9525">
+              <a14:hiddenLine xmlns="" xmlns:a14="http://schemas.microsoft.com/office/drawing/2010/main" w="9525">
                 <a:solidFill>
                   <a:srgbClr val="000000"/>
                 </a:solidFill>
@@ -8337,14 +8428,14 @@
           </a:ln>
           <a:extLst>
             <a:ext uri="{909E8E84-426E-40dd-AFC4-6F175D3DCCD1}">
-              <a14:hiddenFill xmlns:a14="http://schemas.microsoft.com/office/drawing/2010/main" xmlns="">
+              <a14:hiddenFill xmlns="" xmlns:a14="http://schemas.microsoft.com/office/drawing/2010/main">
                 <a:solidFill>
                   <a:srgbClr val="FFFFFF"/>
                 </a:solidFill>
               </a14:hiddenFill>
             </a:ext>
             <a:ext uri="{91240B29-F687-4f45-9708-019B960494DF}">
-              <a14:hiddenLine xmlns:a14="http://schemas.microsoft.com/office/drawing/2010/main" xmlns="" w="9525">
+              <a14:hiddenLine xmlns="" xmlns:a14="http://schemas.microsoft.com/office/drawing/2010/main" w="9525">
                 <a:solidFill>
                   <a:srgbClr val="000000"/>
                 </a:solidFill>
@@ -8591,14 +8682,14 @@
           </a:ln>
           <a:extLst>
             <a:ext uri="{909E8E84-426E-40dd-AFC4-6F175D3DCCD1}">
-              <a14:hiddenFill xmlns:a14="http://schemas.microsoft.com/office/drawing/2010/main" xmlns="">
+              <a14:hiddenFill xmlns="" xmlns:a14="http://schemas.microsoft.com/office/drawing/2010/main">
                 <a:solidFill>
                   <a:srgbClr val="FFFFFF"/>
                 </a:solidFill>
               </a14:hiddenFill>
             </a:ext>
             <a:ext uri="{91240B29-F687-4f45-9708-019B960494DF}">
-              <a14:hiddenLine xmlns:a14="http://schemas.microsoft.com/office/drawing/2010/main" xmlns="" w="9525">
+              <a14:hiddenLine xmlns="" xmlns:a14="http://schemas.microsoft.com/office/drawing/2010/main" w="9525">
                 <a:solidFill>
                   <a:srgbClr val="000000"/>
                 </a:solidFill>
@@ -9115,14 +9206,14 @@
           <a:ln/>
           <a:extLst>
             <a:ext uri="{909E8E84-426E-40dd-AFC4-6F175D3DCCD1}">
-              <a14:hiddenFill xmlns="" xmlns:a14="http://schemas.microsoft.com/office/drawing/2010/main">
+              <a14:hiddenFill xmlns:a14="http://schemas.microsoft.com/office/drawing/2010/main" xmlns="">
                 <a:solidFill>
                   <a:srgbClr val="FFFFFF"/>
                 </a:solidFill>
               </a14:hiddenFill>
             </a:ext>
             <a:ext uri="{91240B29-F687-4f45-9708-019B960494DF}">
-              <a14:hiddenLine xmlns="" xmlns:a14="http://schemas.microsoft.com/office/drawing/2010/main" w="9525">
+              <a14:hiddenLine xmlns:a14="http://schemas.microsoft.com/office/drawing/2010/main" xmlns="" w="9525">
                 <a:solidFill>
                   <a:srgbClr val="000000"/>
                 </a:solidFill>
@@ -9369,14 +9460,14 @@
           </a:ln>
           <a:extLst>
             <a:ext uri="{909E8E84-426E-40dd-AFC4-6F175D3DCCD1}">
-              <a14:hiddenFill xmlns="" xmlns:a14="http://schemas.microsoft.com/office/drawing/2010/main">
+              <a14:hiddenFill xmlns:a14="http://schemas.microsoft.com/office/drawing/2010/main" xmlns="">
                 <a:solidFill>
                   <a:srgbClr val="FFFFFF"/>
                 </a:solidFill>
               </a14:hiddenFill>
             </a:ext>
             <a:ext uri="{91240B29-F687-4f45-9708-019B960494DF}">
-              <a14:hiddenLine xmlns="" xmlns:a14="http://schemas.microsoft.com/office/drawing/2010/main" w="9525">
+              <a14:hiddenLine xmlns:a14="http://schemas.microsoft.com/office/drawing/2010/main" xmlns="" w="9525">
                 <a:solidFill>
                   <a:srgbClr val="000000"/>
                 </a:solidFill>
@@ -9454,14 +9545,14 @@
           </a:ln>
           <a:extLst>
             <a:ext uri="{909E8E84-426E-40dd-AFC4-6F175D3DCCD1}">
-              <a14:hiddenFill xmlns="" xmlns:a14="http://schemas.microsoft.com/office/drawing/2010/main">
+              <a14:hiddenFill xmlns:a14="http://schemas.microsoft.com/office/drawing/2010/main" xmlns="">
                 <a:solidFill>
                   <a:srgbClr val="FFFFFF"/>
                 </a:solidFill>
               </a14:hiddenFill>
             </a:ext>
             <a:ext uri="{91240B29-F687-4f45-9708-019B960494DF}">
-              <a14:hiddenLine xmlns="" xmlns:a14="http://schemas.microsoft.com/office/drawing/2010/main" w="9525">
+              <a14:hiddenLine xmlns:a14="http://schemas.microsoft.com/office/drawing/2010/main" xmlns="" w="9525">
                 <a:solidFill>
                   <a:srgbClr val="000000"/>
                 </a:solidFill>
@@ -9583,14 +9674,14 @@
           </a:ln>
           <a:extLst>
             <a:ext uri="{909E8E84-426E-40dd-AFC4-6F175D3DCCD1}">
-              <a14:hiddenFill xmlns="" xmlns:a14="http://schemas.microsoft.com/office/drawing/2010/main">
+              <a14:hiddenFill xmlns:a14="http://schemas.microsoft.com/office/drawing/2010/main" xmlns="">
                 <a:solidFill>
                   <a:srgbClr val="FFFFFF"/>
                 </a:solidFill>
               </a14:hiddenFill>
             </a:ext>
             <a:ext uri="{91240B29-F687-4f45-9708-019B960494DF}">
-              <a14:hiddenLine xmlns="" xmlns:a14="http://schemas.microsoft.com/office/drawing/2010/main" w="9525">
+              <a14:hiddenLine xmlns:a14="http://schemas.microsoft.com/office/drawing/2010/main" xmlns="" w="9525">
                 <a:solidFill>
                   <a:srgbClr val="000000"/>
                 </a:solidFill>
@@ -9632,14 +9723,14 @@
           </a:ln>
           <a:extLst>
             <a:ext uri="{909E8E84-426E-40dd-AFC4-6F175D3DCCD1}">
-              <a14:hiddenFill xmlns="" xmlns:a14="http://schemas.microsoft.com/office/drawing/2010/main">
+              <a14:hiddenFill xmlns:a14="http://schemas.microsoft.com/office/drawing/2010/main" xmlns="">
                 <a:solidFill>
                   <a:srgbClr val="FFFFFF"/>
                 </a:solidFill>
               </a14:hiddenFill>
             </a:ext>
             <a:ext uri="{91240B29-F687-4f45-9708-019B960494DF}">
-              <a14:hiddenLine xmlns="" xmlns:a14="http://schemas.microsoft.com/office/drawing/2010/main" w="9525">
+              <a14:hiddenLine xmlns:a14="http://schemas.microsoft.com/office/drawing/2010/main" xmlns="" w="9525">
                 <a:solidFill>
                   <a:srgbClr val="000000"/>
                 </a:solidFill>
@@ -9832,14 +9923,14 @@
           </a:ln>
           <a:extLst>
             <a:ext uri="{909E8E84-426E-40dd-AFC4-6F175D3DCCD1}">
-              <a14:hiddenFill xmlns="" xmlns:a14="http://schemas.microsoft.com/office/drawing/2010/main">
+              <a14:hiddenFill xmlns:a14="http://schemas.microsoft.com/office/drawing/2010/main" xmlns="">
                 <a:solidFill>
                   <a:srgbClr val="FFFFFF"/>
                 </a:solidFill>
               </a14:hiddenFill>
             </a:ext>
             <a:ext uri="{91240B29-F687-4f45-9708-019B960494DF}">
-              <a14:hiddenLine xmlns="" xmlns:a14="http://schemas.microsoft.com/office/drawing/2010/main" w="9525">
+              <a14:hiddenLine xmlns:a14="http://schemas.microsoft.com/office/drawing/2010/main" xmlns="" w="9525">
                 <a:solidFill>
                   <a:srgbClr val="000000"/>
                 </a:solidFill>
@@ -9957,28 +10048,28 @@
           <a:p>
             <a:r>
               <a:rPr lang="en-US" altLang="zh-TW" dirty="0"/>
-              <a:t>Construct placement graph</a:t>
+              <a:t>Anchor Cells</a:t>
             </a:r>
           </a:p>
           <a:p>
             <a:pPr lvl="1"/>
             <a:r>
               <a:rPr lang="en-US" altLang="zh-TW" dirty="0"/>
-              <a:t>vertices are the anchors</a:t>
+              <a:t>start of end point of a path</a:t>
             </a:r>
           </a:p>
           <a:p>
             <a:pPr lvl="1"/>
             <a:r>
               <a:rPr lang="en-US" altLang="zh-TW" dirty="0"/>
-              <a:t>an edge is created between a fixed anchor and a movable anchor if they belong to the same path segment</a:t>
+              <a:t>movable: contained in another segment &amp; not the anchor of the segment</a:t>
             </a:r>
           </a:p>
           <a:p>
             <a:pPr lvl="1"/>
             <a:r>
               <a:rPr lang="en-US" altLang="zh-TW" dirty="0"/>
-              <a:t>weight of an edge</a:t>
+              <a:t>fixed: otherwise</a:t>
             </a:r>
           </a:p>
           <a:p>
@@ -9986,44 +10077,33 @@
             <a:endParaRPr lang="en-US" altLang="zh-TW" dirty="0"/>
           </a:p>
           <a:p>
+            <a:r>
+              <a:rPr lang="en-US" altLang="zh-TW" dirty="0"/>
+              <a:t>Two paths compete for an anchor cell</a:t>
+            </a:r>
+          </a:p>
+          <a:p>
+            <a:pPr lvl="1"/>
+            <a:r>
+              <a:rPr lang="en-US" altLang="zh-TW" dirty="0"/>
+              <a:t>v2: movable anchor for the blue path</a:t>
+            </a:r>
+          </a:p>
+          <a:p>
+            <a:pPr lvl="1"/>
             <a:endParaRPr lang="en-US" altLang="zh-TW" dirty="0"/>
           </a:p>
           <a:p>
-            <a:pPr marL="0" indent="0">
-              <a:buNone/>
-            </a:pPr>
-            <a:endParaRPr lang="en-US" altLang="zh-TW" dirty="0"/>
-          </a:p>
-          <a:p>
             <a:r>
               <a:rPr lang="en-US" altLang="zh-TW" dirty="0"/>
-              <a:t>Quadratic programming</a:t>
-            </a:r>
-          </a:p>
-          <a:p>
-            <a:pPr marL="457200" lvl="1" indent="0">
-              <a:buNone/>
-            </a:pPr>
-            <a:endParaRPr lang="en-US" altLang="zh-TW" dirty="0"/>
-          </a:p>
-          <a:p>
-            <a:pPr marL="457200" lvl="1" indent="0">
-              <a:buNone/>
-            </a:pPr>
-            <a:endParaRPr lang="en-US" altLang="zh-TW" dirty="0"/>
+              <a:t>Fix the anchor points</a:t>
+            </a:r>
           </a:p>
           <a:p>
             <a:pPr lvl="1"/>
             <a:r>
               <a:rPr lang="en-US" altLang="zh-TW" dirty="0"/>
-              <a:t>Figure(a): before anchor placement</a:t>
-            </a:r>
-          </a:p>
-          <a:p>
-            <a:pPr lvl="1"/>
-            <a:r>
-              <a:rPr lang="en-US" altLang="zh-TW" dirty="0"/>
-              <a:t>Figure(b): after anchor placement</a:t>
+              <a:t>Figure(b)</a:t>
             </a:r>
           </a:p>
           <a:p>
@@ -10108,6 +10188,274 @@
                 <a:defRPr/>
               </a:pPr>
               <a:t>10</a:t>
+            </a:fld>
+            <a:endParaRPr lang="en-US" altLang="zh-Hant" dirty="0"/>
+          </a:p>
+        </p:txBody>
+      </p:sp>
+      <p:pic>
+        <p:nvPicPr>
+          <p:cNvPr id="6" name="圖片 5">
+            <a:extLst>
+              <a:ext uri="{FF2B5EF4-FFF2-40B4-BE49-F238E27FC236}">
+                <a16:creationId xmlns:a16="http://schemas.microsoft.com/office/drawing/2014/main" id="{2907F0AE-3A20-46B3-8E57-F81615D96BCF}"/>
+              </a:ext>
+            </a:extLst>
+          </p:cNvPr>
+          <p:cNvPicPr>
+            <a:picLocks noChangeAspect="1"/>
+          </p:cNvPicPr>
+          <p:nvPr/>
+        </p:nvPicPr>
+        <p:blipFill>
+          <a:blip r:embed="rId2"/>
+          <a:stretch>
+            <a:fillRect/>
+          </a:stretch>
+        </p:blipFill>
+        <p:spPr>
+          <a:xfrm>
+            <a:off x="6240016" y="2420888"/>
+            <a:ext cx="5730922" cy="3230488"/>
+          </a:xfrm>
+          <a:prstGeom prst="rect">
+            <a:avLst/>
+          </a:prstGeom>
+        </p:spPr>
+      </p:pic>
+    </p:spTree>
+    <p:extLst>
+      <p:ext uri="{BB962C8B-B14F-4D97-AF65-F5344CB8AC3E}">
+        <p14:creationId xmlns:p14="http://schemas.microsoft.com/office/powerpoint/2010/main" val="357407598"/>
+      </p:ext>
+    </p:extLst>
+  </p:cSld>
+  <p:clrMapOvr>
+    <a:masterClrMapping/>
+  </p:clrMapOvr>
+</p:sld>
+</file>
+
+<file path=ppt/slides/slide11.xml><?xml version="1.0" encoding="utf-8"?>
+<p:sld xmlns:a="http://schemas.openxmlformats.org/drawingml/2006/main" xmlns:r="http://schemas.openxmlformats.org/officeDocument/2006/relationships" xmlns:p="http://schemas.openxmlformats.org/presentationml/2006/main">
+  <p:cSld>
+    <p:spTree>
+      <p:nvGrpSpPr>
+        <p:cNvPr id="1" name=""/>
+        <p:cNvGrpSpPr/>
+        <p:nvPr/>
+      </p:nvGrpSpPr>
+      <p:grpSpPr>
+        <a:xfrm>
+          <a:off x="0" y="0"/>
+          <a:ext cx="0" cy="0"/>
+          <a:chOff x="0" y="0"/>
+          <a:chExt cx="0" cy="0"/>
+        </a:xfrm>
+      </p:grpSpPr>
+      <p:sp>
+        <p:nvSpPr>
+          <p:cNvPr id="2" name="標題 1">
+            <a:extLst>
+              <a:ext uri="{FF2B5EF4-FFF2-40B4-BE49-F238E27FC236}">
+                <a16:creationId xmlns:a16="http://schemas.microsoft.com/office/drawing/2014/main" id="{1D200C26-EF5D-4C57-B74E-F2C777E89462}"/>
+              </a:ext>
+            </a:extLst>
+          </p:cNvPr>
+          <p:cNvSpPr>
+            <a:spLocks noGrp="1"/>
+          </p:cNvSpPr>
+          <p:nvPr>
+            <p:ph type="title"/>
+          </p:nvPr>
+        </p:nvSpPr>
+        <p:spPr/>
+        <p:txBody>
+          <a:bodyPr/>
+          <a:lstStyle/>
+          <a:p>
+            <a:r>
+              <a:rPr lang="en-US" altLang="zh-TW" dirty="0"/>
+              <a:t>Anchor Placement</a:t>
+            </a:r>
+            <a:endParaRPr lang="zh-TW" altLang="en-US" dirty="0"/>
+          </a:p>
+        </p:txBody>
+      </p:sp>
+      <p:sp>
+        <p:nvSpPr>
+          <p:cNvPr id="3" name="內容版面配置區 2">
+            <a:extLst>
+              <a:ext uri="{FF2B5EF4-FFF2-40B4-BE49-F238E27FC236}">
+                <a16:creationId xmlns:a16="http://schemas.microsoft.com/office/drawing/2014/main" id="{70B711FB-357C-40A8-8426-03552FE165B1}"/>
+              </a:ext>
+            </a:extLst>
+          </p:cNvPr>
+          <p:cNvSpPr>
+            <a:spLocks noGrp="1"/>
+          </p:cNvSpPr>
+          <p:nvPr>
+            <p:ph idx="1"/>
+          </p:nvPr>
+        </p:nvSpPr>
+        <p:spPr/>
+        <p:txBody>
+          <a:bodyPr/>
+          <a:lstStyle/>
+          <a:p>
+            <a:r>
+              <a:rPr lang="en-US" altLang="zh-TW" dirty="0"/>
+              <a:t>Construct placement graph</a:t>
+            </a:r>
+          </a:p>
+          <a:p>
+            <a:pPr lvl="1"/>
+            <a:r>
+              <a:rPr lang="en-US" altLang="zh-TW" dirty="0"/>
+              <a:t>vertices are the anchors</a:t>
+            </a:r>
+          </a:p>
+          <a:p>
+            <a:pPr lvl="1"/>
+            <a:r>
+              <a:rPr lang="en-US" altLang="zh-TW" dirty="0"/>
+              <a:t>an edge is created between a fixed anchor and a movable anchor if they belong to the same path segment</a:t>
+            </a:r>
+          </a:p>
+          <a:p>
+            <a:pPr lvl="1"/>
+            <a:r>
+              <a:rPr lang="en-US" altLang="zh-TW" dirty="0"/>
+              <a:t>weight of an edge</a:t>
+            </a:r>
+          </a:p>
+          <a:p>
+            <a:pPr lvl="1"/>
+            <a:endParaRPr lang="en-US" altLang="zh-TW" dirty="0"/>
+          </a:p>
+          <a:p>
+            <a:endParaRPr lang="en-US" altLang="zh-TW" dirty="0"/>
+          </a:p>
+          <a:p>
+            <a:pPr marL="0" indent="0">
+              <a:buNone/>
+            </a:pPr>
+            <a:endParaRPr lang="en-US" altLang="zh-TW" dirty="0"/>
+          </a:p>
+          <a:p>
+            <a:r>
+              <a:rPr lang="en-US" altLang="zh-TW" dirty="0"/>
+              <a:t>Quadratic programming</a:t>
+            </a:r>
+          </a:p>
+          <a:p>
+            <a:pPr marL="457200" lvl="1" indent="0">
+              <a:buNone/>
+            </a:pPr>
+            <a:endParaRPr lang="en-US" altLang="zh-TW" dirty="0"/>
+          </a:p>
+          <a:p>
+            <a:pPr marL="457200" lvl="1" indent="0">
+              <a:buNone/>
+            </a:pPr>
+            <a:endParaRPr lang="en-US" altLang="zh-TW" dirty="0"/>
+          </a:p>
+          <a:p>
+            <a:pPr lvl="1"/>
+            <a:r>
+              <a:rPr lang="en-US" altLang="zh-TW" dirty="0"/>
+              <a:t>Figure(a): before anchor placement</a:t>
+            </a:r>
+          </a:p>
+          <a:p>
+            <a:pPr lvl="1"/>
+            <a:r>
+              <a:rPr lang="en-US" altLang="zh-TW" dirty="0"/>
+              <a:t>Figure(b): after anchor placement</a:t>
+            </a:r>
+          </a:p>
+          <a:p>
+            <a:pPr marL="457200" lvl="1" indent="0">
+              <a:buNone/>
+            </a:pPr>
+            <a:endParaRPr lang="en-US" altLang="zh-TW" dirty="0"/>
+          </a:p>
+          <a:p>
+            <a:pPr marL="457200" lvl="1" indent="0">
+              <a:buNone/>
+            </a:pPr>
+            <a:endParaRPr lang="en-US" altLang="zh-TW" dirty="0"/>
+          </a:p>
+          <a:p>
+            <a:pPr marL="0" indent="0">
+              <a:buNone/>
+            </a:pPr>
+            <a:endParaRPr lang="zh-TW" altLang="en-US" dirty="0"/>
+          </a:p>
+        </p:txBody>
+      </p:sp>
+      <p:sp>
+        <p:nvSpPr>
+          <p:cNvPr id="4" name="日期版面配置區 3">
+            <a:extLst>
+              <a:ext uri="{FF2B5EF4-FFF2-40B4-BE49-F238E27FC236}">
+                <a16:creationId xmlns:a16="http://schemas.microsoft.com/office/drawing/2014/main" id="{55DAC938-58FC-459F-AF9E-9EF51A7A3E03}"/>
+              </a:ext>
+            </a:extLst>
+          </p:cNvPr>
+          <p:cNvSpPr>
+            <a:spLocks noGrp="1"/>
+          </p:cNvSpPr>
+          <p:nvPr>
+            <p:ph type="dt" sz="half" idx="10"/>
+          </p:nvPr>
+        </p:nvSpPr>
+        <p:spPr/>
+        <p:txBody>
+          <a:bodyPr/>
+          <a:lstStyle/>
+          <a:p>
+            <a:pPr>
+              <a:defRPr/>
+            </a:pPr>
+            <a:r>
+              <a:rPr lang="en-US" altLang="zh-Hant"/>
+              <a:t>GIEE, NTU</a:t>
+            </a:r>
+            <a:endParaRPr lang="zh-Hant" altLang="zh-Hant"/>
+          </a:p>
+        </p:txBody>
+      </p:sp>
+      <p:sp>
+        <p:nvSpPr>
+          <p:cNvPr id="5" name="投影片編號版面配置區 4">
+            <a:extLst>
+              <a:ext uri="{FF2B5EF4-FFF2-40B4-BE49-F238E27FC236}">
+                <a16:creationId xmlns:a16="http://schemas.microsoft.com/office/drawing/2014/main" id="{75F6E6EF-BE0E-46D6-BB76-9C8E96368CC8}"/>
+              </a:ext>
+            </a:extLst>
+          </p:cNvPr>
+          <p:cNvSpPr>
+            <a:spLocks noGrp="1"/>
+          </p:cNvSpPr>
+          <p:nvPr>
+            <p:ph type="sldNum" sz="quarter" idx="11"/>
+          </p:nvPr>
+        </p:nvSpPr>
+        <p:spPr/>
+        <p:txBody>
+          <a:bodyPr/>
+          <a:lstStyle/>
+          <a:p>
+            <a:pPr>
+              <a:defRPr/>
+            </a:pPr>
+            <a:fld id="{5A007831-3536-4435-90C1-461D060F6A03}" type="slidenum">
+              <a:rPr lang="zh-Hant" altLang="en-US" smtClean="0"/>
+              <a:pPr>
+                <a:defRPr/>
+              </a:pPr>
+              <a:t>11</a:t>
             </a:fld>
             <a:endParaRPr lang="en-US" altLang="zh-Hant" dirty="0"/>
           </a:p>
@@ -10276,7 +10624,7 @@
 </p:sld>
 </file>
 
-<file path=ppt/slides/slide11.xml><?xml version="1.0" encoding="utf-8"?>
+<file path=ppt/slides/slide12.xml><?xml version="1.0" encoding="utf-8"?>
 <p:sld xmlns:a="http://schemas.openxmlformats.org/drawingml/2006/main" xmlns:r="http://schemas.openxmlformats.org/officeDocument/2006/relationships" xmlns:p="http://schemas.openxmlformats.org/presentationml/2006/main">
   <p:cSld>
     <p:spTree>
@@ -10408,7 +10756,7 @@
               <a:pPr>
                 <a:defRPr/>
               </a:pPr>
-              <a:t>11</a:t>
+              <a:t>12</a:t>
             </a:fld>
             <a:endParaRPr lang="en-US" altLang="zh-Hant" dirty="0"/>
           </a:p>
@@ -10457,203 +10805,6 @@
 </p:sld>
 </file>
 
-<file path=ppt/slides/slide12.xml><?xml version="1.0" encoding="utf-8"?>
-<p:sld xmlns:a="http://schemas.openxmlformats.org/drawingml/2006/main" xmlns:r="http://schemas.openxmlformats.org/officeDocument/2006/relationships" xmlns:p="http://schemas.openxmlformats.org/presentationml/2006/main">
-  <p:cSld>
-    <p:spTree>
-      <p:nvGrpSpPr>
-        <p:cNvPr id="1" name=""/>
-        <p:cNvGrpSpPr/>
-        <p:nvPr/>
-      </p:nvGrpSpPr>
-      <p:grpSpPr>
-        <a:xfrm>
-          <a:off x="0" y="0"/>
-          <a:ext cx="0" cy="0"/>
-          <a:chOff x="0" y="0"/>
-          <a:chExt cx="0" cy="0"/>
-        </a:xfrm>
-      </p:grpSpPr>
-      <p:sp>
-        <p:nvSpPr>
-          <p:cNvPr id="2" name="標題 1">
-            <a:extLst>
-              <a:ext uri="{FF2B5EF4-FFF2-40B4-BE49-F238E27FC236}">
-                <a16:creationId xmlns:a16="http://schemas.microsoft.com/office/drawing/2014/main" id="{0E21B4C5-E7C1-43FF-A86B-ED12A45C57FC}"/>
-              </a:ext>
-            </a:extLst>
-          </p:cNvPr>
-          <p:cNvSpPr>
-            <a:spLocks noGrp="1"/>
-          </p:cNvSpPr>
-          <p:nvPr>
-            <p:ph type="title"/>
-          </p:nvPr>
-        </p:nvSpPr>
-        <p:spPr/>
-        <p:txBody>
-          <a:bodyPr/>
-          <a:lstStyle/>
-          <a:p>
-            <a:r>
-              <a:rPr lang="en-US" altLang="zh-TW" dirty="0"/>
-              <a:t>Outline</a:t>
-            </a:r>
-            <a:endParaRPr lang="zh-TW" altLang="en-US" dirty="0"/>
-          </a:p>
-        </p:txBody>
-      </p:sp>
-      <p:sp>
-        <p:nvSpPr>
-          <p:cNvPr id="3" name="內容版面配置區 2">
-            <a:extLst>
-              <a:ext uri="{FF2B5EF4-FFF2-40B4-BE49-F238E27FC236}">
-                <a16:creationId xmlns:a16="http://schemas.microsoft.com/office/drawing/2014/main" id="{A7731B0D-BFCA-4942-8434-BA43449D5D22}"/>
-              </a:ext>
-            </a:extLst>
-          </p:cNvPr>
-          <p:cNvSpPr>
-            <a:spLocks noGrp="1"/>
-          </p:cNvSpPr>
-          <p:nvPr>
-            <p:ph idx="1"/>
-          </p:nvPr>
-        </p:nvSpPr>
-        <p:spPr/>
-        <p:txBody>
-          <a:bodyPr/>
-          <a:lstStyle/>
-          <a:p>
-            <a:r>
-              <a:rPr lang="en-US" altLang="zh-TW" dirty="0">
-                <a:solidFill>
-                  <a:schemeClr val="bg1">
-                    <a:lumMod val="75000"/>
-                  </a:schemeClr>
-                </a:solidFill>
-              </a:rPr>
-              <a:t>Introduction</a:t>
-            </a:r>
-          </a:p>
-          <a:p>
-            <a:r>
-              <a:rPr lang="en-US" altLang="zh-TW" dirty="0">
-                <a:solidFill>
-                  <a:schemeClr val="bg1">
-                    <a:lumMod val="75000"/>
-                  </a:schemeClr>
-                </a:solidFill>
-              </a:rPr>
-              <a:t>Problem Formulation</a:t>
-            </a:r>
-          </a:p>
-          <a:p>
-            <a:r>
-              <a:rPr lang="en-US" altLang="zh-TW" dirty="0"/>
-              <a:t>Experimental Results</a:t>
-            </a:r>
-          </a:p>
-          <a:p>
-            <a:r>
-              <a:rPr lang="en-US" altLang="zh-TW" dirty="0">
-                <a:solidFill>
-                  <a:schemeClr val="bg1">
-                    <a:lumMod val="75000"/>
-                  </a:schemeClr>
-                </a:solidFill>
-              </a:rPr>
-              <a:t>Conclusion</a:t>
-            </a:r>
-            <a:endParaRPr lang="zh-TW" altLang="en-US" dirty="0">
-              <a:solidFill>
-                <a:schemeClr val="bg1">
-                  <a:lumMod val="75000"/>
-                </a:schemeClr>
-              </a:solidFill>
-            </a:endParaRPr>
-          </a:p>
-        </p:txBody>
-      </p:sp>
-      <p:sp>
-        <p:nvSpPr>
-          <p:cNvPr id="4" name="日期版面配置區 3">
-            <a:extLst>
-              <a:ext uri="{FF2B5EF4-FFF2-40B4-BE49-F238E27FC236}">
-                <a16:creationId xmlns:a16="http://schemas.microsoft.com/office/drawing/2014/main" id="{D0037C9E-6880-425F-BD51-65FD3D5207EC}"/>
-              </a:ext>
-            </a:extLst>
-          </p:cNvPr>
-          <p:cNvSpPr>
-            <a:spLocks noGrp="1"/>
-          </p:cNvSpPr>
-          <p:nvPr>
-            <p:ph type="dt" sz="half" idx="10"/>
-          </p:nvPr>
-        </p:nvSpPr>
-        <p:spPr/>
-        <p:txBody>
-          <a:bodyPr/>
-          <a:lstStyle/>
-          <a:p>
-            <a:pPr>
-              <a:defRPr/>
-            </a:pPr>
-            <a:r>
-              <a:rPr lang="en-US" altLang="zh-Hant"/>
-              <a:t>GIEE, NTU</a:t>
-            </a:r>
-            <a:endParaRPr lang="zh-Hant" altLang="zh-Hant"/>
-          </a:p>
-        </p:txBody>
-      </p:sp>
-      <p:sp>
-        <p:nvSpPr>
-          <p:cNvPr id="5" name="投影片編號版面配置區 4">
-            <a:extLst>
-              <a:ext uri="{FF2B5EF4-FFF2-40B4-BE49-F238E27FC236}">
-                <a16:creationId xmlns:a16="http://schemas.microsoft.com/office/drawing/2014/main" id="{F98953EF-304E-45D1-82DE-8EC49FAFB54C}"/>
-              </a:ext>
-            </a:extLst>
-          </p:cNvPr>
-          <p:cNvSpPr>
-            <a:spLocks noGrp="1"/>
-          </p:cNvSpPr>
-          <p:nvPr>
-            <p:ph type="sldNum" sz="quarter" idx="11"/>
-          </p:nvPr>
-        </p:nvSpPr>
-        <p:spPr/>
-        <p:txBody>
-          <a:bodyPr/>
-          <a:lstStyle/>
-          <a:p>
-            <a:pPr>
-              <a:defRPr/>
-            </a:pPr>
-            <a:fld id="{5A007831-3536-4435-90C1-461D060F6A03}" type="slidenum">
-              <a:rPr lang="zh-Hant" altLang="en-US" smtClean="0"/>
-              <a:pPr>
-                <a:defRPr/>
-              </a:pPr>
-              <a:t>12</a:t>
-            </a:fld>
-            <a:endParaRPr lang="en-US" altLang="zh-Hant" dirty="0"/>
-          </a:p>
-        </p:txBody>
-      </p:sp>
-    </p:spTree>
-    <p:extLst>
-      <p:ext uri="{BB962C8B-B14F-4D97-AF65-F5344CB8AC3E}">
-        <p14:creationId xmlns:p14="http://schemas.microsoft.com/office/powerpoint/2010/main" val="3732529621"/>
-      </p:ext>
-    </p:extLst>
-  </p:cSld>
-  <p:clrMapOvr>
-    <a:masterClrMapping/>
-  </p:clrMapOvr>
-</p:sld>
-</file>
-
 <file path=ppt/slides/slide13.xml><?xml version="1.0" encoding="utf-8"?>
 <p:sld xmlns:a="http://schemas.openxmlformats.org/drawingml/2006/main" xmlns:r="http://schemas.openxmlformats.org/officeDocument/2006/relationships" xmlns:p="http://schemas.openxmlformats.org/presentationml/2006/main">
   <p:cSld>
@@ -10676,7 +10827,7 @@
           <p:cNvPr id="2" name="標題 1">
             <a:extLst>
               <a:ext uri="{FF2B5EF4-FFF2-40B4-BE49-F238E27FC236}">
-                <a16:creationId xmlns:a16="http://schemas.microsoft.com/office/drawing/2014/main" id="{B36C0CBB-73B6-4523-BBAB-8A0776641E37}"/>
+                <a16:creationId xmlns:a16="http://schemas.microsoft.com/office/drawing/2014/main" id="{0E21B4C5-E7C1-43FF-A86B-ED12A45C57FC}"/>
               </a:ext>
             </a:extLst>
           </p:cNvPr>
@@ -10694,7 +10845,7 @@
           <a:p>
             <a:r>
               <a:rPr lang="en-US" altLang="zh-TW" dirty="0"/>
-              <a:t>Experimental Results</a:t>
+              <a:t>Outline</a:t>
             </a:r>
             <a:endParaRPr lang="zh-TW" altLang="en-US" dirty="0"/>
           </a:p>
@@ -10705,7 +10856,7 @@
           <p:cNvPr id="3" name="內容版面配置區 2">
             <a:extLst>
               <a:ext uri="{FF2B5EF4-FFF2-40B4-BE49-F238E27FC236}">
-                <a16:creationId xmlns:a16="http://schemas.microsoft.com/office/drawing/2014/main" id="{902CFE75-50C5-4789-894E-A85AF0E975D3}"/>
+                <a16:creationId xmlns:a16="http://schemas.microsoft.com/office/drawing/2014/main" id="{A7731B0D-BFCA-4942-8434-BA43449D5D22}"/>
               </a:ext>
             </a:extLst>
           </p:cNvPr>
@@ -10722,85 +10873,52 @@
           <a:lstStyle/>
           <a:p>
             <a:r>
+              <a:rPr lang="en-US" altLang="zh-TW" dirty="0">
+                <a:solidFill>
+                  <a:schemeClr val="bg1">
+                    <a:lumMod val="75000"/>
+                  </a:schemeClr>
+                </a:solidFill>
+              </a:rPr>
+              <a:t>Introduction</a:t>
+            </a:r>
+          </a:p>
+          <a:p>
+            <a:r>
+              <a:rPr lang="en-US" altLang="zh-TW" dirty="0">
+                <a:solidFill>
+                  <a:schemeClr val="bg1">
+                    <a:lumMod val="75000"/>
+                  </a:schemeClr>
+                </a:solidFill>
+              </a:rPr>
+              <a:t>Problem Formulation</a:t>
+            </a:r>
+          </a:p>
+          <a:p>
+            <a:r>
               <a:rPr lang="en-US" altLang="zh-TW" dirty="0"/>
-              <a:t>Settings</a:t>
-            </a:r>
-          </a:p>
-          <a:p>
-            <a:pPr lvl="1"/>
-            <a:r>
-              <a:rPr lang="en-US" altLang="zh-TW" dirty="0"/>
-              <a:t>Programming language: </a:t>
-            </a:r>
-            <a:r>
-              <a:rPr lang="en-US" altLang="zh-TW" b="1" dirty="0"/>
-              <a:t>C++</a:t>
-            </a:r>
-            <a:endParaRPr lang="en-US" altLang="zh-TW" dirty="0"/>
-          </a:p>
-          <a:p>
-            <a:pPr lvl="1"/>
-            <a:r>
-              <a:rPr lang="en-US" altLang="zh-TW" dirty="0"/>
-              <a:t>An industrial static timing analyzer with sign-off accuracy</a:t>
-            </a:r>
-          </a:p>
-          <a:p>
-            <a:pPr lvl="1"/>
-            <a:r>
-              <a:rPr lang="en-US" altLang="zh-TW" dirty="0"/>
-              <a:t>14nm circuits from commercial high performance microprocessor designs</a:t>
-            </a:r>
-          </a:p>
-          <a:p>
-            <a:pPr lvl="1"/>
-            <a:endParaRPr lang="en-US" altLang="zh-TW" dirty="0"/>
-          </a:p>
-          <a:p>
-            <a:r>
-              <a:rPr lang="en-US" altLang="zh-TW" dirty="0"/>
-              <a:t>Details</a:t>
-            </a:r>
-          </a:p>
-          <a:p>
-            <a:pPr lvl="1"/>
-            <a:r>
-              <a:rPr lang="en-US" altLang="zh-TW" dirty="0"/>
-              <a:t>Clock period: 180ps</a:t>
-            </a:r>
-          </a:p>
-          <a:p>
-            <a:pPr lvl="1"/>
-            <a:r>
-              <a:rPr lang="en-US" altLang="zh-TW" dirty="0"/>
-              <a:t>Slack threshold: 10ps</a:t>
-            </a:r>
-          </a:p>
-          <a:p>
-            <a:pPr lvl="1"/>
-            <a:r>
-              <a:rPr lang="en-US" altLang="zh-TW" dirty="0"/>
-              <a:t>Iteration limit: 50</a:t>
-            </a:r>
-          </a:p>
-          <a:p>
-            <a:pPr lvl="1"/>
-            <a:r>
-              <a:rPr lang="en-US" altLang="zh-TW" dirty="0"/>
-              <a:t>k: 10</a:t>
-            </a:r>
-          </a:p>
-          <a:p>
-            <a:pPr lvl="1"/>
-            <a:endParaRPr lang="en-US" altLang="zh-TW" dirty="0"/>
-          </a:p>
-          <a:p>
-            <a:pPr lvl="1"/>
-            <a:endParaRPr lang="en-US" altLang="zh-TW" dirty="0"/>
-          </a:p>
-          <a:p>
-            <a:pPr lvl="1"/>
-            <a:endParaRPr lang="zh-TW" altLang="en-US" b="1" dirty="0"/>
+              <a:t>Experimental Results</a:t>
+            </a:r>
+          </a:p>
+          <a:p>
+            <a:r>
+              <a:rPr lang="en-US" altLang="zh-TW" dirty="0">
+                <a:solidFill>
+                  <a:schemeClr val="bg1">
+                    <a:lumMod val="75000"/>
+                  </a:schemeClr>
+                </a:solidFill>
+              </a:rPr>
+              <a:t>Conclusion</a:t>
+            </a:r>
+            <a:endParaRPr lang="zh-TW" altLang="en-US" dirty="0">
+              <a:solidFill>
+                <a:schemeClr val="bg1">
+                  <a:lumMod val="75000"/>
+                </a:schemeClr>
+              </a:solidFill>
+            </a:endParaRPr>
           </a:p>
         </p:txBody>
       </p:sp>
@@ -10809,7 +10927,7 @@
           <p:cNvPr id="4" name="日期版面配置區 3">
             <a:extLst>
               <a:ext uri="{FF2B5EF4-FFF2-40B4-BE49-F238E27FC236}">
-                <a16:creationId xmlns:a16="http://schemas.microsoft.com/office/drawing/2014/main" id="{AA0AB3A0-3BE2-4B22-A5DE-56B2D61246E9}"/>
+                <a16:creationId xmlns:a16="http://schemas.microsoft.com/office/drawing/2014/main" id="{D0037C9E-6880-425F-BD51-65FD3D5207EC}"/>
               </a:ext>
             </a:extLst>
           </p:cNvPr>
@@ -10841,7 +10959,7 @@
           <p:cNvPr id="5" name="投影片編號版面配置區 4">
             <a:extLst>
               <a:ext uri="{FF2B5EF4-FFF2-40B4-BE49-F238E27FC236}">
-                <a16:creationId xmlns:a16="http://schemas.microsoft.com/office/drawing/2014/main" id="{57565F14-FD05-4976-8E7B-8467A0AC3A92}"/>
+                <a16:creationId xmlns:a16="http://schemas.microsoft.com/office/drawing/2014/main" id="{F98953EF-304E-45D1-82DE-8EC49FAFB54C}"/>
               </a:ext>
             </a:extLst>
           </p:cNvPr>
@@ -10866,6 +10984,236 @@
                 <a:defRPr/>
               </a:pPr>
               <a:t>13</a:t>
+            </a:fld>
+            <a:endParaRPr lang="en-US" altLang="zh-Hant" dirty="0"/>
+          </a:p>
+        </p:txBody>
+      </p:sp>
+    </p:spTree>
+    <p:extLst>
+      <p:ext uri="{BB962C8B-B14F-4D97-AF65-F5344CB8AC3E}">
+        <p14:creationId xmlns:p14="http://schemas.microsoft.com/office/powerpoint/2010/main" val="3732529621"/>
+      </p:ext>
+    </p:extLst>
+  </p:cSld>
+  <p:clrMapOvr>
+    <a:masterClrMapping/>
+  </p:clrMapOvr>
+</p:sld>
+</file>
+
+<file path=ppt/slides/slide14.xml><?xml version="1.0" encoding="utf-8"?>
+<p:sld xmlns:a="http://schemas.openxmlformats.org/drawingml/2006/main" xmlns:r="http://schemas.openxmlformats.org/officeDocument/2006/relationships" xmlns:p="http://schemas.openxmlformats.org/presentationml/2006/main">
+  <p:cSld>
+    <p:spTree>
+      <p:nvGrpSpPr>
+        <p:cNvPr id="1" name=""/>
+        <p:cNvGrpSpPr/>
+        <p:nvPr/>
+      </p:nvGrpSpPr>
+      <p:grpSpPr>
+        <a:xfrm>
+          <a:off x="0" y="0"/>
+          <a:ext cx="0" cy="0"/>
+          <a:chOff x="0" y="0"/>
+          <a:chExt cx="0" cy="0"/>
+        </a:xfrm>
+      </p:grpSpPr>
+      <p:sp>
+        <p:nvSpPr>
+          <p:cNvPr id="2" name="標題 1">
+            <a:extLst>
+              <a:ext uri="{FF2B5EF4-FFF2-40B4-BE49-F238E27FC236}">
+                <a16:creationId xmlns:a16="http://schemas.microsoft.com/office/drawing/2014/main" id="{B36C0CBB-73B6-4523-BBAB-8A0776641E37}"/>
+              </a:ext>
+            </a:extLst>
+          </p:cNvPr>
+          <p:cNvSpPr>
+            <a:spLocks noGrp="1"/>
+          </p:cNvSpPr>
+          <p:nvPr>
+            <p:ph type="title"/>
+          </p:nvPr>
+        </p:nvSpPr>
+        <p:spPr/>
+        <p:txBody>
+          <a:bodyPr/>
+          <a:lstStyle/>
+          <a:p>
+            <a:r>
+              <a:rPr lang="en-US" altLang="zh-TW" dirty="0"/>
+              <a:t>Experimental Results</a:t>
+            </a:r>
+            <a:endParaRPr lang="zh-TW" altLang="en-US" dirty="0"/>
+          </a:p>
+        </p:txBody>
+      </p:sp>
+      <p:sp>
+        <p:nvSpPr>
+          <p:cNvPr id="3" name="內容版面配置區 2">
+            <a:extLst>
+              <a:ext uri="{FF2B5EF4-FFF2-40B4-BE49-F238E27FC236}">
+                <a16:creationId xmlns:a16="http://schemas.microsoft.com/office/drawing/2014/main" id="{902CFE75-50C5-4789-894E-A85AF0E975D3}"/>
+              </a:ext>
+            </a:extLst>
+          </p:cNvPr>
+          <p:cNvSpPr>
+            <a:spLocks noGrp="1"/>
+          </p:cNvSpPr>
+          <p:nvPr>
+            <p:ph idx="1"/>
+          </p:nvPr>
+        </p:nvSpPr>
+        <p:spPr/>
+        <p:txBody>
+          <a:bodyPr/>
+          <a:lstStyle/>
+          <a:p>
+            <a:r>
+              <a:rPr lang="en-US" altLang="zh-TW" dirty="0"/>
+              <a:t>Settings</a:t>
+            </a:r>
+          </a:p>
+          <a:p>
+            <a:pPr lvl="1"/>
+            <a:r>
+              <a:rPr lang="en-US" altLang="zh-TW" dirty="0"/>
+              <a:t>Programming language: </a:t>
+            </a:r>
+            <a:r>
+              <a:rPr lang="en-US" altLang="zh-TW" b="1" dirty="0"/>
+              <a:t>C++</a:t>
+            </a:r>
+            <a:endParaRPr lang="en-US" altLang="zh-TW" dirty="0"/>
+          </a:p>
+          <a:p>
+            <a:pPr lvl="1"/>
+            <a:r>
+              <a:rPr lang="en-US" altLang="zh-TW" dirty="0"/>
+              <a:t>An industrial static timing analyzer with sign-off accuracy</a:t>
+            </a:r>
+          </a:p>
+          <a:p>
+            <a:pPr lvl="1"/>
+            <a:r>
+              <a:rPr lang="en-US" altLang="zh-TW" dirty="0"/>
+              <a:t>14nm circuits from commercial high performance microprocessor designs</a:t>
+            </a:r>
+          </a:p>
+          <a:p>
+            <a:pPr lvl="1"/>
+            <a:endParaRPr lang="en-US" altLang="zh-TW" dirty="0"/>
+          </a:p>
+          <a:p>
+            <a:r>
+              <a:rPr lang="en-US" altLang="zh-TW" dirty="0"/>
+              <a:t>Details</a:t>
+            </a:r>
+          </a:p>
+          <a:p>
+            <a:pPr lvl="1"/>
+            <a:r>
+              <a:rPr lang="en-US" altLang="zh-TW" dirty="0"/>
+              <a:t>Clock period: 180ps</a:t>
+            </a:r>
+          </a:p>
+          <a:p>
+            <a:pPr lvl="1"/>
+            <a:r>
+              <a:rPr lang="en-US" altLang="zh-TW" dirty="0"/>
+              <a:t>Slack threshold: 10ps</a:t>
+            </a:r>
+          </a:p>
+          <a:p>
+            <a:pPr lvl="1"/>
+            <a:r>
+              <a:rPr lang="en-US" altLang="zh-TW" dirty="0"/>
+              <a:t>Iteration limit: 50</a:t>
+            </a:r>
+          </a:p>
+          <a:p>
+            <a:pPr lvl="1"/>
+            <a:r>
+              <a:rPr lang="en-US" altLang="zh-TW" dirty="0"/>
+              <a:t>k: 10</a:t>
+            </a:r>
+          </a:p>
+          <a:p>
+            <a:pPr lvl="1"/>
+            <a:endParaRPr lang="en-US" altLang="zh-TW" dirty="0"/>
+          </a:p>
+          <a:p>
+            <a:pPr lvl="1"/>
+            <a:endParaRPr lang="en-US" altLang="zh-TW" dirty="0"/>
+          </a:p>
+          <a:p>
+            <a:pPr lvl="1"/>
+            <a:endParaRPr lang="zh-TW" altLang="en-US" b="1" dirty="0"/>
+          </a:p>
+        </p:txBody>
+      </p:sp>
+      <p:sp>
+        <p:nvSpPr>
+          <p:cNvPr id="4" name="日期版面配置區 3">
+            <a:extLst>
+              <a:ext uri="{FF2B5EF4-FFF2-40B4-BE49-F238E27FC236}">
+                <a16:creationId xmlns:a16="http://schemas.microsoft.com/office/drawing/2014/main" id="{AA0AB3A0-3BE2-4B22-A5DE-56B2D61246E9}"/>
+              </a:ext>
+            </a:extLst>
+          </p:cNvPr>
+          <p:cNvSpPr>
+            <a:spLocks noGrp="1"/>
+          </p:cNvSpPr>
+          <p:nvPr>
+            <p:ph type="dt" sz="half" idx="10"/>
+          </p:nvPr>
+        </p:nvSpPr>
+        <p:spPr/>
+        <p:txBody>
+          <a:bodyPr/>
+          <a:lstStyle/>
+          <a:p>
+            <a:pPr>
+              <a:defRPr/>
+            </a:pPr>
+            <a:r>
+              <a:rPr lang="en-US" altLang="zh-Hant"/>
+              <a:t>GIEE, NTU</a:t>
+            </a:r>
+            <a:endParaRPr lang="zh-Hant" altLang="zh-Hant"/>
+          </a:p>
+        </p:txBody>
+      </p:sp>
+      <p:sp>
+        <p:nvSpPr>
+          <p:cNvPr id="5" name="投影片編號版面配置區 4">
+            <a:extLst>
+              <a:ext uri="{FF2B5EF4-FFF2-40B4-BE49-F238E27FC236}">
+                <a16:creationId xmlns:a16="http://schemas.microsoft.com/office/drawing/2014/main" id="{57565F14-FD05-4976-8E7B-8467A0AC3A92}"/>
+              </a:ext>
+            </a:extLst>
+          </p:cNvPr>
+          <p:cNvSpPr>
+            <a:spLocks noGrp="1"/>
+          </p:cNvSpPr>
+          <p:nvPr>
+            <p:ph type="sldNum" sz="quarter" idx="11"/>
+          </p:nvPr>
+        </p:nvSpPr>
+        <p:spPr/>
+        <p:txBody>
+          <a:bodyPr/>
+          <a:lstStyle/>
+          <a:p>
+            <a:pPr>
+              <a:defRPr/>
+            </a:pPr>
+            <a:fld id="{5A007831-3536-4435-90C1-461D060F6A03}" type="slidenum">
+              <a:rPr lang="zh-Hant" altLang="en-US" smtClean="0"/>
+              <a:pPr>
+                <a:defRPr/>
+              </a:pPr>
+              <a:t>14</a:t>
             </a:fld>
             <a:endParaRPr lang="en-US" altLang="zh-Hant" dirty="0"/>
           </a:p>
@@ -10914,197 +11262,6 @@
 </p:sld>
 </file>
 
-<file path=ppt/slides/slide14.xml><?xml version="1.0" encoding="utf-8"?>
-<p:sld xmlns:a="http://schemas.openxmlformats.org/drawingml/2006/main" xmlns:r="http://schemas.openxmlformats.org/officeDocument/2006/relationships" xmlns:p="http://schemas.openxmlformats.org/presentationml/2006/main">
-  <p:cSld>
-    <p:spTree>
-      <p:nvGrpSpPr>
-        <p:cNvPr id="1" name=""/>
-        <p:cNvGrpSpPr/>
-        <p:nvPr/>
-      </p:nvGrpSpPr>
-      <p:grpSpPr>
-        <a:xfrm>
-          <a:off x="0" y="0"/>
-          <a:ext cx="0" cy="0"/>
-          <a:chOff x="0" y="0"/>
-          <a:chExt cx="0" cy="0"/>
-        </a:xfrm>
-      </p:grpSpPr>
-      <p:sp>
-        <p:nvSpPr>
-          <p:cNvPr id="2" name="標題 1">
-            <a:extLst>
-              <a:ext uri="{FF2B5EF4-FFF2-40B4-BE49-F238E27FC236}">
-                <a16:creationId xmlns:a16="http://schemas.microsoft.com/office/drawing/2014/main" id="{0E21B4C5-E7C1-43FF-A86B-ED12A45C57FC}"/>
-              </a:ext>
-            </a:extLst>
-          </p:cNvPr>
-          <p:cNvSpPr>
-            <a:spLocks noGrp="1"/>
-          </p:cNvSpPr>
-          <p:nvPr>
-            <p:ph type="title"/>
-          </p:nvPr>
-        </p:nvSpPr>
-        <p:spPr/>
-        <p:txBody>
-          <a:bodyPr/>
-          <a:lstStyle/>
-          <a:p>
-            <a:r>
-              <a:rPr lang="en-US" altLang="zh-TW" dirty="0"/>
-              <a:t>Outline</a:t>
-            </a:r>
-            <a:endParaRPr lang="zh-TW" altLang="en-US" dirty="0"/>
-          </a:p>
-        </p:txBody>
-      </p:sp>
-      <p:sp>
-        <p:nvSpPr>
-          <p:cNvPr id="3" name="內容版面配置區 2">
-            <a:extLst>
-              <a:ext uri="{FF2B5EF4-FFF2-40B4-BE49-F238E27FC236}">
-                <a16:creationId xmlns:a16="http://schemas.microsoft.com/office/drawing/2014/main" id="{A7731B0D-BFCA-4942-8434-BA43449D5D22}"/>
-              </a:ext>
-            </a:extLst>
-          </p:cNvPr>
-          <p:cNvSpPr>
-            <a:spLocks noGrp="1"/>
-          </p:cNvSpPr>
-          <p:nvPr>
-            <p:ph idx="1"/>
-          </p:nvPr>
-        </p:nvSpPr>
-        <p:spPr/>
-        <p:txBody>
-          <a:bodyPr/>
-          <a:lstStyle/>
-          <a:p>
-            <a:r>
-              <a:rPr lang="en-US" altLang="zh-TW" dirty="0">
-                <a:solidFill>
-                  <a:schemeClr val="bg1">
-                    <a:lumMod val="75000"/>
-                  </a:schemeClr>
-                </a:solidFill>
-              </a:rPr>
-              <a:t>Introduction</a:t>
-            </a:r>
-          </a:p>
-          <a:p>
-            <a:r>
-              <a:rPr lang="en-US" altLang="zh-TW" dirty="0">
-                <a:solidFill>
-                  <a:schemeClr val="bg1">
-                    <a:lumMod val="75000"/>
-                  </a:schemeClr>
-                </a:solidFill>
-              </a:rPr>
-              <a:t>Algorithms</a:t>
-            </a:r>
-          </a:p>
-          <a:p>
-            <a:r>
-              <a:rPr lang="en-US" altLang="zh-TW" dirty="0">
-                <a:solidFill>
-                  <a:schemeClr val="bg1">
-                    <a:lumMod val="75000"/>
-                  </a:schemeClr>
-                </a:solidFill>
-              </a:rPr>
-              <a:t>Experimental Results</a:t>
-            </a:r>
-          </a:p>
-          <a:p>
-            <a:r>
-              <a:rPr lang="en-US" altLang="zh-TW" dirty="0"/>
-              <a:t>Conclusion</a:t>
-            </a:r>
-            <a:endParaRPr lang="zh-TW" altLang="en-US" dirty="0"/>
-          </a:p>
-        </p:txBody>
-      </p:sp>
-      <p:sp>
-        <p:nvSpPr>
-          <p:cNvPr id="4" name="日期版面配置區 3">
-            <a:extLst>
-              <a:ext uri="{FF2B5EF4-FFF2-40B4-BE49-F238E27FC236}">
-                <a16:creationId xmlns:a16="http://schemas.microsoft.com/office/drawing/2014/main" id="{D0037C9E-6880-425F-BD51-65FD3D5207EC}"/>
-              </a:ext>
-            </a:extLst>
-          </p:cNvPr>
-          <p:cNvSpPr>
-            <a:spLocks noGrp="1"/>
-          </p:cNvSpPr>
-          <p:nvPr>
-            <p:ph type="dt" sz="half" idx="10"/>
-          </p:nvPr>
-        </p:nvSpPr>
-        <p:spPr/>
-        <p:txBody>
-          <a:bodyPr/>
-          <a:lstStyle/>
-          <a:p>
-            <a:pPr>
-              <a:defRPr/>
-            </a:pPr>
-            <a:r>
-              <a:rPr lang="en-US" altLang="zh-Hant"/>
-              <a:t>GIEE, NTU</a:t>
-            </a:r>
-            <a:endParaRPr lang="zh-Hant" altLang="zh-Hant"/>
-          </a:p>
-        </p:txBody>
-      </p:sp>
-      <p:sp>
-        <p:nvSpPr>
-          <p:cNvPr id="5" name="投影片編號版面配置區 4">
-            <a:extLst>
-              <a:ext uri="{FF2B5EF4-FFF2-40B4-BE49-F238E27FC236}">
-                <a16:creationId xmlns:a16="http://schemas.microsoft.com/office/drawing/2014/main" id="{F98953EF-304E-45D1-82DE-8EC49FAFB54C}"/>
-              </a:ext>
-            </a:extLst>
-          </p:cNvPr>
-          <p:cNvSpPr>
-            <a:spLocks noGrp="1"/>
-          </p:cNvSpPr>
-          <p:nvPr>
-            <p:ph type="sldNum" sz="quarter" idx="11"/>
-          </p:nvPr>
-        </p:nvSpPr>
-        <p:spPr/>
-        <p:txBody>
-          <a:bodyPr/>
-          <a:lstStyle/>
-          <a:p>
-            <a:pPr>
-              <a:defRPr/>
-            </a:pPr>
-            <a:fld id="{5A007831-3536-4435-90C1-461D060F6A03}" type="slidenum">
-              <a:rPr lang="zh-Hant" altLang="en-US" smtClean="0"/>
-              <a:pPr>
-                <a:defRPr/>
-              </a:pPr>
-              <a:t>14</a:t>
-            </a:fld>
-            <a:endParaRPr lang="en-US" altLang="zh-Hant" dirty="0"/>
-          </a:p>
-        </p:txBody>
-      </p:sp>
-    </p:spTree>
-    <p:extLst>
-      <p:ext uri="{BB962C8B-B14F-4D97-AF65-F5344CB8AC3E}">
-        <p14:creationId xmlns:p14="http://schemas.microsoft.com/office/powerpoint/2010/main" val="2208720815"/>
-      </p:ext>
-    </p:extLst>
-  </p:cSld>
-  <p:clrMapOvr>
-    <a:masterClrMapping/>
-  </p:clrMapOvr>
-</p:sld>
-</file>
-
 <file path=ppt/slides/slide15.xml><?xml version="1.0" encoding="utf-8"?>
 <p:sld xmlns:a="http://schemas.openxmlformats.org/drawingml/2006/main" xmlns:r="http://schemas.openxmlformats.org/officeDocument/2006/relationships" xmlns:p="http://schemas.openxmlformats.org/presentationml/2006/main">
   <p:cSld>
@@ -11127,7 +11284,7 @@
           <p:cNvPr id="2" name="標題 1">
             <a:extLst>
               <a:ext uri="{FF2B5EF4-FFF2-40B4-BE49-F238E27FC236}">
-                <a16:creationId xmlns:a16="http://schemas.microsoft.com/office/drawing/2014/main" id="{B36C0CBB-73B6-4523-BBAB-8A0776641E37}"/>
+                <a16:creationId xmlns:a16="http://schemas.microsoft.com/office/drawing/2014/main" id="{0E21B4C5-E7C1-43FF-A86B-ED12A45C57FC}"/>
               </a:ext>
             </a:extLst>
           </p:cNvPr>
@@ -11145,7 +11302,7 @@
           <a:p>
             <a:r>
               <a:rPr lang="en-US" altLang="zh-TW" dirty="0"/>
-              <a:t>Conclusion</a:t>
+              <a:t>Outline</a:t>
             </a:r>
             <a:endParaRPr lang="zh-TW" altLang="en-US" dirty="0"/>
           </a:p>
@@ -11156,7 +11313,7 @@
           <p:cNvPr id="3" name="內容版面配置區 2">
             <a:extLst>
               <a:ext uri="{FF2B5EF4-FFF2-40B4-BE49-F238E27FC236}">
-                <a16:creationId xmlns:a16="http://schemas.microsoft.com/office/drawing/2014/main" id="{902CFE75-50C5-4789-894E-A85AF0E975D3}"/>
+                <a16:creationId xmlns:a16="http://schemas.microsoft.com/office/drawing/2014/main" id="{A7731B0D-BFCA-4942-8434-BA43449D5D22}"/>
               </a:ext>
             </a:extLst>
           </p:cNvPr>
@@ -11173,53 +11330,45 @@
           <a:lstStyle/>
           <a:p>
             <a:r>
+              <a:rPr lang="en-US" altLang="zh-TW" dirty="0">
+                <a:solidFill>
+                  <a:schemeClr val="bg1">
+                    <a:lumMod val="75000"/>
+                  </a:schemeClr>
+                </a:solidFill>
+              </a:rPr>
+              <a:t>Introduction</a:t>
+            </a:r>
+          </a:p>
+          <a:p>
+            <a:r>
+              <a:rPr lang="en-US" altLang="zh-TW" dirty="0">
+                <a:solidFill>
+                  <a:schemeClr val="bg1">
+                    <a:lumMod val="75000"/>
+                  </a:schemeClr>
+                </a:solidFill>
+              </a:rPr>
+              <a:t>Algorithms</a:t>
+            </a:r>
+          </a:p>
+          <a:p>
+            <a:r>
+              <a:rPr lang="en-US" altLang="zh-TW" dirty="0">
+                <a:solidFill>
+                  <a:schemeClr val="bg1">
+                    <a:lumMod val="75000"/>
+                  </a:schemeClr>
+                </a:solidFill>
+              </a:rPr>
+              <a:t>Experimental Results</a:t>
+            </a:r>
+          </a:p>
+          <a:p>
+            <a:r>
               <a:rPr lang="en-US" altLang="zh-TW" dirty="0"/>
-              <a:t>Present a path-based incremental timing-driven placement algorithm called OWARU</a:t>
-            </a:r>
-            <a:endParaRPr lang="en" altLang="zh-TW" dirty="0"/>
-          </a:p>
-          <a:p>
-            <a:endParaRPr lang="en" altLang="zh-TW" dirty="0"/>
-          </a:p>
-          <a:p>
-            <a:r>
-              <a:rPr lang="en-US" altLang="zh-TW" dirty="0"/>
-              <a:t>Adopt </a:t>
-            </a:r>
-            <a:r>
-              <a:rPr lang="en-US" altLang="zh-TW" dirty="0" err="1"/>
-              <a:t>Bézier</a:t>
-            </a:r>
-            <a:r>
-              <a:rPr lang="en-US" altLang="zh-TW" dirty="0"/>
-              <a:t> curve smoothing to straighten out meandering timing critical paths</a:t>
-            </a:r>
-            <a:endParaRPr lang="en" altLang="zh-TW" dirty="0"/>
-          </a:p>
-          <a:p>
-            <a:pPr lvl="1"/>
-            <a:endParaRPr lang="en" altLang="zh-TW" dirty="0"/>
-          </a:p>
-          <a:p>
-            <a:r>
-              <a:rPr lang="en-US" altLang="zh-TW" dirty="0"/>
-              <a:t>Provide a free space aware capability to guarantee a legal placement solution even without an explicit legalization step</a:t>
-            </a:r>
-            <a:endParaRPr lang="en" altLang="zh-TW" dirty="0"/>
-          </a:p>
-          <a:p>
-            <a:endParaRPr lang="en" altLang="zh-TW" dirty="0"/>
-          </a:p>
-          <a:p>
-            <a:endParaRPr lang="en" altLang="zh-TW" dirty="0"/>
-          </a:p>
-          <a:p>
-            <a:endParaRPr lang="en" altLang="zh-TW" dirty="0"/>
-          </a:p>
-          <a:p>
-            <a:endParaRPr lang="en" altLang="zh-TW" dirty="0"/>
-          </a:p>
-          <a:p>
+              <a:t>Conclusion</a:t>
+            </a:r>
             <a:endParaRPr lang="zh-TW" altLang="en-US" dirty="0"/>
           </a:p>
         </p:txBody>
@@ -11229,7 +11378,7 @@
           <p:cNvPr id="4" name="日期版面配置區 3">
             <a:extLst>
               <a:ext uri="{FF2B5EF4-FFF2-40B4-BE49-F238E27FC236}">
-                <a16:creationId xmlns:a16="http://schemas.microsoft.com/office/drawing/2014/main" id="{AA0AB3A0-3BE2-4B22-A5DE-56B2D61246E9}"/>
+                <a16:creationId xmlns:a16="http://schemas.microsoft.com/office/drawing/2014/main" id="{D0037C9E-6880-425F-BD51-65FD3D5207EC}"/>
               </a:ext>
             </a:extLst>
           </p:cNvPr>
@@ -11249,10 +11398,10 @@
               <a:defRPr/>
             </a:pPr>
             <a:r>
-              <a:rPr lang="en-US" altLang="zh-Hant" dirty="0"/>
+              <a:rPr lang="en-US" altLang="zh-Hant"/>
               <a:t>GIEE, NTU</a:t>
             </a:r>
-            <a:endParaRPr lang="zh-Hant" altLang="zh-Hant" dirty="0"/>
+            <a:endParaRPr lang="zh-Hant" altLang="zh-Hant"/>
           </a:p>
         </p:txBody>
       </p:sp>
@@ -11261,7 +11410,7 @@
           <p:cNvPr id="5" name="投影片編號版面配置區 4">
             <a:extLst>
               <a:ext uri="{FF2B5EF4-FFF2-40B4-BE49-F238E27FC236}">
-                <a16:creationId xmlns:a16="http://schemas.microsoft.com/office/drawing/2014/main" id="{57565F14-FD05-4976-8E7B-8467A0AC3A92}"/>
+                <a16:creationId xmlns:a16="http://schemas.microsoft.com/office/drawing/2014/main" id="{F98953EF-304E-45D1-82DE-8EC49FAFB54C}"/>
               </a:ext>
             </a:extLst>
           </p:cNvPr>
@@ -11286,6 +11435,205 @@
                 <a:defRPr/>
               </a:pPr>
               <a:t>15</a:t>
+            </a:fld>
+            <a:endParaRPr lang="en-US" altLang="zh-Hant" dirty="0"/>
+          </a:p>
+        </p:txBody>
+      </p:sp>
+    </p:spTree>
+    <p:extLst>
+      <p:ext uri="{BB962C8B-B14F-4D97-AF65-F5344CB8AC3E}">
+        <p14:creationId xmlns:p14="http://schemas.microsoft.com/office/powerpoint/2010/main" val="2208720815"/>
+      </p:ext>
+    </p:extLst>
+  </p:cSld>
+  <p:clrMapOvr>
+    <a:masterClrMapping/>
+  </p:clrMapOvr>
+</p:sld>
+</file>
+
+<file path=ppt/slides/slide16.xml><?xml version="1.0" encoding="utf-8"?>
+<p:sld xmlns:a="http://schemas.openxmlformats.org/drawingml/2006/main" xmlns:r="http://schemas.openxmlformats.org/officeDocument/2006/relationships" xmlns:p="http://schemas.openxmlformats.org/presentationml/2006/main">
+  <p:cSld>
+    <p:spTree>
+      <p:nvGrpSpPr>
+        <p:cNvPr id="1" name=""/>
+        <p:cNvGrpSpPr/>
+        <p:nvPr/>
+      </p:nvGrpSpPr>
+      <p:grpSpPr>
+        <a:xfrm>
+          <a:off x="0" y="0"/>
+          <a:ext cx="0" cy="0"/>
+          <a:chOff x="0" y="0"/>
+          <a:chExt cx="0" cy="0"/>
+        </a:xfrm>
+      </p:grpSpPr>
+      <p:sp>
+        <p:nvSpPr>
+          <p:cNvPr id="2" name="標題 1">
+            <a:extLst>
+              <a:ext uri="{FF2B5EF4-FFF2-40B4-BE49-F238E27FC236}">
+                <a16:creationId xmlns:a16="http://schemas.microsoft.com/office/drawing/2014/main" id="{B36C0CBB-73B6-4523-BBAB-8A0776641E37}"/>
+              </a:ext>
+            </a:extLst>
+          </p:cNvPr>
+          <p:cNvSpPr>
+            <a:spLocks noGrp="1"/>
+          </p:cNvSpPr>
+          <p:nvPr>
+            <p:ph type="title"/>
+          </p:nvPr>
+        </p:nvSpPr>
+        <p:spPr/>
+        <p:txBody>
+          <a:bodyPr/>
+          <a:lstStyle/>
+          <a:p>
+            <a:r>
+              <a:rPr lang="en-US" altLang="zh-TW" dirty="0"/>
+              <a:t>Conclusion</a:t>
+            </a:r>
+            <a:endParaRPr lang="zh-TW" altLang="en-US" dirty="0"/>
+          </a:p>
+        </p:txBody>
+      </p:sp>
+      <p:sp>
+        <p:nvSpPr>
+          <p:cNvPr id="3" name="內容版面配置區 2">
+            <a:extLst>
+              <a:ext uri="{FF2B5EF4-FFF2-40B4-BE49-F238E27FC236}">
+                <a16:creationId xmlns:a16="http://schemas.microsoft.com/office/drawing/2014/main" id="{902CFE75-50C5-4789-894E-A85AF0E975D3}"/>
+              </a:ext>
+            </a:extLst>
+          </p:cNvPr>
+          <p:cNvSpPr>
+            <a:spLocks noGrp="1"/>
+          </p:cNvSpPr>
+          <p:nvPr>
+            <p:ph idx="1"/>
+          </p:nvPr>
+        </p:nvSpPr>
+        <p:spPr/>
+        <p:txBody>
+          <a:bodyPr/>
+          <a:lstStyle/>
+          <a:p>
+            <a:r>
+              <a:rPr lang="en-US" altLang="zh-TW" dirty="0"/>
+              <a:t>Present a path-based incremental timing-driven placement algorithm called OWARU</a:t>
+            </a:r>
+            <a:endParaRPr lang="en" altLang="zh-TW" dirty="0"/>
+          </a:p>
+          <a:p>
+            <a:endParaRPr lang="en" altLang="zh-TW" dirty="0"/>
+          </a:p>
+          <a:p>
+            <a:r>
+              <a:rPr lang="en-US" altLang="zh-TW" dirty="0"/>
+              <a:t>Adopt </a:t>
+            </a:r>
+            <a:r>
+              <a:rPr lang="en-US" altLang="zh-TW" dirty="0" err="1"/>
+              <a:t>Bézier</a:t>
+            </a:r>
+            <a:r>
+              <a:rPr lang="en-US" altLang="zh-TW" dirty="0"/>
+              <a:t> curve smoothing to straighten out meandering timing critical paths</a:t>
+            </a:r>
+            <a:endParaRPr lang="en" altLang="zh-TW" dirty="0"/>
+          </a:p>
+          <a:p>
+            <a:pPr lvl="1"/>
+            <a:endParaRPr lang="en" altLang="zh-TW" dirty="0"/>
+          </a:p>
+          <a:p>
+            <a:r>
+              <a:rPr lang="en-US" altLang="zh-TW" dirty="0"/>
+              <a:t>Provide a free space aware capability to guarantee a legal placement solution even without an explicit legalization step</a:t>
+            </a:r>
+            <a:endParaRPr lang="en" altLang="zh-TW" dirty="0"/>
+          </a:p>
+          <a:p>
+            <a:endParaRPr lang="en" altLang="zh-TW" dirty="0"/>
+          </a:p>
+          <a:p>
+            <a:endParaRPr lang="en" altLang="zh-TW" dirty="0"/>
+          </a:p>
+          <a:p>
+            <a:endParaRPr lang="en" altLang="zh-TW" dirty="0"/>
+          </a:p>
+          <a:p>
+            <a:endParaRPr lang="en" altLang="zh-TW" dirty="0"/>
+          </a:p>
+          <a:p>
+            <a:endParaRPr lang="zh-TW" altLang="en-US" dirty="0"/>
+          </a:p>
+        </p:txBody>
+      </p:sp>
+      <p:sp>
+        <p:nvSpPr>
+          <p:cNvPr id="4" name="日期版面配置區 3">
+            <a:extLst>
+              <a:ext uri="{FF2B5EF4-FFF2-40B4-BE49-F238E27FC236}">
+                <a16:creationId xmlns:a16="http://schemas.microsoft.com/office/drawing/2014/main" id="{AA0AB3A0-3BE2-4B22-A5DE-56B2D61246E9}"/>
+              </a:ext>
+            </a:extLst>
+          </p:cNvPr>
+          <p:cNvSpPr>
+            <a:spLocks noGrp="1"/>
+          </p:cNvSpPr>
+          <p:nvPr>
+            <p:ph type="dt" sz="half" idx="10"/>
+          </p:nvPr>
+        </p:nvSpPr>
+        <p:spPr/>
+        <p:txBody>
+          <a:bodyPr/>
+          <a:lstStyle/>
+          <a:p>
+            <a:pPr>
+              <a:defRPr/>
+            </a:pPr>
+            <a:r>
+              <a:rPr lang="en-US" altLang="zh-Hant" dirty="0"/>
+              <a:t>GIEE, NTU</a:t>
+            </a:r>
+            <a:endParaRPr lang="zh-Hant" altLang="zh-Hant" dirty="0"/>
+          </a:p>
+        </p:txBody>
+      </p:sp>
+      <p:sp>
+        <p:nvSpPr>
+          <p:cNvPr id="5" name="投影片編號版面配置區 4">
+            <a:extLst>
+              <a:ext uri="{FF2B5EF4-FFF2-40B4-BE49-F238E27FC236}">
+                <a16:creationId xmlns:a16="http://schemas.microsoft.com/office/drawing/2014/main" id="{57565F14-FD05-4976-8E7B-8467A0AC3A92}"/>
+              </a:ext>
+            </a:extLst>
+          </p:cNvPr>
+          <p:cNvSpPr>
+            <a:spLocks noGrp="1"/>
+          </p:cNvSpPr>
+          <p:nvPr>
+            <p:ph type="sldNum" sz="quarter" idx="11"/>
+          </p:nvPr>
+        </p:nvSpPr>
+        <p:spPr/>
+        <p:txBody>
+          <a:bodyPr/>
+          <a:lstStyle/>
+          <a:p>
+            <a:pPr>
+              <a:defRPr/>
+            </a:pPr>
+            <a:fld id="{5A007831-3536-4435-90C1-461D060F6A03}" type="slidenum">
+              <a:rPr lang="zh-Hant" altLang="en-US" smtClean="0"/>
+              <a:pPr>
+                <a:defRPr/>
+              </a:pPr>
+              <a:t>16</a:t>
             </a:fld>
             <a:endParaRPr lang="en-US" altLang="zh-Hant" dirty="0"/>
           </a:p>
@@ -11304,7 +11652,7 @@
 </p:sld>
 </file>
 
-<file path=ppt/slides/slide16.xml><?xml version="1.0" encoding="utf-8"?>
+<file path=ppt/slides/slide17.xml><?xml version="1.0" encoding="utf-8"?>
 <p:sld xmlns:a="http://schemas.openxmlformats.org/drawingml/2006/main" xmlns:r="http://schemas.openxmlformats.org/officeDocument/2006/relationships" xmlns:p="http://schemas.openxmlformats.org/presentationml/2006/main">
   <p:cSld>
     <p:spTree>
@@ -12233,14 +12581,14 @@
           </a:ln>
           <a:extLst>
             <a:ext uri="{909E8E84-426E-40dd-AFC4-6F175D3DCCD1}">
-              <a14:hiddenFill xmlns:a14="http://schemas.microsoft.com/office/drawing/2010/main" xmlns="">
+              <a14:hiddenFill xmlns="" xmlns:a14="http://schemas.microsoft.com/office/drawing/2010/main">
                 <a:solidFill>
                   <a:srgbClr val="FFFFFF"/>
                 </a:solidFill>
               </a14:hiddenFill>
             </a:ext>
             <a:ext uri="{91240B29-F687-4f45-9708-019B960494DF}">
-              <a14:hiddenLine xmlns:a14="http://schemas.microsoft.com/office/drawing/2010/main" xmlns="" w="9525">
+              <a14:hiddenLine xmlns="" xmlns:a14="http://schemas.microsoft.com/office/drawing/2010/main" w="9525">
                 <a:solidFill>
                   <a:srgbClr val="000000"/>
                 </a:solidFill>
@@ -12478,7 +12826,7 @@
           <a:p>
             <a:r>
               <a:rPr lang="en-US" altLang="zh-TW" kern="0" dirty="0"/>
-              <a:t>Delay After Movement</a:t>
+              <a:t>Net Delay After Movement</a:t>
             </a:r>
           </a:p>
           <a:p>
@@ -12615,7 +12963,7 @@
           <p:cNvPr id="2" name="標題 1">
             <a:extLst>
               <a:ext uri="{FF2B5EF4-FFF2-40B4-BE49-F238E27FC236}">
-                <a16:creationId xmlns:a16="http://schemas.microsoft.com/office/drawing/2014/main" id="{0E21B4C5-E7C1-43FF-A86B-ED12A45C57FC}"/>
+                <a16:creationId xmlns:a16="http://schemas.microsoft.com/office/drawing/2014/main" id="{B36C0CBB-73B6-4523-BBAB-8A0776641E37}"/>
               </a:ext>
             </a:extLst>
           </p:cNvPr>
@@ -12633,7 +12981,7 @@
           <a:p>
             <a:r>
               <a:rPr lang="en-US" altLang="zh-TW" dirty="0"/>
-              <a:t>Outline</a:t>
+              <a:t>Circuit Timing Measurement</a:t>
             </a:r>
             <a:endParaRPr lang="zh-TW" altLang="en-US" dirty="0"/>
           </a:p>
@@ -12644,7 +12992,7 @@
           <p:cNvPr id="3" name="內容版面配置區 2">
             <a:extLst>
               <a:ext uri="{FF2B5EF4-FFF2-40B4-BE49-F238E27FC236}">
-                <a16:creationId xmlns:a16="http://schemas.microsoft.com/office/drawing/2014/main" id="{A7731B0D-BFCA-4942-8434-BA43449D5D22}"/>
+                <a16:creationId xmlns:a16="http://schemas.microsoft.com/office/drawing/2014/main" id="{902CFE75-50C5-4789-894E-A85AF0E975D3}"/>
               </a:ext>
             </a:extLst>
           </p:cNvPr>
@@ -12661,90 +13009,48 @@
           <a:lstStyle/>
           <a:p>
             <a:r>
-              <a:rPr lang="en-US" altLang="zh-TW" dirty="0">
-                <a:solidFill>
-                  <a:schemeClr val="bg1">
-                    <a:lumMod val="75000"/>
-                  </a:schemeClr>
-                </a:solidFill>
-              </a:rPr>
-              <a:t>Introduction</a:t>
-            </a:r>
-          </a:p>
-          <a:p>
-            <a:r>
               <a:rPr lang="en-US" altLang="zh-TW" dirty="0"/>
-              <a:t>Algorithms</a:t>
-            </a:r>
-          </a:p>
-          <a:p>
-            <a:r>
-              <a:rPr lang="en-US" altLang="zh-TW" dirty="0">
-                <a:solidFill>
-                  <a:schemeClr val="bg1">
-                    <a:lumMod val="75000"/>
-                  </a:schemeClr>
-                </a:solidFill>
-              </a:rPr>
-              <a:t>Proposed Flow</a:t>
-            </a:r>
-          </a:p>
-          <a:p>
-            <a:pPr lvl="1"/>
-            <a:r>
-              <a:rPr lang="en-US" altLang="zh-TW" dirty="0">
-                <a:solidFill>
-                  <a:schemeClr val="bg1">
-                    <a:lumMod val="75000"/>
-                  </a:schemeClr>
-                </a:solidFill>
-              </a:rPr>
-              <a:t>Dynamic IR drop prediction</a:t>
-            </a:r>
-          </a:p>
-          <a:p>
-            <a:pPr lvl="1"/>
-            <a:r>
-              <a:rPr lang="en-US" altLang="zh-TW" dirty="0">
-                <a:solidFill>
-                  <a:schemeClr val="bg1">
-                    <a:lumMod val="75000"/>
-                  </a:schemeClr>
-                </a:solidFill>
-              </a:rPr>
-              <a:t>Dynamic IR drop aware cell movement</a:t>
-            </a:r>
-          </a:p>
-          <a:p>
-            <a:r>
-              <a:rPr lang="en-US" altLang="zh-TW" dirty="0">
-                <a:solidFill>
-                  <a:schemeClr val="bg1">
-                    <a:lumMod val="75000"/>
-                  </a:schemeClr>
-                </a:solidFill>
-              </a:rPr>
-              <a:t>Experimental Results</a:t>
-            </a:r>
-          </a:p>
-          <a:p>
-            <a:r>
-              <a:rPr lang="en-US" altLang="zh-TW" dirty="0">
-                <a:solidFill>
-                  <a:schemeClr val="bg1">
-                    <a:lumMod val="75000"/>
-                  </a:schemeClr>
-                </a:solidFill>
-              </a:rPr>
-              <a:t>Conclusion</a:t>
-            </a:r>
-            <a:endParaRPr lang="zh-TW" altLang="en-US" dirty="0">
-              <a:solidFill>
-                <a:schemeClr val="bg1">
-                  <a:lumMod val="75000"/>
-                </a:schemeClr>
-              </a:solidFill>
-            </a:endParaRPr>
+              <a:t>Input Slew After Movement</a:t>
+            </a:r>
+          </a:p>
+          <a:p>
+            <a:endParaRPr lang="en-US" altLang="zh-TW" dirty="0"/>
+          </a:p>
+          <a:p>
+            <a:pPr marL="0" indent="0">
+              <a:buNone/>
+            </a:pPr>
+            <a:endParaRPr lang="en-US" altLang="zh-TW" dirty="0"/>
+          </a:p>
+          <a:p>
+            <a:pPr marL="0" indent="0">
+              <a:buNone/>
+            </a:pPr>
+            <a:endParaRPr lang="en-US" altLang="zh-TW" dirty="0"/>
+          </a:p>
+          <a:p>
+            <a:endParaRPr lang="en-US" altLang="zh-TW" dirty="0"/>
+          </a:p>
+          <a:p>
+            <a:endParaRPr lang="en-US" altLang="zh-TW" dirty="0"/>
+          </a:p>
+          <a:p>
+            <a:r>
+              <a:rPr lang="en-US" altLang="zh-TW" dirty="0"/>
+              <a:t>Cell Delay After Movement</a:t>
+            </a:r>
+          </a:p>
+          <a:p>
+            <a:endParaRPr lang="en-US" altLang="zh-TW" dirty="0"/>
+          </a:p>
+          <a:p>
+            <a:endParaRPr lang="en-US" altLang="zh-TW" dirty="0"/>
+          </a:p>
+          <a:p>
+            <a:r>
+              <a:rPr lang="en-US" altLang="zh-TW" dirty="0"/>
+              <a:t>Model Construction</a:t>
+            </a:r>
           </a:p>
         </p:txBody>
       </p:sp>
@@ -12753,7 +13059,7 @@
           <p:cNvPr id="4" name="日期版面配置區 3">
             <a:extLst>
               <a:ext uri="{FF2B5EF4-FFF2-40B4-BE49-F238E27FC236}">
-                <a16:creationId xmlns:a16="http://schemas.microsoft.com/office/drawing/2014/main" id="{D0037C9E-6880-425F-BD51-65FD3D5207EC}"/>
+                <a16:creationId xmlns:a16="http://schemas.microsoft.com/office/drawing/2014/main" id="{AA0AB3A0-3BE2-4B22-A5DE-56B2D61246E9}"/>
               </a:ext>
             </a:extLst>
           </p:cNvPr>
@@ -12785,7 +13091,7 @@
           <p:cNvPr id="5" name="投影片編號版面配置區 4">
             <a:extLst>
               <a:ext uri="{FF2B5EF4-FFF2-40B4-BE49-F238E27FC236}">
-                <a16:creationId xmlns:a16="http://schemas.microsoft.com/office/drawing/2014/main" id="{F98953EF-304E-45D1-82DE-8EC49FAFB54C}"/>
+                <a16:creationId xmlns:a16="http://schemas.microsoft.com/office/drawing/2014/main" id="{57565F14-FD05-4976-8E7B-8467A0AC3A92}"/>
               </a:ext>
             </a:extLst>
           </p:cNvPr>
@@ -12815,10 +13121,250 @@
           </a:p>
         </p:txBody>
       </p:sp>
+      <p:pic>
+        <p:nvPicPr>
+          <p:cNvPr id="7" name="圖片 6">
+            <a:extLst>
+              <a:ext uri="{FF2B5EF4-FFF2-40B4-BE49-F238E27FC236}">
+                <a16:creationId xmlns:a16="http://schemas.microsoft.com/office/drawing/2014/main" id="{3184481A-E97A-49EE-A928-2CCAB7A772E7}"/>
+              </a:ext>
+            </a:extLst>
+          </p:cNvPr>
+          <p:cNvPicPr>
+            <a:picLocks noChangeAspect="1"/>
+          </p:cNvPicPr>
+          <p:nvPr/>
+        </p:nvPicPr>
+        <p:blipFill>
+          <a:blip r:embed="rId3"/>
+          <a:stretch>
+            <a:fillRect/>
+          </a:stretch>
+        </p:blipFill>
+        <p:spPr>
+          <a:xfrm>
+            <a:off x="7929757" y="990600"/>
+            <a:ext cx="3821705" cy="2553517"/>
+          </a:xfrm>
+          <a:prstGeom prst="rect">
+            <a:avLst/>
+          </a:prstGeom>
+        </p:spPr>
+      </p:pic>
+      <p:pic>
+        <p:nvPicPr>
+          <p:cNvPr id="8" name="圖片 7">
+            <a:extLst>
+              <a:ext uri="{FF2B5EF4-FFF2-40B4-BE49-F238E27FC236}">
+                <a16:creationId xmlns:a16="http://schemas.microsoft.com/office/drawing/2014/main" id="{0C39DE1A-3BD0-4E5D-88BA-BD259E094CCA}"/>
+              </a:ext>
+            </a:extLst>
+          </p:cNvPr>
+          <p:cNvPicPr>
+            <a:picLocks noChangeAspect="1"/>
+          </p:cNvPicPr>
+          <p:nvPr/>
+        </p:nvPicPr>
+        <p:blipFill>
+          <a:blip r:embed="rId4"/>
+          <a:stretch>
+            <a:fillRect/>
+          </a:stretch>
+        </p:blipFill>
+        <p:spPr>
+          <a:xfrm>
+            <a:off x="981862" y="1436563"/>
+            <a:ext cx="4010585" cy="743054"/>
+          </a:xfrm>
+          <a:prstGeom prst="rect">
+            <a:avLst/>
+          </a:prstGeom>
+        </p:spPr>
+      </p:pic>
+      <p:pic>
+        <p:nvPicPr>
+          <p:cNvPr id="9" name="圖片 8">
+            <a:extLst>
+              <a:ext uri="{FF2B5EF4-FFF2-40B4-BE49-F238E27FC236}">
+                <a16:creationId xmlns:a16="http://schemas.microsoft.com/office/drawing/2014/main" id="{30FF34E5-A6A1-4A65-B6FD-A0CD336268D2}"/>
+              </a:ext>
+            </a:extLst>
+          </p:cNvPr>
+          <p:cNvPicPr>
+            <a:picLocks noChangeAspect="1"/>
+          </p:cNvPicPr>
+          <p:nvPr/>
+        </p:nvPicPr>
+        <p:blipFill>
+          <a:blip r:embed="rId5"/>
+          <a:stretch>
+            <a:fillRect/>
+          </a:stretch>
+        </p:blipFill>
+        <p:spPr>
+          <a:xfrm>
+            <a:off x="981862" y="2153005"/>
+            <a:ext cx="6487430" cy="857370"/>
+          </a:xfrm>
+          <a:prstGeom prst="rect">
+            <a:avLst/>
+          </a:prstGeom>
+        </p:spPr>
+      </p:pic>
+      <p:pic>
+        <p:nvPicPr>
+          <p:cNvPr id="15" name="圖片 14">
+            <a:extLst>
+              <a:ext uri="{FF2B5EF4-FFF2-40B4-BE49-F238E27FC236}">
+                <a16:creationId xmlns:a16="http://schemas.microsoft.com/office/drawing/2014/main" id="{D2D6DFC5-29D1-449E-A7B4-B3CB2D4E2B19}"/>
+              </a:ext>
+            </a:extLst>
+          </p:cNvPr>
+          <p:cNvPicPr>
+            <a:picLocks noChangeAspect="1"/>
+          </p:cNvPicPr>
+          <p:nvPr/>
+        </p:nvPicPr>
+        <p:blipFill>
+          <a:blip r:embed="rId6"/>
+          <a:stretch>
+            <a:fillRect/>
+          </a:stretch>
+        </p:blipFill>
+        <p:spPr>
+          <a:xfrm>
+            <a:off x="981862" y="3031574"/>
+            <a:ext cx="2991267" cy="323895"/>
+          </a:xfrm>
+          <a:prstGeom prst="rect">
+            <a:avLst/>
+          </a:prstGeom>
+        </p:spPr>
+      </p:pic>
+      <p:pic>
+        <p:nvPicPr>
+          <p:cNvPr id="16" name="圖片 15">
+            <a:extLst>
+              <a:ext uri="{FF2B5EF4-FFF2-40B4-BE49-F238E27FC236}">
+                <a16:creationId xmlns:a16="http://schemas.microsoft.com/office/drawing/2014/main" id="{6AEBE685-1A5E-4097-BDEC-56428DAE5F8F}"/>
+              </a:ext>
+            </a:extLst>
+          </p:cNvPr>
+          <p:cNvPicPr>
+            <a:picLocks noChangeAspect="1"/>
+          </p:cNvPicPr>
+          <p:nvPr/>
+        </p:nvPicPr>
+        <p:blipFill>
+          <a:blip r:embed="rId7"/>
+          <a:stretch>
+            <a:fillRect/>
+          </a:stretch>
+        </p:blipFill>
+        <p:spPr>
+          <a:xfrm>
+            <a:off x="981862" y="4074942"/>
+            <a:ext cx="5868219" cy="495369"/>
+          </a:xfrm>
+          <a:prstGeom prst="rect">
+            <a:avLst/>
+          </a:prstGeom>
+        </p:spPr>
+      </p:pic>
+      <p:pic>
+        <p:nvPicPr>
+          <p:cNvPr id="17" name="圖片 16">
+            <a:extLst>
+              <a:ext uri="{FF2B5EF4-FFF2-40B4-BE49-F238E27FC236}">
+                <a16:creationId xmlns:a16="http://schemas.microsoft.com/office/drawing/2014/main" id="{A4B00E14-4072-490D-AD3F-22E8C07B11AF}"/>
+              </a:ext>
+            </a:extLst>
+          </p:cNvPr>
+          <p:cNvPicPr>
+            <a:picLocks noChangeAspect="1"/>
+          </p:cNvPicPr>
+          <p:nvPr/>
+        </p:nvPicPr>
+        <p:blipFill>
+          <a:blip r:embed="rId8"/>
+          <a:stretch>
+            <a:fillRect/>
+          </a:stretch>
+        </p:blipFill>
+        <p:spPr>
+          <a:xfrm>
+            <a:off x="981862" y="5394707"/>
+            <a:ext cx="5744377" cy="428685"/>
+          </a:xfrm>
+          <a:prstGeom prst="rect">
+            <a:avLst/>
+          </a:prstGeom>
+        </p:spPr>
+      </p:pic>
+      <p:pic>
+        <p:nvPicPr>
+          <p:cNvPr id="18" name="圖片 17">
+            <a:extLst>
+              <a:ext uri="{FF2B5EF4-FFF2-40B4-BE49-F238E27FC236}">
+                <a16:creationId xmlns:a16="http://schemas.microsoft.com/office/drawing/2014/main" id="{3DA54331-B7ED-4BAD-81C0-BD01D0E3A84C}"/>
+              </a:ext>
+            </a:extLst>
+          </p:cNvPr>
+          <p:cNvPicPr>
+            <a:picLocks noChangeAspect="1"/>
+          </p:cNvPicPr>
+          <p:nvPr/>
+        </p:nvPicPr>
+        <p:blipFill>
+          <a:blip r:embed="rId9"/>
+          <a:stretch>
+            <a:fillRect/>
+          </a:stretch>
+        </p:blipFill>
+        <p:spPr>
+          <a:xfrm>
+            <a:off x="7316509" y="3772717"/>
+            <a:ext cx="3821705" cy="2745441"/>
+          </a:xfrm>
+          <a:prstGeom prst="rect">
+            <a:avLst/>
+          </a:prstGeom>
+        </p:spPr>
+      </p:pic>
+      <p:pic>
+        <p:nvPicPr>
+          <p:cNvPr id="23" name="圖片 22">
+            <a:extLst>
+              <a:ext uri="{FF2B5EF4-FFF2-40B4-BE49-F238E27FC236}">
+                <a16:creationId xmlns:a16="http://schemas.microsoft.com/office/drawing/2014/main" id="{9E61E489-D2A4-4E17-A8B3-F25C660462D9}"/>
+              </a:ext>
+            </a:extLst>
+          </p:cNvPr>
+          <p:cNvPicPr>
+            <a:picLocks noChangeAspect="1"/>
+          </p:cNvPicPr>
+          <p:nvPr/>
+        </p:nvPicPr>
+        <p:blipFill>
+          <a:blip r:embed="rId10"/>
+          <a:stretch>
+            <a:fillRect/>
+          </a:stretch>
+        </p:blipFill>
+        <p:spPr>
+          <a:xfrm>
+            <a:off x="1815925" y="5988067"/>
+            <a:ext cx="3086531" cy="362001"/>
+          </a:xfrm>
+          <a:prstGeom prst="rect">
+            <a:avLst/>
+          </a:prstGeom>
+        </p:spPr>
+      </p:pic>
     </p:spTree>
     <p:extLst>
       <p:ext uri="{BB962C8B-B14F-4D97-AF65-F5344CB8AC3E}">
-        <p14:creationId xmlns:p14="http://schemas.microsoft.com/office/powerpoint/2010/main" val="1123569197"/>
+        <p14:creationId xmlns:p14="http://schemas.microsoft.com/office/powerpoint/2010/main" val="3912424235"/>
       </p:ext>
     </p:extLst>
   </p:cSld>
@@ -12850,7 +13396,7 @@
           <p:cNvPr id="2" name="標題 1">
             <a:extLst>
               <a:ext uri="{FF2B5EF4-FFF2-40B4-BE49-F238E27FC236}">
-                <a16:creationId xmlns:a16="http://schemas.microsoft.com/office/drawing/2014/main" id="{86200F7A-34CF-43A3-9077-D256DCFA7065}"/>
+                <a16:creationId xmlns:a16="http://schemas.microsoft.com/office/drawing/2014/main" id="{0E21B4C5-E7C1-43FF-A86B-ED12A45C57FC}"/>
               </a:ext>
             </a:extLst>
           </p:cNvPr>
@@ -12868,7 +13414,7 @@
           <a:p>
             <a:r>
               <a:rPr lang="en-US" altLang="zh-TW" dirty="0"/>
-              <a:t>Free Space-Aware Critical Path Smoothing</a:t>
+              <a:t>Outline</a:t>
             </a:r>
             <a:endParaRPr lang="zh-TW" altLang="en-US" dirty="0"/>
           </a:p>
@@ -12879,7 +13425,7 @@
           <p:cNvPr id="3" name="內容版面配置區 2">
             <a:extLst>
               <a:ext uri="{FF2B5EF4-FFF2-40B4-BE49-F238E27FC236}">
-                <a16:creationId xmlns:a16="http://schemas.microsoft.com/office/drawing/2014/main" id="{E17A835A-9E7E-4580-9A9B-404A75EAFCF0}"/>
+                <a16:creationId xmlns:a16="http://schemas.microsoft.com/office/drawing/2014/main" id="{A7731B0D-BFCA-4942-8434-BA43449D5D22}"/>
               </a:ext>
             </a:extLst>
           </p:cNvPr>
@@ -12896,53 +13442,90 @@
           <a:lstStyle/>
           <a:p>
             <a:r>
+              <a:rPr lang="en-US" altLang="zh-TW" dirty="0">
+                <a:solidFill>
+                  <a:schemeClr val="bg1">
+                    <a:lumMod val="75000"/>
+                  </a:schemeClr>
+                </a:solidFill>
+              </a:rPr>
+              <a:t>Introduction</a:t>
+            </a:r>
+          </a:p>
+          <a:p>
+            <a:r>
               <a:rPr lang="en-US" altLang="zh-TW" dirty="0"/>
-              <a:t>Critical Path Smoothing</a:t>
+              <a:t>Algorithms</a:t>
+            </a:r>
+          </a:p>
+          <a:p>
+            <a:r>
+              <a:rPr lang="en-US" altLang="zh-TW" dirty="0">
+                <a:solidFill>
+                  <a:schemeClr val="bg1">
+                    <a:lumMod val="75000"/>
+                  </a:schemeClr>
+                </a:solidFill>
+              </a:rPr>
+              <a:t>Proposed Flow</a:t>
             </a:r>
           </a:p>
           <a:p>
             <a:pPr lvl="1"/>
             <a:r>
-              <a:rPr lang="en-US" altLang="zh-TW" dirty="0"/>
-              <a:t>b2, b3, b4</a:t>
+              <a:rPr lang="en-US" altLang="zh-TW" dirty="0">
+                <a:solidFill>
+                  <a:schemeClr val="bg1">
+                    <a:lumMod val="75000"/>
+                  </a:schemeClr>
+                </a:solidFill>
+              </a:rPr>
+              <a:t>Dynamic IR drop prediction</a:t>
             </a:r>
           </a:p>
           <a:p>
             <a:pPr lvl="1"/>
-            <a:endParaRPr lang="en-US" altLang="zh-TW" dirty="0"/>
-          </a:p>
-          <a:p>
-            <a:r>
-              <a:rPr lang="en-US" altLang="zh-TW" dirty="0"/>
-              <a:t>Potential Free Space Collection</a:t>
-            </a:r>
-          </a:p>
-          <a:p>
-            <a:pPr lvl="1"/>
-            <a:r>
-              <a:rPr lang="en-US" altLang="zh-TW" dirty="0"/>
-              <a:t>f1, f2, f3, f4, f5, f6</a:t>
-            </a:r>
-          </a:p>
-          <a:p>
-            <a:pPr lvl="1"/>
-            <a:endParaRPr lang="en-US" altLang="zh-TW" dirty="0"/>
-          </a:p>
-          <a:p>
-            <a:endParaRPr lang="en-US" altLang="zh-TW" dirty="0"/>
-          </a:p>
-          <a:p>
-            <a:r>
-              <a:rPr lang="en-US" altLang="zh-TW" dirty="0"/>
-              <a:t>Gate Selection and Movement</a:t>
-            </a:r>
-          </a:p>
-          <a:p>
-            <a:pPr lvl="1"/>
-            <a:r>
-              <a:rPr lang="en-US" altLang="zh-TW" dirty="0"/>
-              <a:t>f1</a:t>
-            </a:r>
+            <a:r>
+              <a:rPr lang="en-US" altLang="zh-TW" dirty="0">
+                <a:solidFill>
+                  <a:schemeClr val="bg1">
+                    <a:lumMod val="75000"/>
+                  </a:schemeClr>
+                </a:solidFill>
+              </a:rPr>
+              <a:t>Dynamic IR drop aware cell movement</a:t>
+            </a:r>
+          </a:p>
+          <a:p>
+            <a:r>
+              <a:rPr lang="en-US" altLang="zh-TW" dirty="0">
+                <a:solidFill>
+                  <a:schemeClr val="bg1">
+                    <a:lumMod val="75000"/>
+                  </a:schemeClr>
+                </a:solidFill>
+              </a:rPr>
+              <a:t>Experimental Results</a:t>
+            </a:r>
+          </a:p>
+          <a:p>
+            <a:r>
+              <a:rPr lang="en-US" altLang="zh-TW" dirty="0">
+                <a:solidFill>
+                  <a:schemeClr val="bg1">
+                    <a:lumMod val="75000"/>
+                  </a:schemeClr>
+                </a:solidFill>
+              </a:rPr>
+              <a:t>Conclusion</a:t>
+            </a:r>
+            <a:endParaRPr lang="zh-TW" altLang="en-US" dirty="0">
+              <a:solidFill>
+                <a:schemeClr val="bg1">
+                  <a:lumMod val="75000"/>
+                </a:schemeClr>
+              </a:solidFill>
+            </a:endParaRPr>
           </a:p>
         </p:txBody>
       </p:sp>
@@ -12951,7 +13534,7 @@
           <p:cNvPr id="4" name="日期版面配置區 3">
             <a:extLst>
               <a:ext uri="{FF2B5EF4-FFF2-40B4-BE49-F238E27FC236}">
-                <a16:creationId xmlns:a16="http://schemas.microsoft.com/office/drawing/2014/main" id="{C44B5E25-8A6F-41B7-81BF-A47D2D64C6E9}"/>
+                <a16:creationId xmlns:a16="http://schemas.microsoft.com/office/drawing/2014/main" id="{D0037C9E-6880-425F-BD51-65FD3D5207EC}"/>
               </a:ext>
             </a:extLst>
           </p:cNvPr>
@@ -12983,7 +13566,7 @@
           <p:cNvPr id="5" name="投影片編號版面配置區 4">
             <a:extLst>
               <a:ext uri="{FF2B5EF4-FFF2-40B4-BE49-F238E27FC236}">
-                <a16:creationId xmlns:a16="http://schemas.microsoft.com/office/drawing/2014/main" id="{5F7E3AD9-CE14-4A6D-AF06-ECB218AFB0FF}"/>
+                <a16:creationId xmlns:a16="http://schemas.microsoft.com/office/drawing/2014/main" id="{F98953EF-304E-45D1-82DE-8EC49FAFB54C}"/>
               </a:ext>
             </a:extLst>
           </p:cNvPr>
@@ -13008,6 +13591,204 @@
                 <a:defRPr/>
               </a:pPr>
               <a:t>6</a:t>
+            </a:fld>
+            <a:endParaRPr lang="en-US" altLang="zh-Hant" dirty="0"/>
+          </a:p>
+        </p:txBody>
+      </p:sp>
+    </p:spTree>
+    <p:extLst>
+      <p:ext uri="{BB962C8B-B14F-4D97-AF65-F5344CB8AC3E}">
+        <p14:creationId xmlns:p14="http://schemas.microsoft.com/office/powerpoint/2010/main" val="1123569197"/>
+      </p:ext>
+    </p:extLst>
+  </p:cSld>
+  <p:clrMapOvr>
+    <a:masterClrMapping/>
+  </p:clrMapOvr>
+</p:sld>
+</file>
+
+<file path=ppt/slides/slide7.xml><?xml version="1.0" encoding="utf-8"?>
+<p:sld xmlns:a="http://schemas.openxmlformats.org/drawingml/2006/main" xmlns:r="http://schemas.openxmlformats.org/officeDocument/2006/relationships" xmlns:p="http://schemas.openxmlformats.org/presentationml/2006/main">
+  <p:cSld>
+    <p:spTree>
+      <p:nvGrpSpPr>
+        <p:cNvPr id="1" name=""/>
+        <p:cNvGrpSpPr/>
+        <p:nvPr/>
+      </p:nvGrpSpPr>
+      <p:grpSpPr>
+        <a:xfrm>
+          <a:off x="0" y="0"/>
+          <a:ext cx="0" cy="0"/>
+          <a:chOff x="0" y="0"/>
+          <a:chExt cx="0" cy="0"/>
+        </a:xfrm>
+      </p:grpSpPr>
+      <p:sp>
+        <p:nvSpPr>
+          <p:cNvPr id="2" name="標題 1">
+            <a:extLst>
+              <a:ext uri="{FF2B5EF4-FFF2-40B4-BE49-F238E27FC236}">
+                <a16:creationId xmlns:a16="http://schemas.microsoft.com/office/drawing/2014/main" id="{86200F7A-34CF-43A3-9077-D256DCFA7065}"/>
+              </a:ext>
+            </a:extLst>
+          </p:cNvPr>
+          <p:cNvSpPr>
+            <a:spLocks noGrp="1"/>
+          </p:cNvSpPr>
+          <p:nvPr>
+            <p:ph type="title"/>
+          </p:nvPr>
+        </p:nvSpPr>
+        <p:spPr/>
+        <p:txBody>
+          <a:bodyPr/>
+          <a:lstStyle/>
+          <a:p>
+            <a:r>
+              <a:rPr lang="en-US" altLang="zh-TW" dirty="0"/>
+              <a:t>Free Space-Aware Critical Path Smoothing</a:t>
+            </a:r>
+            <a:endParaRPr lang="zh-TW" altLang="en-US" dirty="0"/>
+          </a:p>
+        </p:txBody>
+      </p:sp>
+      <p:sp>
+        <p:nvSpPr>
+          <p:cNvPr id="3" name="內容版面配置區 2">
+            <a:extLst>
+              <a:ext uri="{FF2B5EF4-FFF2-40B4-BE49-F238E27FC236}">
+                <a16:creationId xmlns:a16="http://schemas.microsoft.com/office/drawing/2014/main" id="{E17A835A-9E7E-4580-9A9B-404A75EAFCF0}"/>
+              </a:ext>
+            </a:extLst>
+          </p:cNvPr>
+          <p:cNvSpPr>
+            <a:spLocks noGrp="1"/>
+          </p:cNvSpPr>
+          <p:nvPr>
+            <p:ph idx="1"/>
+          </p:nvPr>
+        </p:nvSpPr>
+        <p:spPr/>
+        <p:txBody>
+          <a:bodyPr/>
+          <a:lstStyle/>
+          <a:p>
+            <a:r>
+              <a:rPr lang="en-US" altLang="zh-TW" dirty="0"/>
+              <a:t>Critical Path Smoothing</a:t>
+            </a:r>
+          </a:p>
+          <a:p>
+            <a:pPr lvl="1"/>
+            <a:r>
+              <a:rPr lang="en-US" altLang="zh-TW" dirty="0"/>
+              <a:t>b2, b3, b4</a:t>
+            </a:r>
+          </a:p>
+          <a:p>
+            <a:pPr lvl="1"/>
+            <a:endParaRPr lang="en-US" altLang="zh-TW" dirty="0"/>
+          </a:p>
+          <a:p>
+            <a:r>
+              <a:rPr lang="en-US" altLang="zh-TW" dirty="0"/>
+              <a:t>Potential Free Space Collection</a:t>
+            </a:r>
+          </a:p>
+          <a:p>
+            <a:pPr lvl="1"/>
+            <a:r>
+              <a:rPr lang="en-US" altLang="zh-TW" dirty="0"/>
+              <a:t>f1, f2, f3, f4, f5, f6</a:t>
+            </a:r>
+          </a:p>
+          <a:p>
+            <a:pPr lvl="1"/>
+            <a:endParaRPr lang="en-US" altLang="zh-TW" dirty="0"/>
+          </a:p>
+          <a:p>
+            <a:endParaRPr lang="en-US" altLang="zh-TW" dirty="0"/>
+          </a:p>
+          <a:p>
+            <a:r>
+              <a:rPr lang="en-US" altLang="zh-TW" dirty="0"/>
+              <a:t>Gate Selection and Movement</a:t>
+            </a:r>
+          </a:p>
+          <a:p>
+            <a:pPr lvl="1"/>
+            <a:r>
+              <a:rPr lang="en-US" altLang="zh-TW" dirty="0"/>
+              <a:t>f1</a:t>
+            </a:r>
+          </a:p>
+        </p:txBody>
+      </p:sp>
+      <p:sp>
+        <p:nvSpPr>
+          <p:cNvPr id="4" name="日期版面配置區 3">
+            <a:extLst>
+              <a:ext uri="{FF2B5EF4-FFF2-40B4-BE49-F238E27FC236}">
+                <a16:creationId xmlns:a16="http://schemas.microsoft.com/office/drawing/2014/main" id="{C44B5E25-8A6F-41B7-81BF-A47D2D64C6E9}"/>
+              </a:ext>
+            </a:extLst>
+          </p:cNvPr>
+          <p:cNvSpPr>
+            <a:spLocks noGrp="1"/>
+          </p:cNvSpPr>
+          <p:nvPr>
+            <p:ph type="dt" sz="half" idx="10"/>
+          </p:nvPr>
+        </p:nvSpPr>
+        <p:spPr/>
+        <p:txBody>
+          <a:bodyPr/>
+          <a:lstStyle/>
+          <a:p>
+            <a:pPr>
+              <a:defRPr/>
+            </a:pPr>
+            <a:r>
+              <a:rPr lang="en-US" altLang="zh-Hant"/>
+              <a:t>GIEE, NTU</a:t>
+            </a:r>
+            <a:endParaRPr lang="zh-Hant" altLang="zh-Hant"/>
+          </a:p>
+        </p:txBody>
+      </p:sp>
+      <p:sp>
+        <p:nvSpPr>
+          <p:cNvPr id="5" name="投影片編號版面配置區 4">
+            <a:extLst>
+              <a:ext uri="{FF2B5EF4-FFF2-40B4-BE49-F238E27FC236}">
+                <a16:creationId xmlns:a16="http://schemas.microsoft.com/office/drawing/2014/main" id="{5F7E3AD9-CE14-4A6D-AF06-ECB218AFB0FF}"/>
+              </a:ext>
+            </a:extLst>
+          </p:cNvPr>
+          <p:cNvSpPr>
+            <a:spLocks noGrp="1"/>
+          </p:cNvSpPr>
+          <p:nvPr>
+            <p:ph type="sldNum" sz="quarter" idx="11"/>
+          </p:nvPr>
+        </p:nvSpPr>
+        <p:spPr/>
+        <p:txBody>
+          <a:bodyPr/>
+          <a:lstStyle/>
+          <a:p>
+            <a:pPr>
+              <a:defRPr/>
+            </a:pPr>
+            <a:fld id="{5A007831-3536-4435-90C1-461D060F6A03}" type="slidenum">
+              <a:rPr lang="zh-Hant" altLang="en-US" smtClean="0"/>
+              <a:pPr>
+                <a:defRPr/>
+              </a:pPr>
+              <a:t>7</a:t>
             </a:fld>
             <a:endParaRPr lang="en-US" altLang="zh-Hant" dirty="0"/>
           </a:p>
@@ -13146,7 +13927,7 @@
 </p:sld>
 </file>
 
-<file path=ppt/slides/slide7.xml><?xml version="1.0" encoding="utf-8"?>
+<file path=ppt/slides/slide8.xml><?xml version="1.0" encoding="utf-8"?>
 <p:sld xmlns:a="http://schemas.openxmlformats.org/drawingml/2006/main" xmlns:r="http://schemas.openxmlformats.org/officeDocument/2006/relationships" xmlns:p="http://schemas.openxmlformats.org/presentationml/2006/main">
   <p:cSld>
     <p:spTree>
@@ -13314,7 +14095,7 @@
               <a:pPr>
                 <a:defRPr/>
               </a:pPr>
-              <a:t>7</a:t>
+              <a:t>8</a:t>
             </a:fld>
             <a:endParaRPr lang="en-US" altLang="zh-Hant" dirty="0"/>
           </a:p>
@@ -13362,7 +14143,7 @@
 </p:sld>
 </file>
 
-<file path=ppt/slides/slide8.xml><?xml version="1.0" encoding="utf-8"?>
+<file path=ppt/slides/slide9.xml><?xml version="1.0" encoding="utf-8"?>
 <p:sld xmlns:a="http://schemas.openxmlformats.org/drawingml/2006/main" xmlns:r="http://schemas.openxmlformats.org/officeDocument/2006/relationships" xmlns:p="http://schemas.openxmlformats.org/presentationml/2006/main">
   <p:cSld>
     <p:spTree>
@@ -13533,7 +14314,7 @@
               <a:pPr>
                 <a:defRPr/>
               </a:pPr>
-              <a:t>8</a:t>
+              <a:t>9</a:t>
             </a:fld>
             <a:endParaRPr lang="en-US" altLang="zh-Hant" dirty="0"/>
           </a:p>
@@ -13603,263 +14384,6 @@
     <p:extLst>
       <p:ext uri="{BB962C8B-B14F-4D97-AF65-F5344CB8AC3E}">
         <p14:creationId xmlns:p14="http://schemas.microsoft.com/office/powerpoint/2010/main" val="2049963102"/>
-      </p:ext>
-    </p:extLst>
-  </p:cSld>
-  <p:clrMapOvr>
-    <a:masterClrMapping/>
-  </p:clrMapOvr>
-</p:sld>
-</file>
-
-<file path=ppt/slides/slide9.xml><?xml version="1.0" encoding="utf-8"?>
-<p:sld xmlns:a="http://schemas.openxmlformats.org/drawingml/2006/main" xmlns:r="http://schemas.openxmlformats.org/officeDocument/2006/relationships" xmlns:p="http://schemas.openxmlformats.org/presentationml/2006/main">
-  <p:cSld>
-    <p:spTree>
-      <p:nvGrpSpPr>
-        <p:cNvPr id="1" name=""/>
-        <p:cNvGrpSpPr/>
-        <p:nvPr/>
-      </p:nvGrpSpPr>
-      <p:grpSpPr>
-        <a:xfrm>
-          <a:off x="0" y="0"/>
-          <a:ext cx="0" cy="0"/>
-          <a:chOff x="0" y="0"/>
-          <a:chExt cx="0" cy="0"/>
-        </a:xfrm>
-      </p:grpSpPr>
-      <p:sp>
-        <p:nvSpPr>
-          <p:cNvPr id="2" name="標題 1">
-            <a:extLst>
-              <a:ext uri="{FF2B5EF4-FFF2-40B4-BE49-F238E27FC236}">
-                <a16:creationId xmlns:a16="http://schemas.microsoft.com/office/drawing/2014/main" id="{1D200C26-EF5D-4C57-B74E-F2C777E89462}"/>
-              </a:ext>
-            </a:extLst>
-          </p:cNvPr>
-          <p:cNvSpPr>
-            <a:spLocks noGrp="1"/>
-          </p:cNvSpPr>
-          <p:nvPr>
-            <p:ph type="title"/>
-          </p:nvPr>
-        </p:nvSpPr>
-        <p:spPr/>
-        <p:txBody>
-          <a:bodyPr/>
-          <a:lstStyle/>
-          <a:p>
-            <a:r>
-              <a:rPr lang="en-US" altLang="zh-TW" dirty="0"/>
-              <a:t>Anchor Placement</a:t>
-            </a:r>
-            <a:endParaRPr lang="zh-TW" altLang="en-US" dirty="0"/>
-          </a:p>
-        </p:txBody>
-      </p:sp>
-      <p:sp>
-        <p:nvSpPr>
-          <p:cNvPr id="3" name="內容版面配置區 2">
-            <a:extLst>
-              <a:ext uri="{FF2B5EF4-FFF2-40B4-BE49-F238E27FC236}">
-                <a16:creationId xmlns:a16="http://schemas.microsoft.com/office/drawing/2014/main" id="{70B711FB-357C-40A8-8426-03552FE165B1}"/>
-              </a:ext>
-            </a:extLst>
-          </p:cNvPr>
-          <p:cNvSpPr>
-            <a:spLocks noGrp="1"/>
-          </p:cNvSpPr>
-          <p:nvPr>
-            <p:ph idx="1"/>
-          </p:nvPr>
-        </p:nvSpPr>
-        <p:spPr/>
-        <p:txBody>
-          <a:bodyPr/>
-          <a:lstStyle/>
-          <a:p>
-            <a:r>
-              <a:rPr lang="en-US" altLang="zh-TW" dirty="0"/>
-              <a:t>Anchor Cells</a:t>
-            </a:r>
-          </a:p>
-          <a:p>
-            <a:pPr lvl="1"/>
-            <a:r>
-              <a:rPr lang="en-US" altLang="zh-TW" dirty="0"/>
-              <a:t>start of end point of a path</a:t>
-            </a:r>
-          </a:p>
-          <a:p>
-            <a:pPr lvl="1"/>
-            <a:r>
-              <a:rPr lang="en-US" altLang="zh-TW" dirty="0"/>
-              <a:t>movable: contained in another segment &amp; not the anchor of the segment</a:t>
-            </a:r>
-          </a:p>
-          <a:p>
-            <a:pPr lvl="1"/>
-            <a:r>
-              <a:rPr lang="en-US" altLang="zh-TW" dirty="0"/>
-              <a:t>fixed: otherwise</a:t>
-            </a:r>
-          </a:p>
-          <a:p>
-            <a:pPr lvl="1"/>
-            <a:endParaRPr lang="en-US" altLang="zh-TW" dirty="0"/>
-          </a:p>
-          <a:p>
-            <a:r>
-              <a:rPr lang="en-US" altLang="zh-TW" dirty="0"/>
-              <a:t>Two paths compete for an anchor cell</a:t>
-            </a:r>
-          </a:p>
-          <a:p>
-            <a:pPr lvl="1"/>
-            <a:r>
-              <a:rPr lang="en-US" altLang="zh-TW" dirty="0"/>
-              <a:t>v2: movable anchor for the blue path</a:t>
-            </a:r>
-          </a:p>
-          <a:p>
-            <a:pPr lvl="1"/>
-            <a:endParaRPr lang="en-US" altLang="zh-TW" dirty="0"/>
-          </a:p>
-          <a:p>
-            <a:r>
-              <a:rPr lang="en-US" altLang="zh-TW" dirty="0"/>
-              <a:t>Fix the anchor points</a:t>
-            </a:r>
-          </a:p>
-          <a:p>
-            <a:pPr lvl="1"/>
-            <a:r>
-              <a:rPr lang="en-US" altLang="zh-TW" dirty="0"/>
-              <a:t>Figure(b)</a:t>
-            </a:r>
-          </a:p>
-          <a:p>
-            <a:pPr marL="457200" lvl="1" indent="0">
-              <a:buNone/>
-            </a:pPr>
-            <a:endParaRPr lang="en-US" altLang="zh-TW" dirty="0"/>
-          </a:p>
-          <a:p>
-            <a:pPr marL="457200" lvl="1" indent="0">
-              <a:buNone/>
-            </a:pPr>
-            <a:endParaRPr lang="en-US" altLang="zh-TW" dirty="0"/>
-          </a:p>
-          <a:p>
-            <a:pPr marL="0" indent="0">
-              <a:buNone/>
-            </a:pPr>
-            <a:endParaRPr lang="zh-TW" altLang="en-US" dirty="0"/>
-          </a:p>
-        </p:txBody>
-      </p:sp>
-      <p:sp>
-        <p:nvSpPr>
-          <p:cNvPr id="4" name="日期版面配置區 3">
-            <a:extLst>
-              <a:ext uri="{FF2B5EF4-FFF2-40B4-BE49-F238E27FC236}">
-                <a16:creationId xmlns:a16="http://schemas.microsoft.com/office/drawing/2014/main" id="{55DAC938-58FC-459F-AF9E-9EF51A7A3E03}"/>
-              </a:ext>
-            </a:extLst>
-          </p:cNvPr>
-          <p:cNvSpPr>
-            <a:spLocks noGrp="1"/>
-          </p:cNvSpPr>
-          <p:nvPr>
-            <p:ph type="dt" sz="half" idx="10"/>
-          </p:nvPr>
-        </p:nvSpPr>
-        <p:spPr/>
-        <p:txBody>
-          <a:bodyPr/>
-          <a:lstStyle/>
-          <a:p>
-            <a:pPr>
-              <a:defRPr/>
-            </a:pPr>
-            <a:r>
-              <a:rPr lang="en-US" altLang="zh-Hant"/>
-              <a:t>GIEE, NTU</a:t>
-            </a:r>
-            <a:endParaRPr lang="zh-Hant" altLang="zh-Hant"/>
-          </a:p>
-        </p:txBody>
-      </p:sp>
-      <p:sp>
-        <p:nvSpPr>
-          <p:cNvPr id="5" name="投影片編號版面配置區 4">
-            <a:extLst>
-              <a:ext uri="{FF2B5EF4-FFF2-40B4-BE49-F238E27FC236}">
-                <a16:creationId xmlns:a16="http://schemas.microsoft.com/office/drawing/2014/main" id="{75F6E6EF-BE0E-46D6-BB76-9C8E96368CC8}"/>
-              </a:ext>
-            </a:extLst>
-          </p:cNvPr>
-          <p:cNvSpPr>
-            <a:spLocks noGrp="1"/>
-          </p:cNvSpPr>
-          <p:nvPr>
-            <p:ph type="sldNum" sz="quarter" idx="11"/>
-          </p:nvPr>
-        </p:nvSpPr>
-        <p:spPr/>
-        <p:txBody>
-          <a:bodyPr/>
-          <a:lstStyle/>
-          <a:p>
-            <a:pPr>
-              <a:defRPr/>
-            </a:pPr>
-            <a:fld id="{5A007831-3536-4435-90C1-461D060F6A03}" type="slidenum">
-              <a:rPr lang="zh-Hant" altLang="en-US" smtClean="0"/>
-              <a:pPr>
-                <a:defRPr/>
-              </a:pPr>
-              <a:t>9</a:t>
-            </a:fld>
-            <a:endParaRPr lang="en-US" altLang="zh-Hant" dirty="0"/>
-          </a:p>
-        </p:txBody>
-      </p:sp>
-      <p:pic>
-        <p:nvPicPr>
-          <p:cNvPr id="6" name="圖片 5">
-            <a:extLst>
-              <a:ext uri="{FF2B5EF4-FFF2-40B4-BE49-F238E27FC236}">
-                <a16:creationId xmlns:a16="http://schemas.microsoft.com/office/drawing/2014/main" id="{2907F0AE-3A20-46B3-8E57-F81615D96BCF}"/>
-              </a:ext>
-            </a:extLst>
-          </p:cNvPr>
-          <p:cNvPicPr>
-            <a:picLocks noChangeAspect="1"/>
-          </p:cNvPicPr>
-          <p:nvPr/>
-        </p:nvPicPr>
-        <p:blipFill>
-          <a:blip r:embed="rId2"/>
-          <a:stretch>
-            <a:fillRect/>
-          </a:stretch>
-        </p:blipFill>
-        <p:spPr>
-          <a:xfrm>
-            <a:off x="6240016" y="2420888"/>
-            <a:ext cx="5730922" cy="3230488"/>
-          </a:xfrm>
-          <a:prstGeom prst="rect">
-            <a:avLst/>
-          </a:prstGeom>
-        </p:spPr>
-      </p:pic>
-    </p:spTree>
-    <p:extLst>
-      <p:ext uri="{BB962C8B-B14F-4D97-AF65-F5344CB8AC3E}">
-        <p14:creationId xmlns:p14="http://schemas.microsoft.com/office/powerpoint/2010/main" val="357407598"/>
       </p:ext>
     </p:extLst>
   </p:cSld>

--- a/incremental placement routing/Incremental Timing-Driven Placement With Approximated Signoff Wire Delay and Regression-Based Cell Delay.pptx
+++ b/incremental placement routing/Incremental Timing-Driven Placement With Approximated Signoff Wire Delay and Regression-Based Cell Delay.pptx
@@ -240,14 +240,14 @@
           <a:effectLst/>
           <a:extLst>
             <a:ext uri="{909E8E84-426E-40dd-AFC4-6F175D3DCCD1}">
-              <a14:hiddenFill xmlns="" xmlns:a14="http://schemas.microsoft.com/office/drawing/2010/main">
+              <a14:hiddenFill xmlns:a14="http://schemas.microsoft.com/office/drawing/2010/main" xmlns="">
                 <a:solidFill>
                   <a:schemeClr val="accent1"/>
                 </a:solidFill>
               </a14:hiddenFill>
             </a:ext>
             <a:ext uri="{91240B29-F687-4f45-9708-019B960494DF}">
-              <a14:hiddenLine xmlns="" xmlns:a14="http://schemas.microsoft.com/office/drawing/2010/main" w="9525">
+              <a14:hiddenLine xmlns:a14="http://schemas.microsoft.com/office/drawing/2010/main" xmlns="" w="9525">
                 <a:solidFill>
                   <a:schemeClr val="tx1"/>
                 </a:solidFill>
@@ -257,7 +257,7 @@
               </a14:hiddenLine>
             </a:ext>
             <a:ext uri="{AF507438-7753-43e0-B8FC-AC1667EBCBE1}">
-              <a14:hiddenEffects xmlns="" xmlns:a14="http://schemas.microsoft.com/office/drawing/2010/main">
+              <a14:hiddenEffects xmlns:a14="http://schemas.microsoft.com/office/drawing/2010/main" xmlns="">
                 <a:effectLst>
                   <a:outerShdw dist="35921" dir="2700000" algn="ctr" rotWithShape="0">
                     <a:schemeClr val="bg2"/>
@@ -311,14 +311,14 @@
           <a:effectLst/>
           <a:extLst>
             <a:ext uri="{909E8E84-426E-40dd-AFC4-6F175D3DCCD1}">
-              <a14:hiddenFill xmlns="" xmlns:a14="http://schemas.microsoft.com/office/drawing/2010/main">
+              <a14:hiddenFill xmlns:a14="http://schemas.microsoft.com/office/drawing/2010/main" xmlns="">
                 <a:solidFill>
                   <a:schemeClr val="accent1"/>
                 </a:solidFill>
               </a14:hiddenFill>
             </a:ext>
             <a:ext uri="{91240B29-F687-4f45-9708-019B960494DF}">
-              <a14:hiddenLine xmlns="" xmlns:a14="http://schemas.microsoft.com/office/drawing/2010/main" w="9525">
+              <a14:hiddenLine xmlns:a14="http://schemas.microsoft.com/office/drawing/2010/main" xmlns="" w="9525">
                 <a:solidFill>
                   <a:schemeClr val="tx1"/>
                 </a:solidFill>
@@ -328,7 +328,7 @@
               </a14:hiddenLine>
             </a:ext>
             <a:ext uri="{AF507438-7753-43e0-B8FC-AC1667EBCBE1}">
-              <a14:hiddenEffects xmlns="" xmlns:a14="http://schemas.microsoft.com/office/drawing/2010/main">
+              <a14:hiddenEffects xmlns:a14="http://schemas.microsoft.com/office/drawing/2010/main" xmlns="">
                 <a:effectLst>
                   <a:outerShdw dist="35921" dir="2700000" algn="ctr" rotWithShape="0">
                     <a:schemeClr val="bg2"/>
@@ -382,14 +382,14 @@
           <a:effectLst/>
           <a:extLst>
             <a:ext uri="{909E8E84-426E-40dd-AFC4-6F175D3DCCD1}">
-              <a14:hiddenFill xmlns="" xmlns:a14="http://schemas.microsoft.com/office/drawing/2010/main">
+              <a14:hiddenFill xmlns:a14="http://schemas.microsoft.com/office/drawing/2010/main" xmlns="">
                 <a:solidFill>
                   <a:schemeClr val="accent1"/>
                 </a:solidFill>
               </a14:hiddenFill>
             </a:ext>
             <a:ext uri="{91240B29-F687-4f45-9708-019B960494DF}">
-              <a14:hiddenLine xmlns="" xmlns:a14="http://schemas.microsoft.com/office/drawing/2010/main" w="9525">
+              <a14:hiddenLine xmlns:a14="http://schemas.microsoft.com/office/drawing/2010/main" xmlns="" w="9525">
                 <a:solidFill>
                   <a:schemeClr val="tx1"/>
                 </a:solidFill>
@@ -399,7 +399,7 @@
               </a14:hiddenLine>
             </a:ext>
             <a:ext uri="{AF507438-7753-43e0-B8FC-AC1667EBCBE1}">
-              <a14:hiddenEffects xmlns="" xmlns:a14="http://schemas.microsoft.com/office/drawing/2010/main">
+              <a14:hiddenEffects xmlns:a14="http://schemas.microsoft.com/office/drawing/2010/main" xmlns="">
                 <a:effectLst>
                   <a:outerShdw dist="35921" dir="2700000" algn="ctr" rotWithShape="0">
                     <a:schemeClr val="bg2"/>
@@ -453,14 +453,14 @@
           <a:effectLst/>
           <a:extLst>
             <a:ext uri="{909E8E84-426E-40dd-AFC4-6F175D3DCCD1}">
-              <a14:hiddenFill xmlns="" xmlns:a14="http://schemas.microsoft.com/office/drawing/2010/main">
+              <a14:hiddenFill xmlns:a14="http://schemas.microsoft.com/office/drawing/2010/main" xmlns="">
                 <a:solidFill>
                   <a:schemeClr val="accent1"/>
                 </a:solidFill>
               </a14:hiddenFill>
             </a:ext>
             <a:ext uri="{91240B29-F687-4f45-9708-019B960494DF}">
-              <a14:hiddenLine xmlns="" xmlns:a14="http://schemas.microsoft.com/office/drawing/2010/main" w="9525">
+              <a14:hiddenLine xmlns:a14="http://schemas.microsoft.com/office/drawing/2010/main" xmlns="" w="9525">
                 <a:solidFill>
                   <a:schemeClr val="tx1"/>
                 </a:solidFill>
@@ -470,7 +470,7 @@
               </a14:hiddenLine>
             </a:ext>
             <a:ext uri="{AF507438-7753-43e0-B8FC-AC1667EBCBE1}">
-              <a14:hiddenEffects xmlns="" xmlns:a14="http://schemas.microsoft.com/office/drawing/2010/main">
+              <a14:hiddenEffects xmlns:a14="http://schemas.microsoft.com/office/drawing/2010/main" xmlns="">
                 <a:effectLst>
                   <a:outerShdw dist="35921" dir="2700000" algn="ctr" rotWithShape="0">
                     <a:schemeClr val="bg2"/>
@@ -567,14 +567,14 @@
           <a:effectLst/>
           <a:extLst>
             <a:ext uri="{909E8E84-426E-40dd-AFC4-6F175D3DCCD1}">
-              <a14:hiddenFill xmlns="" xmlns:a14="http://schemas.microsoft.com/office/drawing/2010/main">
+              <a14:hiddenFill xmlns:a14="http://schemas.microsoft.com/office/drawing/2010/main" xmlns="">
                 <a:solidFill>
                   <a:schemeClr val="accent1"/>
                 </a:solidFill>
               </a14:hiddenFill>
             </a:ext>
             <a:ext uri="{91240B29-F687-4f45-9708-019B960494DF}">
-              <a14:hiddenLine xmlns="" xmlns:a14="http://schemas.microsoft.com/office/drawing/2010/main" w="9525">
+              <a14:hiddenLine xmlns:a14="http://schemas.microsoft.com/office/drawing/2010/main" xmlns="" w="9525">
                 <a:solidFill>
                   <a:schemeClr val="tx1"/>
                 </a:solidFill>
@@ -584,7 +584,7 @@
               </a14:hiddenLine>
             </a:ext>
             <a:ext uri="{AF507438-7753-43e0-B8FC-AC1667EBCBE1}">
-              <a14:hiddenEffects xmlns="" xmlns:a14="http://schemas.microsoft.com/office/drawing/2010/main">
+              <a14:hiddenEffects xmlns:a14="http://schemas.microsoft.com/office/drawing/2010/main" xmlns="">
                 <a:effectLst>
                   <a:outerShdw dist="35921" dir="2700000" algn="ctr" rotWithShape="0">
                     <a:schemeClr val="bg2"/>
@@ -638,14 +638,14 @@
           <a:effectLst/>
           <a:extLst>
             <a:ext uri="{909E8E84-426E-40dd-AFC4-6F175D3DCCD1}">
-              <a14:hiddenFill xmlns="" xmlns:a14="http://schemas.microsoft.com/office/drawing/2010/main">
+              <a14:hiddenFill xmlns:a14="http://schemas.microsoft.com/office/drawing/2010/main" xmlns="">
                 <a:solidFill>
                   <a:schemeClr val="accent1"/>
                 </a:solidFill>
               </a14:hiddenFill>
             </a:ext>
             <a:ext uri="{91240B29-F687-4f45-9708-019B960494DF}">
-              <a14:hiddenLine xmlns="" xmlns:a14="http://schemas.microsoft.com/office/drawing/2010/main" w="9525">
+              <a14:hiddenLine xmlns:a14="http://schemas.microsoft.com/office/drawing/2010/main" xmlns="" w="9525">
                 <a:solidFill>
                   <a:schemeClr val="tx1"/>
                 </a:solidFill>
@@ -655,7 +655,7 @@
               </a14:hiddenLine>
             </a:ext>
             <a:ext uri="{AF507438-7753-43e0-B8FC-AC1667EBCBE1}">
-              <a14:hiddenEffects xmlns="" xmlns:a14="http://schemas.microsoft.com/office/drawing/2010/main">
+              <a14:hiddenEffects xmlns:a14="http://schemas.microsoft.com/office/drawing/2010/main" xmlns="">
                 <a:effectLst>
                   <a:outerShdw dist="35921" dir="2700000" algn="ctr" rotWithShape="0">
                     <a:schemeClr val="bg2"/>
@@ -714,14 +714,14 @@
           <a:effectLst/>
           <a:extLst>
             <a:ext uri="{909E8E84-426E-40dd-AFC4-6F175D3DCCD1}">
-              <a14:hiddenFill xmlns="" xmlns:a14="http://schemas.microsoft.com/office/drawing/2010/main">
+              <a14:hiddenFill xmlns:a14="http://schemas.microsoft.com/office/drawing/2010/main" xmlns="">
                 <a:solidFill>
                   <a:srgbClr val="FFFFFF"/>
                 </a:solidFill>
               </a14:hiddenFill>
             </a:ext>
             <a:ext uri="{AF507438-7753-43e0-B8FC-AC1667EBCBE1}">
-              <a14:hiddenEffects xmlns="" xmlns:a14="http://schemas.microsoft.com/office/drawing/2010/main">
+              <a14:hiddenEffects xmlns:a14="http://schemas.microsoft.com/office/drawing/2010/main" xmlns="">
                 <a:effectLst>
                   <a:outerShdw dist="35921" dir="2700000" algn="ctr" rotWithShape="0">
                     <a:srgbClr val="808080"/>
@@ -730,7 +730,7 @@
               </a14:hiddenEffects>
             </a:ext>
             <a:ext uri="{53640926-AAD7-44d8-BBD7-CCE9431645EC}">
-              <a14:shadowObscured xmlns="" xmlns:a14="http://schemas.microsoft.com/office/drawing/2010/main" val="1"/>
+              <a14:shadowObscured xmlns:a14="http://schemas.microsoft.com/office/drawing/2010/main" xmlns="" val="1"/>
             </a:ext>
           </a:extLst>
         </p:spPr>
@@ -760,14 +760,14 @@
           <a:effectLst/>
           <a:extLst>
             <a:ext uri="{909E8E84-426E-40dd-AFC4-6F175D3DCCD1}">
-              <a14:hiddenFill xmlns="" xmlns:a14="http://schemas.microsoft.com/office/drawing/2010/main">
+              <a14:hiddenFill xmlns:a14="http://schemas.microsoft.com/office/drawing/2010/main" xmlns="">
                 <a:solidFill>
                   <a:schemeClr val="accent1"/>
                 </a:solidFill>
               </a14:hiddenFill>
             </a:ext>
             <a:ext uri="{91240B29-F687-4f45-9708-019B960494DF}">
-              <a14:hiddenLine xmlns="" xmlns:a14="http://schemas.microsoft.com/office/drawing/2010/main" w="9525">
+              <a14:hiddenLine xmlns:a14="http://schemas.microsoft.com/office/drawing/2010/main" xmlns="" w="9525">
                 <a:solidFill>
                   <a:schemeClr val="tx1"/>
                 </a:solidFill>
@@ -777,7 +777,7 @@
               </a14:hiddenLine>
             </a:ext>
             <a:ext uri="{AF507438-7753-43e0-B8FC-AC1667EBCBE1}">
-              <a14:hiddenEffects xmlns="" xmlns:a14="http://schemas.microsoft.com/office/drawing/2010/main">
+              <a14:hiddenEffects xmlns:a14="http://schemas.microsoft.com/office/drawing/2010/main" xmlns="">
                 <a:effectLst>
                   <a:outerShdw dist="35921" dir="2700000" algn="ctr" rotWithShape="0">
                     <a:schemeClr val="bg2"/>
@@ -856,14 +856,14 @@
           <a:effectLst/>
           <a:extLst>
             <a:ext uri="{909E8E84-426E-40dd-AFC4-6F175D3DCCD1}">
-              <a14:hiddenFill xmlns="" xmlns:a14="http://schemas.microsoft.com/office/drawing/2010/main">
+              <a14:hiddenFill xmlns:a14="http://schemas.microsoft.com/office/drawing/2010/main" xmlns="">
                 <a:solidFill>
                   <a:schemeClr val="accent1"/>
                 </a:solidFill>
               </a14:hiddenFill>
             </a:ext>
             <a:ext uri="{91240B29-F687-4f45-9708-019B960494DF}">
-              <a14:hiddenLine xmlns="" xmlns:a14="http://schemas.microsoft.com/office/drawing/2010/main" w="9525">
+              <a14:hiddenLine xmlns:a14="http://schemas.microsoft.com/office/drawing/2010/main" xmlns="" w="9525">
                 <a:solidFill>
                   <a:schemeClr val="tx1"/>
                 </a:solidFill>
@@ -873,7 +873,7 @@
               </a14:hiddenLine>
             </a:ext>
             <a:ext uri="{AF507438-7753-43e0-B8FC-AC1667EBCBE1}">
-              <a14:hiddenEffects xmlns="" xmlns:a14="http://schemas.microsoft.com/office/drawing/2010/main">
+              <a14:hiddenEffects xmlns:a14="http://schemas.microsoft.com/office/drawing/2010/main" xmlns="">
                 <a:effectLst>
                   <a:outerShdw dist="35921" dir="2700000" algn="ctr" rotWithShape="0">
                     <a:schemeClr val="bg2"/>
@@ -927,14 +927,14 @@
           <a:effectLst/>
           <a:extLst>
             <a:ext uri="{909E8E84-426E-40dd-AFC4-6F175D3DCCD1}">
-              <a14:hiddenFill xmlns="" xmlns:a14="http://schemas.microsoft.com/office/drawing/2010/main">
+              <a14:hiddenFill xmlns:a14="http://schemas.microsoft.com/office/drawing/2010/main" xmlns="">
                 <a:solidFill>
                   <a:schemeClr val="accent1"/>
                 </a:solidFill>
               </a14:hiddenFill>
             </a:ext>
             <a:ext uri="{91240B29-F687-4f45-9708-019B960494DF}">
-              <a14:hiddenLine xmlns="" xmlns:a14="http://schemas.microsoft.com/office/drawing/2010/main" w="9525">
+              <a14:hiddenLine xmlns:a14="http://schemas.microsoft.com/office/drawing/2010/main" xmlns="" w="9525">
                 <a:solidFill>
                   <a:schemeClr val="tx1"/>
                 </a:solidFill>
@@ -944,7 +944,7 @@
               </a14:hiddenLine>
             </a:ext>
             <a:ext uri="{AF507438-7753-43e0-B8FC-AC1667EBCBE1}">
-              <a14:hiddenEffects xmlns="" xmlns:a14="http://schemas.microsoft.com/office/drawing/2010/main">
+              <a14:hiddenEffects xmlns:a14="http://schemas.microsoft.com/office/drawing/2010/main" xmlns="">
                 <a:effectLst>
                   <a:outerShdw dist="35921" dir="2700000" algn="ctr" rotWithShape="0">
                     <a:schemeClr val="bg2"/>
@@ -1162,14 +1162,14 @@
           <a:noFill/>
           <a:extLst>
             <a:ext uri="{909E8E84-426E-40dd-AFC4-6F175D3DCCD1}">
-              <a14:hiddenFill xmlns:a14="http://schemas.microsoft.com/office/drawing/2010/main" xmlns="">
+              <a14:hiddenFill xmlns="" xmlns:a14="http://schemas.microsoft.com/office/drawing/2010/main">
                 <a:solidFill>
                   <a:srgbClr val="FFFFFF"/>
                 </a:solidFill>
               </a14:hiddenFill>
             </a:ext>
             <a:ext uri="{91240B29-F687-4f45-9708-019B960494DF}">
-              <a14:hiddenLine xmlns:a14="http://schemas.microsoft.com/office/drawing/2010/main" xmlns="" w="9525">
+              <a14:hiddenLine xmlns="" xmlns:a14="http://schemas.microsoft.com/office/drawing/2010/main" w="9525">
                 <a:solidFill>
                   <a:srgbClr val="000000"/>
                 </a:solidFill>
@@ -1646,14 +1646,14 @@
           </a:ln>
           <a:extLst>
             <a:ext uri="{909E8E84-426E-40dd-AFC4-6F175D3DCCD1}">
-              <a14:hiddenFill xmlns="" xmlns:a14="http://schemas.microsoft.com/office/drawing/2010/main">
+              <a14:hiddenFill xmlns:a14="http://schemas.microsoft.com/office/drawing/2010/main" xmlns="">
                 <a:solidFill>
                   <a:srgbClr val="FFFFFF"/>
                 </a:solidFill>
               </a14:hiddenFill>
             </a:ext>
             <a:ext uri="{91240B29-F687-4f45-9708-019B960494DF}">
-              <a14:hiddenLine xmlns="" xmlns:a14="http://schemas.microsoft.com/office/drawing/2010/main" w="9525">
+              <a14:hiddenLine xmlns:a14="http://schemas.microsoft.com/office/drawing/2010/main" xmlns="" w="9525">
                 <a:solidFill>
                   <a:srgbClr val="000000"/>
                 </a:solidFill>
@@ -1701,14 +1701,14 @@
           </a:ln>
           <a:extLst>
             <a:ext uri="{909E8E84-426E-40dd-AFC4-6F175D3DCCD1}">
-              <a14:hiddenFill xmlns="" xmlns:a14="http://schemas.microsoft.com/office/drawing/2010/main">
+              <a14:hiddenFill xmlns:a14="http://schemas.microsoft.com/office/drawing/2010/main" xmlns="">
                 <a:solidFill>
                   <a:srgbClr val="FFFFFF"/>
                 </a:solidFill>
               </a14:hiddenFill>
             </a:ext>
             <a:ext uri="{91240B29-F687-4f45-9708-019B960494DF}">
-              <a14:hiddenLine xmlns="" xmlns:a14="http://schemas.microsoft.com/office/drawing/2010/main" w="9525">
+              <a14:hiddenLine xmlns:a14="http://schemas.microsoft.com/office/drawing/2010/main" xmlns="" w="9525">
                 <a:solidFill>
                   <a:srgbClr val="000000"/>
                 </a:solidFill>
@@ -1829,14 +1829,14 @@
             </a:ln>
             <a:extLst>
               <a:ext uri="{909E8E84-426E-40dd-AFC4-6F175D3DCCD1}">
-                <a14:hiddenFill xmlns="" xmlns:a14="http://schemas.microsoft.com/office/drawing/2010/main">
+                <a14:hiddenFill xmlns:a14="http://schemas.microsoft.com/office/drawing/2010/main" xmlns="">
                   <a:solidFill>
                     <a:srgbClr val="FFFFFF"/>
                   </a:solidFill>
                 </a14:hiddenFill>
               </a:ext>
               <a:ext uri="{91240B29-F687-4f45-9708-019B960494DF}">
-                <a14:hiddenLine xmlns="" xmlns:a14="http://schemas.microsoft.com/office/drawing/2010/main" w="9525">
+                <a14:hiddenLine xmlns:a14="http://schemas.microsoft.com/office/drawing/2010/main" xmlns="" w="9525">
                   <a:solidFill>
                     <a:srgbClr val="000000"/>
                   </a:solidFill>
@@ -1885,14 +1885,14 @@
             </a:ln>
             <a:extLst>
               <a:ext uri="{909E8E84-426E-40dd-AFC4-6F175D3DCCD1}">
-                <a14:hiddenFill xmlns="" xmlns:a14="http://schemas.microsoft.com/office/drawing/2010/main">
+                <a14:hiddenFill xmlns:a14="http://schemas.microsoft.com/office/drawing/2010/main" xmlns="">
                   <a:solidFill>
                     <a:srgbClr val="FFFFFF"/>
                   </a:solidFill>
                 </a14:hiddenFill>
               </a:ext>
               <a:ext uri="{91240B29-F687-4f45-9708-019B960494DF}">
-                <a14:hiddenLine xmlns="" xmlns:a14="http://schemas.microsoft.com/office/drawing/2010/main" w="9525">
+                <a14:hiddenLine xmlns:a14="http://schemas.microsoft.com/office/drawing/2010/main" xmlns="" w="9525">
                   <a:solidFill>
                     <a:srgbClr val="000000"/>
                   </a:solidFill>
@@ -1927,14 +1927,14 @@
           </a:ln>
           <a:extLst>
             <a:ext uri="{909E8E84-426E-40dd-AFC4-6F175D3DCCD1}">
-              <a14:hiddenFill xmlns="" xmlns:a14="http://schemas.microsoft.com/office/drawing/2010/main">
+              <a14:hiddenFill xmlns:a14="http://schemas.microsoft.com/office/drawing/2010/main" xmlns="">
                 <a:solidFill>
                   <a:srgbClr val="FFFFFF"/>
                 </a:solidFill>
               </a14:hiddenFill>
             </a:ext>
             <a:ext uri="{91240B29-F687-4f45-9708-019B960494DF}">
-              <a14:hiddenLine xmlns="" xmlns:a14="http://schemas.microsoft.com/office/drawing/2010/main" w="9525">
+              <a14:hiddenLine xmlns:a14="http://schemas.microsoft.com/office/drawing/2010/main" xmlns="" w="9525">
                 <a:solidFill>
                   <a:srgbClr val="000000"/>
                 </a:solidFill>
@@ -2520,14 +2520,14 @@
           </a:ln>
           <a:extLst>
             <a:ext uri="{909E8E84-426E-40dd-AFC4-6F175D3DCCD1}">
-              <a14:hiddenFill xmlns="" xmlns:a14="http://schemas.microsoft.com/office/drawing/2010/main">
+              <a14:hiddenFill xmlns:a14="http://schemas.microsoft.com/office/drawing/2010/main" xmlns="">
                 <a:solidFill>
                   <a:srgbClr val="FFFFFF"/>
                 </a:solidFill>
               </a14:hiddenFill>
             </a:ext>
             <a:ext uri="{91240B29-F687-4f45-9708-019B960494DF}">
-              <a14:hiddenLine xmlns="" xmlns:a14="http://schemas.microsoft.com/office/drawing/2010/main" w="9525">
+              <a14:hiddenLine xmlns:a14="http://schemas.microsoft.com/office/drawing/2010/main" xmlns="" w="9525">
                 <a:solidFill>
                   <a:srgbClr val="000000"/>
                 </a:solidFill>
@@ -2575,14 +2575,14 @@
           </a:ln>
           <a:extLst>
             <a:ext uri="{909E8E84-426E-40dd-AFC4-6F175D3DCCD1}">
-              <a14:hiddenFill xmlns="" xmlns:a14="http://schemas.microsoft.com/office/drawing/2010/main">
+              <a14:hiddenFill xmlns:a14="http://schemas.microsoft.com/office/drawing/2010/main" xmlns="">
                 <a:solidFill>
                   <a:srgbClr val="FFFFFF"/>
                 </a:solidFill>
               </a14:hiddenFill>
             </a:ext>
             <a:ext uri="{91240B29-F687-4f45-9708-019B960494DF}">
-              <a14:hiddenLine xmlns="" xmlns:a14="http://schemas.microsoft.com/office/drawing/2010/main" w="9525">
+              <a14:hiddenLine xmlns:a14="http://schemas.microsoft.com/office/drawing/2010/main" xmlns="" w="9525">
                 <a:solidFill>
                   <a:srgbClr val="000000"/>
                 </a:solidFill>
@@ -2645,14 +2645,14 @@
             </a:ln>
             <a:extLst>
               <a:ext uri="{909E8E84-426E-40dd-AFC4-6F175D3DCCD1}">
-                <a14:hiddenFill xmlns="" xmlns:a14="http://schemas.microsoft.com/office/drawing/2010/main">
+                <a14:hiddenFill xmlns:a14="http://schemas.microsoft.com/office/drawing/2010/main" xmlns="">
                   <a:solidFill>
                     <a:srgbClr val="FFFFFF"/>
                   </a:solidFill>
                 </a14:hiddenFill>
               </a:ext>
               <a:ext uri="{91240B29-F687-4f45-9708-019B960494DF}">
-                <a14:hiddenLine xmlns="" xmlns:a14="http://schemas.microsoft.com/office/drawing/2010/main" w="9525">
+                <a14:hiddenLine xmlns:a14="http://schemas.microsoft.com/office/drawing/2010/main" xmlns="" w="9525">
                   <a:solidFill>
                     <a:srgbClr val="000000"/>
                   </a:solidFill>
@@ -2701,14 +2701,14 @@
             </a:ln>
             <a:extLst>
               <a:ext uri="{909E8E84-426E-40dd-AFC4-6F175D3DCCD1}">
-                <a14:hiddenFill xmlns="" xmlns:a14="http://schemas.microsoft.com/office/drawing/2010/main">
+                <a14:hiddenFill xmlns:a14="http://schemas.microsoft.com/office/drawing/2010/main" xmlns="">
                   <a:solidFill>
                     <a:srgbClr val="FFFFFF"/>
                   </a:solidFill>
                 </a14:hiddenFill>
               </a:ext>
               <a:ext uri="{91240B29-F687-4f45-9708-019B960494DF}">
-                <a14:hiddenLine xmlns="" xmlns:a14="http://schemas.microsoft.com/office/drawing/2010/main" w="9525">
+                <a14:hiddenLine xmlns:a14="http://schemas.microsoft.com/office/drawing/2010/main" xmlns="" w="9525">
                   <a:solidFill>
                     <a:srgbClr val="000000"/>
                   </a:solidFill>
@@ -2798,14 +2798,14 @@
           </a:ln>
           <a:extLst>
             <a:ext uri="{909E8E84-426E-40dd-AFC4-6F175D3DCCD1}">
-              <a14:hiddenFill xmlns="" xmlns:a14="http://schemas.microsoft.com/office/drawing/2010/main">
+              <a14:hiddenFill xmlns:a14="http://schemas.microsoft.com/office/drawing/2010/main" xmlns="">
                 <a:solidFill>
                   <a:srgbClr val="FFFFFF"/>
                 </a:solidFill>
               </a14:hiddenFill>
             </a:ext>
             <a:ext uri="{91240B29-F687-4f45-9708-019B960494DF}">
-              <a14:hiddenLine xmlns="" xmlns:a14="http://schemas.microsoft.com/office/drawing/2010/main" w="9525">
+              <a14:hiddenLine xmlns:a14="http://schemas.microsoft.com/office/drawing/2010/main" xmlns="" w="9525">
                 <a:solidFill>
                   <a:srgbClr val="000000"/>
                 </a:solidFill>
@@ -7487,14 +7487,14 @@
           </a:ln>
           <a:extLst>
             <a:ext uri="{909E8E84-426E-40dd-AFC4-6F175D3DCCD1}">
-              <a14:hiddenFill xmlns="" xmlns:a14="http://schemas.microsoft.com/office/drawing/2010/main">
+              <a14:hiddenFill xmlns:a14="http://schemas.microsoft.com/office/drawing/2010/main" xmlns="">
                 <a:solidFill>
                   <a:srgbClr val="FFFFFF"/>
                 </a:solidFill>
               </a14:hiddenFill>
             </a:ext>
             <a:ext uri="{91240B29-F687-4f45-9708-019B960494DF}">
-              <a14:hiddenLine xmlns="" xmlns:a14="http://schemas.microsoft.com/office/drawing/2010/main" w="9525">
+              <a14:hiddenLine xmlns:a14="http://schemas.microsoft.com/office/drawing/2010/main" xmlns="" w="9525">
                 <a:solidFill>
                   <a:srgbClr val="000000"/>
                 </a:solidFill>
@@ -7530,14 +7530,14 @@
           </a:ln>
           <a:extLst>
             <a:ext uri="{909E8E84-426E-40dd-AFC4-6F175D3DCCD1}">
-              <a14:hiddenFill xmlns="" xmlns:a14="http://schemas.microsoft.com/office/drawing/2010/main">
+              <a14:hiddenFill xmlns:a14="http://schemas.microsoft.com/office/drawing/2010/main" xmlns="">
                 <a:solidFill>
                   <a:srgbClr val="FFFFFF"/>
                 </a:solidFill>
               </a14:hiddenFill>
             </a:ext>
             <a:ext uri="{91240B29-F687-4f45-9708-019B960494DF}">
-              <a14:hiddenLine xmlns="" xmlns:a14="http://schemas.microsoft.com/office/drawing/2010/main" w="9525">
+              <a14:hiddenLine xmlns:a14="http://schemas.microsoft.com/office/drawing/2010/main" xmlns="" w="9525">
                 <a:solidFill>
                   <a:srgbClr val="000000"/>
                 </a:solidFill>
@@ -7588,14 +7588,14 @@
           </a:ln>
           <a:extLst>
             <a:ext uri="{909E8E84-426E-40dd-AFC4-6F175D3DCCD1}">
-              <a14:hiddenFill xmlns="" xmlns:a14="http://schemas.microsoft.com/office/drawing/2010/main">
+              <a14:hiddenFill xmlns:a14="http://schemas.microsoft.com/office/drawing/2010/main" xmlns="">
                 <a:solidFill>
                   <a:srgbClr val="FFFFFF"/>
                 </a:solidFill>
               </a14:hiddenFill>
             </a:ext>
             <a:ext uri="{91240B29-F687-4f45-9708-019B960494DF}">
-              <a14:hiddenLine xmlns="" xmlns:a14="http://schemas.microsoft.com/office/drawing/2010/main" w="9525">
+              <a14:hiddenLine xmlns:a14="http://schemas.microsoft.com/office/drawing/2010/main" xmlns="" w="9525">
                 <a:solidFill>
                   <a:srgbClr val="000000"/>
                 </a:solidFill>
@@ -7844,14 +7844,14 @@
           </a:ln>
           <a:extLst>
             <a:ext uri="{909E8E84-426E-40dd-AFC4-6F175D3DCCD1}">
-              <a14:hiddenFill xmlns="" xmlns:a14="http://schemas.microsoft.com/office/drawing/2010/main">
+              <a14:hiddenFill xmlns:a14="http://schemas.microsoft.com/office/drawing/2010/main" xmlns="">
                 <a:solidFill>
                   <a:srgbClr val="FFFFFF"/>
                 </a:solidFill>
               </a14:hiddenFill>
             </a:ext>
             <a:ext uri="{91240B29-F687-4f45-9708-019B960494DF}">
-              <a14:hiddenLine xmlns="" xmlns:a14="http://schemas.microsoft.com/office/drawing/2010/main" w="9525">
+              <a14:hiddenLine xmlns:a14="http://schemas.microsoft.com/office/drawing/2010/main" xmlns="" w="9525">
                 <a:solidFill>
                   <a:srgbClr val="000000"/>
                 </a:solidFill>
@@ -8370,14 +8370,14 @@
           </a:ln>
           <a:extLst>
             <a:ext uri="{909E8E84-426E-40dd-AFC4-6F175D3DCCD1}">
-              <a14:hiddenFill xmlns="" xmlns:a14="http://schemas.microsoft.com/office/drawing/2010/main">
+              <a14:hiddenFill xmlns:a14="http://schemas.microsoft.com/office/drawing/2010/main" xmlns="">
                 <a:solidFill>
                   <a:srgbClr val="FFFFFF"/>
                 </a:solidFill>
               </a14:hiddenFill>
             </a:ext>
             <a:ext uri="{91240B29-F687-4f45-9708-019B960494DF}">
-              <a14:hiddenLine xmlns="" xmlns:a14="http://schemas.microsoft.com/office/drawing/2010/main" w="9525">
+              <a14:hiddenLine xmlns:a14="http://schemas.microsoft.com/office/drawing/2010/main" xmlns="" w="9525">
                 <a:solidFill>
                   <a:srgbClr val="000000"/>
                 </a:solidFill>
@@ -8428,14 +8428,14 @@
           </a:ln>
           <a:extLst>
             <a:ext uri="{909E8E84-426E-40dd-AFC4-6F175D3DCCD1}">
-              <a14:hiddenFill xmlns="" xmlns:a14="http://schemas.microsoft.com/office/drawing/2010/main">
+              <a14:hiddenFill xmlns:a14="http://schemas.microsoft.com/office/drawing/2010/main" xmlns="">
                 <a:solidFill>
                   <a:srgbClr val="FFFFFF"/>
                 </a:solidFill>
               </a14:hiddenFill>
             </a:ext>
             <a:ext uri="{91240B29-F687-4f45-9708-019B960494DF}">
-              <a14:hiddenLine xmlns="" xmlns:a14="http://schemas.microsoft.com/office/drawing/2010/main" w="9525">
+              <a14:hiddenLine xmlns:a14="http://schemas.microsoft.com/office/drawing/2010/main" xmlns="" w="9525">
                 <a:solidFill>
                   <a:srgbClr val="000000"/>
                 </a:solidFill>
@@ -8682,14 +8682,14 @@
           </a:ln>
           <a:extLst>
             <a:ext uri="{909E8E84-426E-40dd-AFC4-6F175D3DCCD1}">
-              <a14:hiddenFill xmlns="" xmlns:a14="http://schemas.microsoft.com/office/drawing/2010/main">
+              <a14:hiddenFill xmlns:a14="http://schemas.microsoft.com/office/drawing/2010/main" xmlns="">
                 <a:solidFill>
                   <a:srgbClr val="FFFFFF"/>
                 </a:solidFill>
               </a14:hiddenFill>
             </a:ext>
             <a:ext uri="{91240B29-F687-4f45-9708-019B960494DF}">
-              <a14:hiddenLine xmlns="" xmlns:a14="http://schemas.microsoft.com/office/drawing/2010/main" w="9525">
+              <a14:hiddenLine xmlns:a14="http://schemas.microsoft.com/office/drawing/2010/main" xmlns="" w="9525">
                 <a:solidFill>
                   <a:srgbClr val="000000"/>
                 </a:solidFill>
@@ -9206,14 +9206,14 @@
           <a:ln/>
           <a:extLst>
             <a:ext uri="{909E8E84-426E-40dd-AFC4-6F175D3DCCD1}">
-              <a14:hiddenFill xmlns:a14="http://schemas.microsoft.com/office/drawing/2010/main" xmlns="">
+              <a14:hiddenFill xmlns="" xmlns:a14="http://schemas.microsoft.com/office/drawing/2010/main">
                 <a:solidFill>
                   <a:srgbClr val="FFFFFF"/>
                 </a:solidFill>
               </a14:hiddenFill>
             </a:ext>
             <a:ext uri="{91240B29-F687-4f45-9708-019B960494DF}">
-              <a14:hiddenLine xmlns:a14="http://schemas.microsoft.com/office/drawing/2010/main" xmlns="" w="9525">
+              <a14:hiddenLine xmlns="" xmlns:a14="http://schemas.microsoft.com/office/drawing/2010/main" w="9525">
                 <a:solidFill>
                   <a:srgbClr val="000000"/>
                 </a:solidFill>
@@ -9460,14 +9460,14 @@
           </a:ln>
           <a:extLst>
             <a:ext uri="{909E8E84-426E-40dd-AFC4-6F175D3DCCD1}">
-              <a14:hiddenFill xmlns:a14="http://schemas.microsoft.com/office/drawing/2010/main" xmlns="">
+              <a14:hiddenFill xmlns="" xmlns:a14="http://schemas.microsoft.com/office/drawing/2010/main">
                 <a:solidFill>
                   <a:srgbClr val="FFFFFF"/>
                 </a:solidFill>
               </a14:hiddenFill>
             </a:ext>
             <a:ext uri="{91240B29-F687-4f45-9708-019B960494DF}">
-              <a14:hiddenLine xmlns:a14="http://schemas.microsoft.com/office/drawing/2010/main" xmlns="" w="9525">
+              <a14:hiddenLine xmlns="" xmlns:a14="http://schemas.microsoft.com/office/drawing/2010/main" w="9525">
                 <a:solidFill>
                   <a:srgbClr val="000000"/>
                 </a:solidFill>
@@ -9545,14 +9545,14 @@
           </a:ln>
           <a:extLst>
             <a:ext uri="{909E8E84-426E-40dd-AFC4-6F175D3DCCD1}">
-              <a14:hiddenFill xmlns:a14="http://schemas.microsoft.com/office/drawing/2010/main" xmlns="">
+              <a14:hiddenFill xmlns="" xmlns:a14="http://schemas.microsoft.com/office/drawing/2010/main">
                 <a:solidFill>
                   <a:srgbClr val="FFFFFF"/>
                 </a:solidFill>
               </a14:hiddenFill>
             </a:ext>
             <a:ext uri="{91240B29-F687-4f45-9708-019B960494DF}">
-              <a14:hiddenLine xmlns:a14="http://schemas.microsoft.com/office/drawing/2010/main" xmlns="" w="9525">
+              <a14:hiddenLine xmlns="" xmlns:a14="http://schemas.microsoft.com/office/drawing/2010/main" w="9525">
                 <a:solidFill>
                   <a:srgbClr val="000000"/>
                 </a:solidFill>
@@ -9674,14 +9674,14 @@
           </a:ln>
           <a:extLst>
             <a:ext uri="{909E8E84-426E-40dd-AFC4-6F175D3DCCD1}">
-              <a14:hiddenFill xmlns:a14="http://schemas.microsoft.com/office/drawing/2010/main" xmlns="">
+              <a14:hiddenFill xmlns="" xmlns:a14="http://schemas.microsoft.com/office/drawing/2010/main">
                 <a:solidFill>
                   <a:srgbClr val="FFFFFF"/>
                 </a:solidFill>
               </a14:hiddenFill>
             </a:ext>
             <a:ext uri="{91240B29-F687-4f45-9708-019B960494DF}">
-              <a14:hiddenLine xmlns:a14="http://schemas.microsoft.com/office/drawing/2010/main" xmlns="" w="9525">
+              <a14:hiddenLine xmlns="" xmlns:a14="http://schemas.microsoft.com/office/drawing/2010/main" w="9525">
                 <a:solidFill>
                   <a:srgbClr val="000000"/>
                 </a:solidFill>
@@ -9723,14 +9723,14 @@
           </a:ln>
           <a:extLst>
             <a:ext uri="{909E8E84-426E-40dd-AFC4-6F175D3DCCD1}">
-              <a14:hiddenFill xmlns:a14="http://schemas.microsoft.com/office/drawing/2010/main" xmlns="">
+              <a14:hiddenFill xmlns="" xmlns:a14="http://schemas.microsoft.com/office/drawing/2010/main">
                 <a:solidFill>
                   <a:srgbClr val="FFFFFF"/>
                 </a:solidFill>
               </a14:hiddenFill>
             </a:ext>
             <a:ext uri="{91240B29-F687-4f45-9708-019B960494DF}">
-              <a14:hiddenLine xmlns:a14="http://schemas.microsoft.com/office/drawing/2010/main" xmlns="" w="9525">
+              <a14:hiddenLine xmlns="" xmlns:a14="http://schemas.microsoft.com/office/drawing/2010/main" w="9525">
                 <a:solidFill>
                   <a:srgbClr val="000000"/>
                 </a:solidFill>
@@ -9923,14 +9923,14 @@
           </a:ln>
           <a:extLst>
             <a:ext uri="{909E8E84-426E-40dd-AFC4-6F175D3DCCD1}">
-              <a14:hiddenFill xmlns:a14="http://schemas.microsoft.com/office/drawing/2010/main" xmlns="">
+              <a14:hiddenFill xmlns="" xmlns:a14="http://schemas.microsoft.com/office/drawing/2010/main">
                 <a:solidFill>
                   <a:srgbClr val="FFFFFF"/>
                 </a:solidFill>
               </a14:hiddenFill>
             </a:ext>
             <a:ext uri="{91240B29-F687-4f45-9708-019B960494DF}">
-              <a14:hiddenLine xmlns:a14="http://schemas.microsoft.com/office/drawing/2010/main" xmlns="" w="9525">
+              <a14:hiddenLine xmlns="" xmlns:a14="http://schemas.microsoft.com/office/drawing/2010/main" w="9525">
                 <a:solidFill>
                   <a:srgbClr val="000000"/>
                 </a:solidFill>
@@ -12581,14 +12581,14 @@
           </a:ln>
           <a:extLst>
             <a:ext uri="{909E8E84-426E-40dd-AFC4-6F175D3DCCD1}">
-              <a14:hiddenFill xmlns="" xmlns:a14="http://schemas.microsoft.com/office/drawing/2010/main">
+              <a14:hiddenFill xmlns:a14="http://schemas.microsoft.com/office/drawing/2010/main" xmlns="">
                 <a:solidFill>
                   <a:srgbClr val="FFFFFF"/>
                 </a:solidFill>
               </a14:hiddenFill>
             </a:ext>
             <a:ext uri="{91240B29-F687-4f45-9708-019B960494DF}">
-              <a14:hiddenLine xmlns="" xmlns:a14="http://schemas.microsoft.com/office/drawing/2010/main" w="9525">
+              <a14:hiddenLine xmlns:a14="http://schemas.microsoft.com/office/drawing/2010/main" xmlns="" w="9525">
                 <a:solidFill>
                   <a:srgbClr val="000000"/>
                 </a:solidFill>
@@ -13649,7 +13649,7 @@
           <a:p>
             <a:r>
               <a:rPr lang="en-US" altLang="zh-TW" dirty="0"/>
-              <a:t>Free Space-Aware Critical Path Smoothing</a:t>
+              <a:t>Design Flow With Violation Path-Based Net Weighting</a:t>
             </a:r>
             <a:endParaRPr lang="zh-TW" altLang="en-US" dirty="0"/>
           </a:p>
@@ -13677,15 +13677,19 @@
           <a:lstStyle/>
           <a:p>
             <a:r>
+              <a:rPr lang="en-US" altLang="zh-TW" dirty="0" err="1"/>
+              <a:t>Lagrangian</a:t>
+            </a:r>
+            <a:r>
               <a:rPr lang="en-US" altLang="zh-TW" dirty="0"/>
-              <a:t>Critical Path Smoothing</a:t>
+              <a:t> Relaxation</a:t>
             </a:r>
           </a:p>
           <a:p>
             <a:pPr lvl="1"/>
             <a:r>
               <a:rPr lang="en-US" altLang="zh-TW" dirty="0"/>
-              <a:t>b2, b3, b4</a:t>
+              <a:t>Constraints</a:t>
             </a:r>
           </a:p>
           <a:p>
@@ -13693,37 +13697,34 @@
             <a:endParaRPr lang="en-US" altLang="zh-TW" dirty="0"/>
           </a:p>
           <a:p>
-            <a:r>
-              <a:rPr lang="en-US" altLang="zh-TW" dirty="0"/>
-              <a:t>Potential Free Space Collection</a:t>
-            </a:r>
-          </a:p>
-          <a:p>
-            <a:pPr lvl="1"/>
-            <a:r>
-              <a:rPr lang="en-US" altLang="zh-TW" dirty="0"/>
-              <a:t>f1, f2, f3, f4, f5, f6</a:t>
-            </a:r>
-          </a:p>
-          <a:p>
             <a:pPr lvl="1"/>
             <a:endParaRPr lang="en-US" altLang="zh-TW" dirty="0"/>
           </a:p>
           <a:p>
+            <a:pPr lvl="1"/>
             <a:endParaRPr lang="en-US" altLang="zh-TW" dirty="0"/>
           </a:p>
           <a:p>
+            <a:endParaRPr lang="en-US" altLang="zh-TW" dirty="0"/>
+          </a:p>
+          <a:p>
             <a:r>
               <a:rPr lang="en-US" altLang="zh-TW" dirty="0"/>
-              <a:t>Gate Selection and Movement</a:t>
-            </a:r>
+              <a:t>Candidate Selection</a:t>
+            </a:r>
+          </a:p>
+          <a:p>
+            <a:pPr marL="457200" lvl="1" indent="0">
+              <a:buNone/>
+            </a:pPr>
+            <a:endParaRPr lang="en-US" altLang="zh-TW" dirty="0"/>
           </a:p>
           <a:p>
             <a:pPr lvl="1"/>
-            <a:r>
-              <a:rPr lang="en-US" altLang="zh-TW" dirty="0"/>
-              <a:t>f1</a:t>
-            </a:r>
+            <a:endParaRPr lang="en-US" altLang="zh-TW" dirty="0"/>
+          </a:p>
+          <a:p>
+            <a:endParaRPr lang="en-US" altLang="zh-TW" dirty="0"/>
           </a:p>
         </p:txBody>
       </p:sp>
@@ -13796,10 +13797,10 @@
       </p:sp>
       <p:pic>
         <p:nvPicPr>
-          <p:cNvPr id="6" name="圖片 5">
+          <p:cNvPr id="10" name="圖片 9">
             <a:extLst>
               <a:ext uri="{FF2B5EF4-FFF2-40B4-BE49-F238E27FC236}">
-                <a16:creationId xmlns:a16="http://schemas.microsoft.com/office/drawing/2014/main" id="{10711AF2-8C4C-491C-A992-861ED6068886}"/>
+                <a16:creationId xmlns:a16="http://schemas.microsoft.com/office/drawing/2014/main" id="{D403A37D-3963-4118-8438-BC9473D7EED5}"/>
               </a:ext>
             </a:extLst>
           </p:cNvPr>
@@ -13816,8 +13817,8 @@
         </p:blipFill>
         <p:spPr>
           <a:xfrm>
-            <a:off x="5447928" y="1798338"/>
-            <a:ext cx="6585505" cy="3489924"/>
+            <a:off x="1094391" y="1798338"/>
+            <a:ext cx="2973057" cy="1181680"/>
           </a:xfrm>
           <a:prstGeom prst="rect">
             <a:avLst/>
@@ -13826,10 +13827,10 @@
       </p:pic>
       <p:pic>
         <p:nvPicPr>
-          <p:cNvPr id="7" name="圖片 6">
+          <p:cNvPr id="11" name="圖片 10">
             <a:extLst>
               <a:ext uri="{FF2B5EF4-FFF2-40B4-BE49-F238E27FC236}">
-                <a16:creationId xmlns:a16="http://schemas.microsoft.com/office/drawing/2014/main" id="{B5A1DAEC-D050-4B1E-AB2F-F6BDE8E407AD}"/>
+                <a16:creationId xmlns:a16="http://schemas.microsoft.com/office/drawing/2014/main" id="{C13D0486-E464-42BA-B12D-34A48EF2B0B2}"/>
               </a:ext>
             </a:extLst>
           </p:cNvPr>
@@ -13846,8 +13847,8 @@
         </p:blipFill>
         <p:spPr>
           <a:xfrm>
-            <a:off x="1049787" y="2971266"/>
-            <a:ext cx="4199625" cy="427739"/>
+            <a:off x="1060814" y="3877983"/>
+            <a:ext cx="4255725" cy="2575353"/>
           </a:xfrm>
           <a:prstGeom prst="rect">
             <a:avLst/>
@@ -13856,10 +13857,10 @@
       </p:pic>
       <p:pic>
         <p:nvPicPr>
-          <p:cNvPr id="8" name="圖片 7">
+          <p:cNvPr id="12" name="圖片 11">
             <a:extLst>
               <a:ext uri="{FF2B5EF4-FFF2-40B4-BE49-F238E27FC236}">
-                <a16:creationId xmlns:a16="http://schemas.microsoft.com/office/drawing/2014/main" id="{8ABE512A-6285-44F7-974A-92845D49A6D0}"/>
+                <a16:creationId xmlns:a16="http://schemas.microsoft.com/office/drawing/2014/main" id="{A7E630E0-26F7-4023-A619-D7EAB16CDAE5}"/>
               </a:ext>
             </a:extLst>
           </p:cNvPr>
@@ -13876,38 +13877,8 @@
         </p:blipFill>
         <p:spPr>
           <a:xfrm>
-            <a:off x="1084273" y="3437150"/>
-            <a:ext cx="5888856" cy="380909"/>
-          </a:xfrm>
-          <a:prstGeom prst="rect">
-            <a:avLst/>
-          </a:prstGeom>
-        </p:spPr>
-      </p:pic>
-      <p:pic>
-        <p:nvPicPr>
-          <p:cNvPr id="9" name="圖片 8">
-            <a:extLst>
-              <a:ext uri="{FF2B5EF4-FFF2-40B4-BE49-F238E27FC236}">
-                <a16:creationId xmlns:a16="http://schemas.microsoft.com/office/drawing/2014/main" id="{CD67DF62-9BEB-458D-9539-B5BA7A98A6C9}"/>
-              </a:ext>
-            </a:extLst>
-          </p:cNvPr>
-          <p:cNvPicPr>
-            <a:picLocks noChangeAspect="1"/>
-          </p:cNvPicPr>
-          <p:nvPr/>
-        </p:nvPicPr>
-        <p:blipFill>
-          <a:blip r:embed="rId5"/>
-          <a:stretch>
-            <a:fillRect/>
-          </a:stretch>
-        </p:blipFill>
-        <p:spPr>
-          <a:xfrm>
-            <a:off x="1040266" y="4694243"/>
-            <a:ext cx="3901670" cy="1370856"/>
+            <a:off x="5693749" y="959502"/>
+            <a:ext cx="5409840" cy="5567488"/>
           </a:xfrm>
           <a:prstGeom prst="rect">
             <a:avLst/>
@@ -13967,7 +13938,7 @@
           <a:p>
             <a:r>
               <a:rPr lang="en-US" altLang="zh-TW" dirty="0"/>
-              <a:t>Slack-based Path Segmentation</a:t>
+              <a:t>Clock Tree Adjustment</a:t>
             </a:r>
             <a:endParaRPr lang="zh-TW" altLang="en-US" dirty="0"/>
           </a:p>

--- a/incremental placement routing/Incremental Timing-Driven Placement With Approximated Signoff Wire Delay and Regression-Based Cell Delay.pptx
+++ b/incremental placement routing/Incremental Timing-Driven Placement With Approximated Signoff Wire Delay and Regression-Based Cell Delay.pptx
@@ -6,10 +6,10 @@
     <p:sldMasterId id="2147483673" r:id="rId2"/>
   </p:sldMasterIdLst>
   <p:notesMasterIdLst>
-    <p:notesMasterId r:id="rId20"/>
+    <p:notesMasterId r:id="rId19"/>
   </p:notesMasterIdLst>
   <p:handoutMasterIdLst>
-    <p:handoutMasterId r:id="rId21"/>
+    <p:handoutMasterId r:id="rId20"/>
   </p:handoutMasterIdLst>
   <p:sldIdLst>
     <p:sldId id="357" r:id="rId3"/>
@@ -20,15 +20,14 @@
     <p:sldId id="376" r:id="rId8"/>
     <p:sldId id="385" r:id="rId9"/>
     <p:sldId id="367" r:id="rId10"/>
-    <p:sldId id="478" r:id="rId11"/>
-    <p:sldId id="479" r:id="rId12"/>
-    <p:sldId id="480" r:id="rId13"/>
-    <p:sldId id="481" r:id="rId14"/>
-    <p:sldId id="377" r:id="rId15"/>
-    <p:sldId id="374" r:id="rId16"/>
-    <p:sldId id="379" r:id="rId17"/>
-    <p:sldId id="366" r:id="rId18"/>
-    <p:sldId id="475" r:id="rId19"/>
+    <p:sldId id="481" r:id="rId11"/>
+    <p:sldId id="377" r:id="rId12"/>
+    <p:sldId id="483" r:id="rId13"/>
+    <p:sldId id="374" r:id="rId14"/>
+    <p:sldId id="484" r:id="rId15"/>
+    <p:sldId id="379" r:id="rId16"/>
+    <p:sldId id="366" r:id="rId17"/>
+    <p:sldId id="475" r:id="rId18"/>
   </p:sldIdLst>
   <p:sldSz cx="12192000" cy="6858000"/>
   <p:notesSz cx="6797675" cy="9928225"/>
@@ -240,14 +239,14 @@
           <a:effectLst/>
           <a:extLst>
             <a:ext uri="{909E8E84-426E-40dd-AFC4-6F175D3DCCD1}">
-              <a14:hiddenFill xmlns:a14="http://schemas.microsoft.com/office/drawing/2010/main" xmlns="">
+              <a14:hiddenFill xmlns="" xmlns:a14="http://schemas.microsoft.com/office/drawing/2010/main">
                 <a:solidFill>
                   <a:schemeClr val="accent1"/>
                 </a:solidFill>
               </a14:hiddenFill>
             </a:ext>
             <a:ext uri="{91240B29-F687-4f45-9708-019B960494DF}">
-              <a14:hiddenLine xmlns:a14="http://schemas.microsoft.com/office/drawing/2010/main" xmlns="" w="9525">
+              <a14:hiddenLine xmlns="" xmlns:a14="http://schemas.microsoft.com/office/drawing/2010/main" w="9525">
                 <a:solidFill>
                   <a:schemeClr val="tx1"/>
                 </a:solidFill>
@@ -257,7 +256,7 @@
               </a14:hiddenLine>
             </a:ext>
             <a:ext uri="{AF507438-7753-43e0-B8FC-AC1667EBCBE1}">
-              <a14:hiddenEffects xmlns:a14="http://schemas.microsoft.com/office/drawing/2010/main" xmlns="">
+              <a14:hiddenEffects xmlns="" xmlns:a14="http://schemas.microsoft.com/office/drawing/2010/main">
                 <a:effectLst>
                   <a:outerShdw dist="35921" dir="2700000" algn="ctr" rotWithShape="0">
                     <a:schemeClr val="bg2"/>
@@ -311,14 +310,14 @@
           <a:effectLst/>
           <a:extLst>
             <a:ext uri="{909E8E84-426E-40dd-AFC4-6F175D3DCCD1}">
-              <a14:hiddenFill xmlns:a14="http://schemas.microsoft.com/office/drawing/2010/main" xmlns="">
+              <a14:hiddenFill xmlns="" xmlns:a14="http://schemas.microsoft.com/office/drawing/2010/main">
                 <a:solidFill>
                   <a:schemeClr val="accent1"/>
                 </a:solidFill>
               </a14:hiddenFill>
             </a:ext>
             <a:ext uri="{91240B29-F687-4f45-9708-019B960494DF}">
-              <a14:hiddenLine xmlns:a14="http://schemas.microsoft.com/office/drawing/2010/main" xmlns="" w="9525">
+              <a14:hiddenLine xmlns="" xmlns:a14="http://schemas.microsoft.com/office/drawing/2010/main" w="9525">
                 <a:solidFill>
                   <a:schemeClr val="tx1"/>
                 </a:solidFill>
@@ -328,7 +327,7 @@
               </a14:hiddenLine>
             </a:ext>
             <a:ext uri="{AF507438-7753-43e0-B8FC-AC1667EBCBE1}">
-              <a14:hiddenEffects xmlns:a14="http://schemas.microsoft.com/office/drawing/2010/main" xmlns="">
+              <a14:hiddenEffects xmlns="" xmlns:a14="http://schemas.microsoft.com/office/drawing/2010/main">
                 <a:effectLst>
                   <a:outerShdw dist="35921" dir="2700000" algn="ctr" rotWithShape="0">
                     <a:schemeClr val="bg2"/>
@@ -382,14 +381,14 @@
           <a:effectLst/>
           <a:extLst>
             <a:ext uri="{909E8E84-426E-40dd-AFC4-6F175D3DCCD1}">
-              <a14:hiddenFill xmlns:a14="http://schemas.microsoft.com/office/drawing/2010/main" xmlns="">
+              <a14:hiddenFill xmlns="" xmlns:a14="http://schemas.microsoft.com/office/drawing/2010/main">
                 <a:solidFill>
                   <a:schemeClr val="accent1"/>
                 </a:solidFill>
               </a14:hiddenFill>
             </a:ext>
             <a:ext uri="{91240B29-F687-4f45-9708-019B960494DF}">
-              <a14:hiddenLine xmlns:a14="http://schemas.microsoft.com/office/drawing/2010/main" xmlns="" w="9525">
+              <a14:hiddenLine xmlns="" xmlns:a14="http://schemas.microsoft.com/office/drawing/2010/main" w="9525">
                 <a:solidFill>
                   <a:schemeClr val="tx1"/>
                 </a:solidFill>
@@ -399,7 +398,7 @@
               </a14:hiddenLine>
             </a:ext>
             <a:ext uri="{AF507438-7753-43e0-B8FC-AC1667EBCBE1}">
-              <a14:hiddenEffects xmlns:a14="http://schemas.microsoft.com/office/drawing/2010/main" xmlns="">
+              <a14:hiddenEffects xmlns="" xmlns:a14="http://schemas.microsoft.com/office/drawing/2010/main">
                 <a:effectLst>
                   <a:outerShdw dist="35921" dir="2700000" algn="ctr" rotWithShape="0">
                     <a:schemeClr val="bg2"/>
@@ -453,14 +452,14 @@
           <a:effectLst/>
           <a:extLst>
             <a:ext uri="{909E8E84-426E-40dd-AFC4-6F175D3DCCD1}">
-              <a14:hiddenFill xmlns:a14="http://schemas.microsoft.com/office/drawing/2010/main" xmlns="">
+              <a14:hiddenFill xmlns="" xmlns:a14="http://schemas.microsoft.com/office/drawing/2010/main">
                 <a:solidFill>
                   <a:schemeClr val="accent1"/>
                 </a:solidFill>
               </a14:hiddenFill>
             </a:ext>
             <a:ext uri="{91240B29-F687-4f45-9708-019B960494DF}">
-              <a14:hiddenLine xmlns:a14="http://schemas.microsoft.com/office/drawing/2010/main" xmlns="" w="9525">
+              <a14:hiddenLine xmlns="" xmlns:a14="http://schemas.microsoft.com/office/drawing/2010/main" w="9525">
                 <a:solidFill>
                   <a:schemeClr val="tx1"/>
                 </a:solidFill>
@@ -470,7 +469,7 @@
               </a14:hiddenLine>
             </a:ext>
             <a:ext uri="{AF507438-7753-43e0-B8FC-AC1667EBCBE1}">
-              <a14:hiddenEffects xmlns:a14="http://schemas.microsoft.com/office/drawing/2010/main" xmlns="">
+              <a14:hiddenEffects xmlns="" xmlns:a14="http://schemas.microsoft.com/office/drawing/2010/main">
                 <a:effectLst>
                   <a:outerShdw dist="35921" dir="2700000" algn="ctr" rotWithShape="0">
                     <a:schemeClr val="bg2"/>
@@ -567,14 +566,14 @@
           <a:effectLst/>
           <a:extLst>
             <a:ext uri="{909E8E84-426E-40dd-AFC4-6F175D3DCCD1}">
-              <a14:hiddenFill xmlns:a14="http://schemas.microsoft.com/office/drawing/2010/main" xmlns="">
+              <a14:hiddenFill xmlns="" xmlns:a14="http://schemas.microsoft.com/office/drawing/2010/main">
                 <a:solidFill>
                   <a:schemeClr val="accent1"/>
                 </a:solidFill>
               </a14:hiddenFill>
             </a:ext>
             <a:ext uri="{91240B29-F687-4f45-9708-019B960494DF}">
-              <a14:hiddenLine xmlns:a14="http://schemas.microsoft.com/office/drawing/2010/main" xmlns="" w="9525">
+              <a14:hiddenLine xmlns="" xmlns:a14="http://schemas.microsoft.com/office/drawing/2010/main" w="9525">
                 <a:solidFill>
                   <a:schemeClr val="tx1"/>
                 </a:solidFill>
@@ -584,7 +583,7 @@
               </a14:hiddenLine>
             </a:ext>
             <a:ext uri="{AF507438-7753-43e0-B8FC-AC1667EBCBE1}">
-              <a14:hiddenEffects xmlns:a14="http://schemas.microsoft.com/office/drawing/2010/main" xmlns="">
+              <a14:hiddenEffects xmlns="" xmlns:a14="http://schemas.microsoft.com/office/drawing/2010/main">
                 <a:effectLst>
                   <a:outerShdw dist="35921" dir="2700000" algn="ctr" rotWithShape="0">
                     <a:schemeClr val="bg2"/>
@@ -638,14 +637,14 @@
           <a:effectLst/>
           <a:extLst>
             <a:ext uri="{909E8E84-426E-40dd-AFC4-6F175D3DCCD1}">
-              <a14:hiddenFill xmlns:a14="http://schemas.microsoft.com/office/drawing/2010/main" xmlns="">
+              <a14:hiddenFill xmlns="" xmlns:a14="http://schemas.microsoft.com/office/drawing/2010/main">
                 <a:solidFill>
                   <a:schemeClr val="accent1"/>
                 </a:solidFill>
               </a14:hiddenFill>
             </a:ext>
             <a:ext uri="{91240B29-F687-4f45-9708-019B960494DF}">
-              <a14:hiddenLine xmlns:a14="http://schemas.microsoft.com/office/drawing/2010/main" xmlns="" w="9525">
+              <a14:hiddenLine xmlns="" xmlns:a14="http://schemas.microsoft.com/office/drawing/2010/main" w="9525">
                 <a:solidFill>
                   <a:schemeClr val="tx1"/>
                 </a:solidFill>
@@ -655,7 +654,7 @@
               </a14:hiddenLine>
             </a:ext>
             <a:ext uri="{AF507438-7753-43e0-B8FC-AC1667EBCBE1}">
-              <a14:hiddenEffects xmlns:a14="http://schemas.microsoft.com/office/drawing/2010/main" xmlns="">
+              <a14:hiddenEffects xmlns="" xmlns:a14="http://schemas.microsoft.com/office/drawing/2010/main">
                 <a:effectLst>
                   <a:outerShdw dist="35921" dir="2700000" algn="ctr" rotWithShape="0">
                     <a:schemeClr val="bg2"/>
@@ -714,14 +713,14 @@
           <a:effectLst/>
           <a:extLst>
             <a:ext uri="{909E8E84-426E-40dd-AFC4-6F175D3DCCD1}">
-              <a14:hiddenFill xmlns:a14="http://schemas.microsoft.com/office/drawing/2010/main" xmlns="">
+              <a14:hiddenFill xmlns="" xmlns:a14="http://schemas.microsoft.com/office/drawing/2010/main">
                 <a:solidFill>
                   <a:srgbClr val="FFFFFF"/>
                 </a:solidFill>
               </a14:hiddenFill>
             </a:ext>
             <a:ext uri="{AF507438-7753-43e0-B8FC-AC1667EBCBE1}">
-              <a14:hiddenEffects xmlns:a14="http://schemas.microsoft.com/office/drawing/2010/main" xmlns="">
+              <a14:hiddenEffects xmlns="" xmlns:a14="http://schemas.microsoft.com/office/drawing/2010/main">
                 <a:effectLst>
                   <a:outerShdw dist="35921" dir="2700000" algn="ctr" rotWithShape="0">
                     <a:srgbClr val="808080"/>
@@ -730,7 +729,7 @@
               </a14:hiddenEffects>
             </a:ext>
             <a:ext uri="{53640926-AAD7-44d8-BBD7-CCE9431645EC}">
-              <a14:shadowObscured xmlns:a14="http://schemas.microsoft.com/office/drawing/2010/main" xmlns="" val="1"/>
+              <a14:shadowObscured xmlns="" xmlns:a14="http://schemas.microsoft.com/office/drawing/2010/main" val="1"/>
             </a:ext>
           </a:extLst>
         </p:spPr>
@@ -760,14 +759,14 @@
           <a:effectLst/>
           <a:extLst>
             <a:ext uri="{909E8E84-426E-40dd-AFC4-6F175D3DCCD1}">
-              <a14:hiddenFill xmlns:a14="http://schemas.microsoft.com/office/drawing/2010/main" xmlns="">
+              <a14:hiddenFill xmlns="" xmlns:a14="http://schemas.microsoft.com/office/drawing/2010/main">
                 <a:solidFill>
                   <a:schemeClr val="accent1"/>
                 </a:solidFill>
               </a14:hiddenFill>
             </a:ext>
             <a:ext uri="{91240B29-F687-4f45-9708-019B960494DF}">
-              <a14:hiddenLine xmlns:a14="http://schemas.microsoft.com/office/drawing/2010/main" xmlns="" w="9525">
+              <a14:hiddenLine xmlns="" xmlns:a14="http://schemas.microsoft.com/office/drawing/2010/main" w="9525">
                 <a:solidFill>
                   <a:schemeClr val="tx1"/>
                 </a:solidFill>
@@ -777,7 +776,7 @@
               </a14:hiddenLine>
             </a:ext>
             <a:ext uri="{AF507438-7753-43e0-B8FC-AC1667EBCBE1}">
-              <a14:hiddenEffects xmlns:a14="http://schemas.microsoft.com/office/drawing/2010/main" xmlns="">
+              <a14:hiddenEffects xmlns="" xmlns:a14="http://schemas.microsoft.com/office/drawing/2010/main">
                 <a:effectLst>
                   <a:outerShdw dist="35921" dir="2700000" algn="ctr" rotWithShape="0">
                     <a:schemeClr val="bg2"/>
@@ -856,14 +855,14 @@
           <a:effectLst/>
           <a:extLst>
             <a:ext uri="{909E8E84-426E-40dd-AFC4-6F175D3DCCD1}">
-              <a14:hiddenFill xmlns:a14="http://schemas.microsoft.com/office/drawing/2010/main" xmlns="">
+              <a14:hiddenFill xmlns="" xmlns:a14="http://schemas.microsoft.com/office/drawing/2010/main">
                 <a:solidFill>
                   <a:schemeClr val="accent1"/>
                 </a:solidFill>
               </a14:hiddenFill>
             </a:ext>
             <a:ext uri="{91240B29-F687-4f45-9708-019B960494DF}">
-              <a14:hiddenLine xmlns:a14="http://schemas.microsoft.com/office/drawing/2010/main" xmlns="" w="9525">
+              <a14:hiddenLine xmlns="" xmlns:a14="http://schemas.microsoft.com/office/drawing/2010/main" w="9525">
                 <a:solidFill>
                   <a:schemeClr val="tx1"/>
                 </a:solidFill>
@@ -873,7 +872,7 @@
               </a14:hiddenLine>
             </a:ext>
             <a:ext uri="{AF507438-7753-43e0-B8FC-AC1667EBCBE1}">
-              <a14:hiddenEffects xmlns:a14="http://schemas.microsoft.com/office/drawing/2010/main" xmlns="">
+              <a14:hiddenEffects xmlns="" xmlns:a14="http://schemas.microsoft.com/office/drawing/2010/main">
                 <a:effectLst>
                   <a:outerShdw dist="35921" dir="2700000" algn="ctr" rotWithShape="0">
                     <a:schemeClr val="bg2"/>
@@ -927,14 +926,14 @@
           <a:effectLst/>
           <a:extLst>
             <a:ext uri="{909E8E84-426E-40dd-AFC4-6F175D3DCCD1}">
-              <a14:hiddenFill xmlns:a14="http://schemas.microsoft.com/office/drawing/2010/main" xmlns="">
+              <a14:hiddenFill xmlns="" xmlns:a14="http://schemas.microsoft.com/office/drawing/2010/main">
                 <a:solidFill>
                   <a:schemeClr val="accent1"/>
                 </a:solidFill>
               </a14:hiddenFill>
             </a:ext>
             <a:ext uri="{91240B29-F687-4f45-9708-019B960494DF}">
-              <a14:hiddenLine xmlns:a14="http://schemas.microsoft.com/office/drawing/2010/main" xmlns="" w="9525">
+              <a14:hiddenLine xmlns="" xmlns:a14="http://schemas.microsoft.com/office/drawing/2010/main" w="9525">
                 <a:solidFill>
                   <a:schemeClr val="tx1"/>
                 </a:solidFill>
@@ -944,7 +943,7 @@
               </a14:hiddenLine>
             </a:ext>
             <a:ext uri="{AF507438-7753-43e0-B8FC-AC1667EBCBE1}">
-              <a14:hiddenEffects xmlns:a14="http://schemas.microsoft.com/office/drawing/2010/main" xmlns="">
+              <a14:hiddenEffects xmlns="" xmlns:a14="http://schemas.microsoft.com/office/drawing/2010/main">
                 <a:effectLst>
                   <a:outerShdw dist="35921" dir="2700000" algn="ctr" rotWithShape="0">
                     <a:schemeClr val="bg2"/>
@@ -1162,14 +1161,14 @@
           <a:noFill/>
           <a:extLst>
             <a:ext uri="{909E8E84-426E-40dd-AFC4-6F175D3DCCD1}">
-              <a14:hiddenFill xmlns="" xmlns:a14="http://schemas.microsoft.com/office/drawing/2010/main">
+              <a14:hiddenFill xmlns:a14="http://schemas.microsoft.com/office/drawing/2010/main" xmlns="">
                 <a:solidFill>
                   <a:srgbClr val="FFFFFF"/>
                 </a:solidFill>
               </a14:hiddenFill>
             </a:ext>
             <a:ext uri="{91240B29-F687-4f45-9708-019B960494DF}">
-              <a14:hiddenLine xmlns="" xmlns:a14="http://schemas.microsoft.com/office/drawing/2010/main" w="9525">
+              <a14:hiddenLine xmlns:a14="http://schemas.microsoft.com/office/drawing/2010/main" xmlns="" w="9525">
                 <a:solidFill>
                   <a:srgbClr val="000000"/>
                 </a:solidFill>
@@ -1365,7 +1364,7 @@
               <a:pPr>
                 <a:defRPr/>
               </a:pPr>
-              <a:t>9</a:t>
+              <a:t>15</a:t>
             </a:fld>
             <a:endParaRPr lang="en-US" altLang="zh-Hant" dirty="0"/>
           </a:p>
@@ -1374,7 +1373,7 @@
     </p:spTree>
     <p:extLst>
       <p:ext uri="{BB962C8B-B14F-4D97-AF65-F5344CB8AC3E}">
-        <p14:creationId xmlns:p14="http://schemas.microsoft.com/office/powerpoint/2010/main" val="2250443371"/>
+        <p14:creationId xmlns:p14="http://schemas.microsoft.com/office/powerpoint/2010/main" val="4007608523"/>
       </p:ext>
     </p:extLst>
   </p:cSld>
@@ -1403,96 +1402,6 @@
       </p:grpSpPr>
       <p:sp>
         <p:nvSpPr>
-          <p:cNvPr id="2" name="投影片影像版面配置區 1"/>
-          <p:cNvSpPr>
-            <a:spLocks noGrp="1" noRot="1" noChangeAspect="1"/>
-          </p:cNvSpPr>
-          <p:nvPr>
-            <p:ph type="sldImg"/>
-          </p:nvPr>
-        </p:nvSpPr>
-        <p:spPr/>
-      </p:sp>
-      <p:sp>
-        <p:nvSpPr>
-          <p:cNvPr id="3" name="備忘稿版面配置區 2"/>
-          <p:cNvSpPr>
-            <a:spLocks noGrp="1"/>
-          </p:cNvSpPr>
-          <p:nvPr>
-            <p:ph type="body" idx="1"/>
-          </p:nvPr>
-        </p:nvSpPr>
-        <p:spPr/>
-        <p:txBody>
-          <a:bodyPr/>
-          <a:lstStyle/>
-          <a:p>
-            <a:endParaRPr lang="zh-TW" altLang="en-US" dirty="0"/>
-          </a:p>
-        </p:txBody>
-      </p:sp>
-      <p:sp>
-        <p:nvSpPr>
-          <p:cNvPr id="4" name="投影片編號版面配置區 3"/>
-          <p:cNvSpPr>
-            <a:spLocks noGrp="1"/>
-          </p:cNvSpPr>
-          <p:nvPr>
-            <p:ph type="sldNum" sz="quarter" idx="5"/>
-          </p:nvPr>
-        </p:nvSpPr>
-        <p:spPr/>
-        <p:txBody>
-          <a:bodyPr/>
-          <a:lstStyle/>
-          <a:p>
-            <a:pPr>
-              <a:defRPr/>
-            </a:pPr>
-            <a:fld id="{F805D155-4C6A-4B13-920E-C2B08AFD570F}" type="slidenum">
-              <a:rPr lang="en-US" altLang="zh-Hant" smtClean="0"/>
-              <a:pPr>
-                <a:defRPr/>
-              </a:pPr>
-              <a:t>16</a:t>
-            </a:fld>
-            <a:endParaRPr lang="en-US" altLang="zh-Hant" dirty="0"/>
-          </a:p>
-        </p:txBody>
-      </p:sp>
-    </p:spTree>
-    <p:extLst>
-      <p:ext uri="{BB962C8B-B14F-4D97-AF65-F5344CB8AC3E}">
-        <p14:creationId xmlns:p14="http://schemas.microsoft.com/office/powerpoint/2010/main" val="4007608523"/>
-      </p:ext>
-    </p:extLst>
-  </p:cSld>
-  <p:clrMapOvr>
-    <a:masterClrMapping/>
-  </p:clrMapOvr>
-</p:notes>
-</file>
-
-<file path=ppt/notesSlides/notesSlide5.xml><?xml version="1.0" encoding="utf-8"?>
-<p:notes xmlns:a="http://schemas.openxmlformats.org/drawingml/2006/main" xmlns:r="http://schemas.openxmlformats.org/officeDocument/2006/relationships" xmlns:p="http://schemas.openxmlformats.org/presentationml/2006/main">
-  <p:cSld>
-    <p:spTree>
-      <p:nvGrpSpPr>
-        <p:cNvPr id="1" name=""/>
-        <p:cNvGrpSpPr/>
-        <p:nvPr/>
-      </p:nvGrpSpPr>
-      <p:grpSpPr>
-        <a:xfrm>
-          <a:off x="0" y="0"/>
-          <a:ext cx="0" cy="0"/>
-          <a:chOff x="0" y="0"/>
-          <a:chExt cx="0" cy="0"/>
-        </a:xfrm>
-      </p:grpSpPr>
-      <p:sp>
-        <p:nvSpPr>
           <p:cNvPr id="40962" name="Rectangle 7"/>
           <p:cNvSpPr>
             <a:spLocks noGrp="1" noChangeArrowheads="1"/>
@@ -1514,7 +1423,7 @@
               <a:pPr>
                 <a:defRPr/>
               </a:pPr>
-              <a:t>17</a:t>
+              <a:t>16</a:t>
             </a:fld>
             <a:endParaRPr lang="en-US" altLang="zh-TW"/>
           </a:p>
@@ -1646,14 +1555,14 @@
           </a:ln>
           <a:extLst>
             <a:ext uri="{909E8E84-426E-40dd-AFC4-6F175D3DCCD1}">
-              <a14:hiddenFill xmlns:a14="http://schemas.microsoft.com/office/drawing/2010/main" xmlns="">
+              <a14:hiddenFill xmlns="" xmlns:a14="http://schemas.microsoft.com/office/drawing/2010/main">
                 <a:solidFill>
                   <a:srgbClr val="FFFFFF"/>
                 </a:solidFill>
               </a14:hiddenFill>
             </a:ext>
             <a:ext uri="{91240B29-F687-4f45-9708-019B960494DF}">
-              <a14:hiddenLine xmlns:a14="http://schemas.microsoft.com/office/drawing/2010/main" xmlns="" w="9525">
+              <a14:hiddenLine xmlns="" xmlns:a14="http://schemas.microsoft.com/office/drawing/2010/main" w="9525">
                 <a:solidFill>
                   <a:srgbClr val="000000"/>
                 </a:solidFill>
@@ -1701,14 +1610,14 @@
           </a:ln>
           <a:extLst>
             <a:ext uri="{909E8E84-426E-40dd-AFC4-6F175D3DCCD1}">
-              <a14:hiddenFill xmlns:a14="http://schemas.microsoft.com/office/drawing/2010/main" xmlns="">
+              <a14:hiddenFill xmlns="" xmlns:a14="http://schemas.microsoft.com/office/drawing/2010/main">
                 <a:solidFill>
                   <a:srgbClr val="FFFFFF"/>
                 </a:solidFill>
               </a14:hiddenFill>
             </a:ext>
             <a:ext uri="{91240B29-F687-4f45-9708-019B960494DF}">
-              <a14:hiddenLine xmlns:a14="http://schemas.microsoft.com/office/drawing/2010/main" xmlns="" w="9525">
+              <a14:hiddenLine xmlns="" xmlns:a14="http://schemas.microsoft.com/office/drawing/2010/main" w="9525">
                 <a:solidFill>
                   <a:srgbClr val="000000"/>
                 </a:solidFill>
@@ -1829,14 +1738,14 @@
             </a:ln>
             <a:extLst>
               <a:ext uri="{909E8E84-426E-40dd-AFC4-6F175D3DCCD1}">
-                <a14:hiddenFill xmlns:a14="http://schemas.microsoft.com/office/drawing/2010/main" xmlns="">
+                <a14:hiddenFill xmlns="" xmlns:a14="http://schemas.microsoft.com/office/drawing/2010/main">
                   <a:solidFill>
                     <a:srgbClr val="FFFFFF"/>
                   </a:solidFill>
                 </a14:hiddenFill>
               </a:ext>
               <a:ext uri="{91240B29-F687-4f45-9708-019B960494DF}">
-                <a14:hiddenLine xmlns:a14="http://schemas.microsoft.com/office/drawing/2010/main" xmlns="" w="9525">
+                <a14:hiddenLine xmlns="" xmlns:a14="http://schemas.microsoft.com/office/drawing/2010/main" w="9525">
                   <a:solidFill>
                     <a:srgbClr val="000000"/>
                   </a:solidFill>
@@ -1885,14 +1794,14 @@
             </a:ln>
             <a:extLst>
               <a:ext uri="{909E8E84-426E-40dd-AFC4-6F175D3DCCD1}">
-                <a14:hiddenFill xmlns:a14="http://schemas.microsoft.com/office/drawing/2010/main" xmlns="">
+                <a14:hiddenFill xmlns="" xmlns:a14="http://schemas.microsoft.com/office/drawing/2010/main">
                   <a:solidFill>
                     <a:srgbClr val="FFFFFF"/>
                   </a:solidFill>
                 </a14:hiddenFill>
               </a:ext>
               <a:ext uri="{91240B29-F687-4f45-9708-019B960494DF}">
-                <a14:hiddenLine xmlns:a14="http://schemas.microsoft.com/office/drawing/2010/main" xmlns="" w="9525">
+                <a14:hiddenLine xmlns="" xmlns:a14="http://schemas.microsoft.com/office/drawing/2010/main" w="9525">
                   <a:solidFill>
                     <a:srgbClr val="000000"/>
                   </a:solidFill>
@@ -1927,14 +1836,14 @@
           </a:ln>
           <a:extLst>
             <a:ext uri="{909E8E84-426E-40dd-AFC4-6F175D3DCCD1}">
-              <a14:hiddenFill xmlns:a14="http://schemas.microsoft.com/office/drawing/2010/main" xmlns="">
+              <a14:hiddenFill xmlns="" xmlns:a14="http://schemas.microsoft.com/office/drawing/2010/main">
                 <a:solidFill>
                   <a:srgbClr val="FFFFFF"/>
                 </a:solidFill>
               </a14:hiddenFill>
             </a:ext>
             <a:ext uri="{91240B29-F687-4f45-9708-019B960494DF}">
-              <a14:hiddenLine xmlns:a14="http://schemas.microsoft.com/office/drawing/2010/main" xmlns="" w="9525">
+              <a14:hiddenLine xmlns="" xmlns:a14="http://schemas.microsoft.com/office/drawing/2010/main" w="9525">
                 <a:solidFill>
                   <a:srgbClr val="000000"/>
                 </a:solidFill>
@@ -2520,14 +2429,14 @@
           </a:ln>
           <a:extLst>
             <a:ext uri="{909E8E84-426E-40dd-AFC4-6F175D3DCCD1}">
-              <a14:hiddenFill xmlns:a14="http://schemas.microsoft.com/office/drawing/2010/main" xmlns="">
+              <a14:hiddenFill xmlns="" xmlns:a14="http://schemas.microsoft.com/office/drawing/2010/main">
                 <a:solidFill>
                   <a:srgbClr val="FFFFFF"/>
                 </a:solidFill>
               </a14:hiddenFill>
             </a:ext>
             <a:ext uri="{91240B29-F687-4f45-9708-019B960494DF}">
-              <a14:hiddenLine xmlns:a14="http://schemas.microsoft.com/office/drawing/2010/main" xmlns="" w="9525">
+              <a14:hiddenLine xmlns="" xmlns:a14="http://schemas.microsoft.com/office/drawing/2010/main" w="9525">
                 <a:solidFill>
                   <a:srgbClr val="000000"/>
                 </a:solidFill>
@@ -2575,14 +2484,14 @@
           </a:ln>
           <a:extLst>
             <a:ext uri="{909E8E84-426E-40dd-AFC4-6F175D3DCCD1}">
-              <a14:hiddenFill xmlns:a14="http://schemas.microsoft.com/office/drawing/2010/main" xmlns="">
+              <a14:hiddenFill xmlns="" xmlns:a14="http://schemas.microsoft.com/office/drawing/2010/main">
                 <a:solidFill>
                   <a:srgbClr val="FFFFFF"/>
                 </a:solidFill>
               </a14:hiddenFill>
             </a:ext>
             <a:ext uri="{91240B29-F687-4f45-9708-019B960494DF}">
-              <a14:hiddenLine xmlns:a14="http://schemas.microsoft.com/office/drawing/2010/main" xmlns="" w="9525">
+              <a14:hiddenLine xmlns="" xmlns:a14="http://schemas.microsoft.com/office/drawing/2010/main" w="9525">
                 <a:solidFill>
                   <a:srgbClr val="000000"/>
                 </a:solidFill>
@@ -2645,14 +2554,14 @@
             </a:ln>
             <a:extLst>
               <a:ext uri="{909E8E84-426E-40dd-AFC4-6F175D3DCCD1}">
-                <a14:hiddenFill xmlns:a14="http://schemas.microsoft.com/office/drawing/2010/main" xmlns="">
+                <a14:hiddenFill xmlns="" xmlns:a14="http://schemas.microsoft.com/office/drawing/2010/main">
                   <a:solidFill>
                     <a:srgbClr val="FFFFFF"/>
                   </a:solidFill>
                 </a14:hiddenFill>
               </a:ext>
               <a:ext uri="{91240B29-F687-4f45-9708-019B960494DF}">
-                <a14:hiddenLine xmlns:a14="http://schemas.microsoft.com/office/drawing/2010/main" xmlns="" w="9525">
+                <a14:hiddenLine xmlns="" xmlns:a14="http://schemas.microsoft.com/office/drawing/2010/main" w="9525">
                   <a:solidFill>
                     <a:srgbClr val="000000"/>
                   </a:solidFill>
@@ -2701,14 +2610,14 @@
             </a:ln>
             <a:extLst>
               <a:ext uri="{909E8E84-426E-40dd-AFC4-6F175D3DCCD1}">
-                <a14:hiddenFill xmlns:a14="http://schemas.microsoft.com/office/drawing/2010/main" xmlns="">
+                <a14:hiddenFill xmlns="" xmlns:a14="http://schemas.microsoft.com/office/drawing/2010/main">
                   <a:solidFill>
                     <a:srgbClr val="FFFFFF"/>
                   </a:solidFill>
                 </a14:hiddenFill>
               </a:ext>
               <a:ext uri="{91240B29-F687-4f45-9708-019B960494DF}">
-                <a14:hiddenLine xmlns:a14="http://schemas.microsoft.com/office/drawing/2010/main" xmlns="" w="9525">
+                <a14:hiddenLine xmlns="" xmlns:a14="http://schemas.microsoft.com/office/drawing/2010/main" w="9525">
                   <a:solidFill>
                     <a:srgbClr val="000000"/>
                   </a:solidFill>
@@ -2798,14 +2707,14 @@
           </a:ln>
           <a:extLst>
             <a:ext uri="{909E8E84-426E-40dd-AFC4-6F175D3DCCD1}">
-              <a14:hiddenFill xmlns:a14="http://schemas.microsoft.com/office/drawing/2010/main" xmlns="">
+              <a14:hiddenFill xmlns="" xmlns:a14="http://schemas.microsoft.com/office/drawing/2010/main">
                 <a:solidFill>
                   <a:srgbClr val="FFFFFF"/>
                 </a:solidFill>
               </a14:hiddenFill>
             </a:ext>
             <a:ext uri="{91240B29-F687-4f45-9708-019B960494DF}">
-              <a14:hiddenLine xmlns:a14="http://schemas.microsoft.com/office/drawing/2010/main" xmlns="" w="9525">
+              <a14:hiddenLine xmlns="" xmlns:a14="http://schemas.microsoft.com/office/drawing/2010/main" w="9525">
                 <a:solidFill>
                   <a:srgbClr val="000000"/>
                 </a:solidFill>
@@ -7487,14 +7396,14 @@
           </a:ln>
           <a:extLst>
             <a:ext uri="{909E8E84-426E-40dd-AFC4-6F175D3DCCD1}">
-              <a14:hiddenFill xmlns:a14="http://schemas.microsoft.com/office/drawing/2010/main" xmlns="">
+              <a14:hiddenFill xmlns="" xmlns:a14="http://schemas.microsoft.com/office/drawing/2010/main">
                 <a:solidFill>
                   <a:srgbClr val="FFFFFF"/>
                 </a:solidFill>
               </a14:hiddenFill>
             </a:ext>
             <a:ext uri="{91240B29-F687-4f45-9708-019B960494DF}">
-              <a14:hiddenLine xmlns:a14="http://schemas.microsoft.com/office/drawing/2010/main" xmlns="" w="9525">
+              <a14:hiddenLine xmlns="" xmlns:a14="http://schemas.microsoft.com/office/drawing/2010/main" w="9525">
                 <a:solidFill>
                   <a:srgbClr val="000000"/>
                 </a:solidFill>
@@ -7530,14 +7439,14 @@
           </a:ln>
           <a:extLst>
             <a:ext uri="{909E8E84-426E-40dd-AFC4-6F175D3DCCD1}">
-              <a14:hiddenFill xmlns:a14="http://schemas.microsoft.com/office/drawing/2010/main" xmlns="">
+              <a14:hiddenFill xmlns="" xmlns:a14="http://schemas.microsoft.com/office/drawing/2010/main">
                 <a:solidFill>
                   <a:srgbClr val="FFFFFF"/>
                 </a:solidFill>
               </a14:hiddenFill>
             </a:ext>
             <a:ext uri="{91240B29-F687-4f45-9708-019B960494DF}">
-              <a14:hiddenLine xmlns:a14="http://schemas.microsoft.com/office/drawing/2010/main" xmlns="" w="9525">
+              <a14:hiddenLine xmlns="" xmlns:a14="http://schemas.microsoft.com/office/drawing/2010/main" w="9525">
                 <a:solidFill>
                   <a:srgbClr val="000000"/>
                 </a:solidFill>
@@ -7588,14 +7497,14 @@
           </a:ln>
           <a:extLst>
             <a:ext uri="{909E8E84-426E-40dd-AFC4-6F175D3DCCD1}">
-              <a14:hiddenFill xmlns:a14="http://schemas.microsoft.com/office/drawing/2010/main" xmlns="">
+              <a14:hiddenFill xmlns="" xmlns:a14="http://schemas.microsoft.com/office/drawing/2010/main">
                 <a:solidFill>
                   <a:srgbClr val="FFFFFF"/>
                 </a:solidFill>
               </a14:hiddenFill>
             </a:ext>
             <a:ext uri="{91240B29-F687-4f45-9708-019B960494DF}">
-              <a14:hiddenLine xmlns:a14="http://schemas.microsoft.com/office/drawing/2010/main" xmlns="" w="9525">
+              <a14:hiddenLine xmlns="" xmlns:a14="http://schemas.microsoft.com/office/drawing/2010/main" w="9525">
                 <a:solidFill>
                   <a:srgbClr val="000000"/>
                 </a:solidFill>
@@ -7844,14 +7753,14 @@
           </a:ln>
           <a:extLst>
             <a:ext uri="{909E8E84-426E-40dd-AFC4-6F175D3DCCD1}">
-              <a14:hiddenFill xmlns:a14="http://schemas.microsoft.com/office/drawing/2010/main" xmlns="">
+              <a14:hiddenFill xmlns="" xmlns:a14="http://schemas.microsoft.com/office/drawing/2010/main">
                 <a:solidFill>
                   <a:srgbClr val="FFFFFF"/>
                 </a:solidFill>
               </a14:hiddenFill>
             </a:ext>
             <a:ext uri="{91240B29-F687-4f45-9708-019B960494DF}">
-              <a14:hiddenLine xmlns:a14="http://schemas.microsoft.com/office/drawing/2010/main" xmlns="" w="9525">
+              <a14:hiddenLine xmlns="" xmlns:a14="http://schemas.microsoft.com/office/drawing/2010/main" w="9525">
                 <a:solidFill>
                   <a:srgbClr val="000000"/>
                 </a:solidFill>
@@ -8370,14 +8279,14 @@
           </a:ln>
           <a:extLst>
             <a:ext uri="{909E8E84-426E-40dd-AFC4-6F175D3DCCD1}">
-              <a14:hiddenFill xmlns:a14="http://schemas.microsoft.com/office/drawing/2010/main" xmlns="">
+              <a14:hiddenFill xmlns="" xmlns:a14="http://schemas.microsoft.com/office/drawing/2010/main">
                 <a:solidFill>
                   <a:srgbClr val="FFFFFF"/>
                 </a:solidFill>
               </a14:hiddenFill>
             </a:ext>
             <a:ext uri="{91240B29-F687-4f45-9708-019B960494DF}">
-              <a14:hiddenLine xmlns:a14="http://schemas.microsoft.com/office/drawing/2010/main" xmlns="" w="9525">
+              <a14:hiddenLine xmlns="" xmlns:a14="http://schemas.microsoft.com/office/drawing/2010/main" w="9525">
                 <a:solidFill>
                   <a:srgbClr val="000000"/>
                 </a:solidFill>
@@ -8428,14 +8337,14 @@
           </a:ln>
           <a:extLst>
             <a:ext uri="{909E8E84-426E-40dd-AFC4-6F175D3DCCD1}">
-              <a14:hiddenFill xmlns:a14="http://schemas.microsoft.com/office/drawing/2010/main" xmlns="">
+              <a14:hiddenFill xmlns="" xmlns:a14="http://schemas.microsoft.com/office/drawing/2010/main">
                 <a:solidFill>
                   <a:srgbClr val="FFFFFF"/>
                 </a:solidFill>
               </a14:hiddenFill>
             </a:ext>
             <a:ext uri="{91240B29-F687-4f45-9708-019B960494DF}">
-              <a14:hiddenLine xmlns:a14="http://schemas.microsoft.com/office/drawing/2010/main" xmlns="" w="9525">
+              <a14:hiddenLine xmlns="" xmlns:a14="http://schemas.microsoft.com/office/drawing/2010/main" w="9525">
                 <a:solidFill>
                   <a:srgbClr val="000000"/>
                 </a:solidFill>
@@ -8682,14 +8591,14 @@
           </a:ln>
           <a:extLst>
             <a:ext uri="{909E8E84-426E-40dd-AFC4-6F175D3DCCD1}">
-              <a14:hiddenFill xmlns:a14="http://schemas.microsoft.com/office/drawing/2010/main" xmlns="">
+              <a14:hiddenFill xmlns="" xmlns:a14="http://schemas.microsoft.com/office/drawing/2010/main">
                 <a:solidFill>
                   <a:srgbClr val="FFFFFF"/>
                 </a:solidFill>
               </a14:hiddenFill>
             </a:ext>
             <a:ext uri="{91240B29-F687-4f45-9708-019B960494DF}">
-              <a14:hiddenLine xmlns:a14="http://schemas.microsoft.com/office/drawing/2010/main" xmlns="" w="9525">
+              <a14:hiddenLine xmlns="" xmlns:a14="http://schemas.microsoft.com/office/drawing/2010/main" w="9525">
                 <a:solidFill>
                   <a:srgbClr val="000000"/>
                 </a:solidFill>
@@ -9206,14 +9115,14 @@
           <a:ln/>
           <a:extLst>
             <a:ext uri="{909E8E84-426E-40dd-AFC4-6F175D3DCCD1}">
-              <a14:hiddenFill xmlns="" xmlns:a14="http://schemas.microsoft.com/office/drawing/2010/main">
+              <a14:hiddenFill xmlns:a14="http://schemas.microsoft.com/office/drawing/2010/main" xmlns="">
                 <a:solidFill>
                   <a:srgbClr val="FFFFFF"/>
                 </a:solidFill>
               </a14:hiddenFill>
             </a:ext>
             <a:ext uri="{91240B29-F687-4f45-9708-019B960494DF}">
-              <a14:hiddenLine xmlns="" xmlns:a14="http://schemas.microsoft.com/office/drawing/2010/main" w="9525">
+              <a14:hiddenLine xmlns:a14="http://schemas.microsoft.com/office/drawing/2010/main" xmlns="" w="9525">
                 <a:solidFill>
                   <a:srgbClr val="000000"/>
                 </a:solidFill>
@@ -9460,14 +9369,14 @@
           </a:ln>
           <a:extLst>
             <a:ext uri="{909E8E84-426E-40dd-AFC4-6F175D3DCCD1}">
-              <a14:hiddenFill xmlns="" xmlns:a14="http://schemas.microsoft.com/office/drawing/2010/main">
+              <a14:hiddenFill xmlns:a14="http://schemas.microsoft.com/office/drawing/2010/main" xmlns="">
                 <a:solidFill>
                   <a:srgbClr val="FFFFFF"/>
                 </a:solidFill>
               </a14:hiddenFill>
             </a:ext>
             <a:ext uri="{91240B29-F687-4f45-9708-019B960494DF}">
-              <a14:hiddenLine xmlns="" xmlns:a14="http://schemas.microsoft.com/office/drawing/2010/main" w="9525">
+              <a14:hiddenLine xmlns:a14="http://schemas.microsoft.com/office/drawing/2010/main" xmlns="" w="9525">
                 <a:solidFill>
                   <a:srgbClr val="000000"/>
                 </a:solidFill>
@@ -9545,14 +9454,14 @@
           </a:ln>
           <a:extLst>
             <a:ext uri="{909E8E84-426E-40dd-AFC4-6F175D3DCCD1}">
-              <a14:hiddenFill xmlns="" xmlns:a14="http://schemas.microsoft.com/office/drawing/2010/main">
+              <a14:hiddenFill xmlns:a14="http://schemas.microsoft.com/office/drawing/2010/main" xmlns="">
                 <a:solidFill>
                   <a:srgbClr val="FFFFFF"/>
                 </a:solidFill>
               </a14:hiddenFill>
             </a:ext>
             <a:ext uri="{91240B29-F687-4f45-9708-019B960494DF}">
-              <a14:hiddenLine xmlns="" xmlns:a14="http://schemas.microsoft.com/office/drawing/2010/main" w="9525">
+              <a14:hiddenLine xmlns:a14="http://schemas.microsoft.com/office/drawing/2010/main" xmlns="" w="9525">
                 <a:solidFill>
                   <a:srgbClr val="000000"/>
                 </a:solidFill>
@@ -9674,14 +9583,14 @@
           </a:ln>
           <a:extLst>
             <a:ext uri="{909E8E84-426E-40dd-AFC4-6F175D3DCCD1}">
-              <a14:hiddenFill xmlns="" xmlns:a14="http://schemas.microsoft.com/office/drawing/2010/main">
+              <a14:hiddenFill xmlns:a14="http://schemas.microsoft.com/office/drawing/2010/main" xmlns="">
                 <a:solidFill>
                   <a:srgbClr val="FFFFFF"/>
                 </a:solidFill>
               </a14:hiddenFill>
             </a:ext>
             <a:ext uri="{91240B29-F687-4f45-9708-019B960494DF}">
-              <a14:hiddenLine xmlns="" xmlns:a14="http://schemas.microsoft.com/office/drawing/2010/main" w="9525">
+              <a14:hiddenLine xmlns:a14="http://schemas.microsoft.com/office/drawing/2010/main" xmlns="" w="9525">
                 <a:solidFill>
                   <a:srgbClr val="000000"/>
                 </a:solidFill>
@@ -9723,14 +9632,14 @@
           </a:ln>
           <a:extLst>
             <a:ext uri="{909E8E84-426E-40dd-AFC4-6F175D3DCCD1}">
-              <a14:hiddenFill xmlns="" xmlns:a14="http://schemas.microsoft.com/office/drawing/2010/main">
+              <a14:hiddenFill xmlns:a14="http://schemas.microsoft.com/office/drawing/2010/main" xmlns="">
                 <a:solidFill>
                   <a:srgbClr val="FFFFFF"/>
                 </a:solidFill>
               </a14:hiddenFill>
             </a:ext>
             <a:ext uri="{91240B29-F687-4f45-9708-019B960494DF}">
-              <a14:hiddenLine xmlns="" xmlns:a14="http://schemas.microsoft.com/office/drawing/2010/main" w="9525">
+              <a14:hiddenLine xmlns:a14="http://schemas.microsoft.com/office/drawing/2010/main" xmlns="" w="9525">
                 <a:solidFill>
                   <a:srgbClr val="000000"/>
                 </a:solidFill>
@@ -9923,14 +9832,14 @@
           </a:ln>
           <a:extLst>
             <a:ext uri="{909E8E84-426E-40dd-AFC4-6F175D3DCCD1}">
-              <a14:hiddenFill xmlns="" xmlns:a14="http://schemas.microsoft.com/office/drawing/2010/main">
+              <a14:hiddenFill xmlns:a14="http://schemas.microsoft.com/office/drawing/2010/main" xmlns="">
                 <a:solidFill>
                   <a:srgbClr val="FFFFFF"/>
                 </a:solidFill>
               </a14:hiddenFill>
             </a:ext>
             <a:ext uri="{91240B29-F687-4f45-9708-019B960494DF}">
-              <a14:hiddenLine xmlns="" xmlns:a14="http://schemas.microsoft.com/office/drawing/2010/main" w="9525">
+              <a14:hiddenLine xmlns:a14="http://schemas.microsoft.com/office/drawing/2010/main" xmlns="" w="9525">
                 <a:solidFill>
                   <a:srgbClr val="000000"/>
                 </a:solidFill>
@@ -10001,7 +9910,7 @@
           <p:cNvPr id="2" name="標題 1">
             <a:extLst>
               <a:ext uri="{FF2B5EF4-FFF2-40B4-BE49-F238E27FC236}">
-                <a16:creationId xmlns:a16="http://schemas.microsoft.com/office/drawing/2014/main" id="{1D200C26-EF5D-4C57-B74E-F2C777E89462}"/>
+                <a16:creationId xmlns:a16="http://schemas.microsoft.com/office/drawing/2014/main" id="{0E21B4C5-E7C1-43FF-A86B-ED12A45C57FC}"/>
               </a:ext>
             </a:extLst>
           </p:cNvPr>
@@ -10019,7 +9928,7 @@
           <a:p>
             <a:r>
               <a:rPr lang="en-US" altLang="zh-TW" dirty="0"/>
-              <a:t>Anchor Placement</a:t>
+              <a:t>Outline</a:t>
             </a:r>
             <a:endParaRPr lang="zh-TW" altLang="en-US" dirty="0"/>
           </a:p>
@@ -10030,7 +9939,7 @@
           <p:cNvPr id="3" name="內容版面配置區 2">
             <a:extLst>
               <a:ext uri="{FF2B5EF4-FFF2-40B4-BE49-F238E27FC236}">
-                <a16:creationId xmlns:a16="http://schemas.microsoft.com/office/drawing/2014/main" id="{70B711FB-357C-40A8-8426-03552FE165B1}"/>
+                <a16:creationId xmlns:a16="http://schemas.microsoft.com/office/drawing/2014/main" id="{A7731B0D-BFCA-4942-8434-BA43449D5D22}"/>
               </a:ext>
             </a:extLst>
           </p:cNvPr>
@@ -10047,82 +9956,52 @@
           <a:lstStyle/>
           <a:p>
             <a:r>
+              <a:rPr lang="en-US" altLang="zh-TW" dirty="0">
+                <a:solidFill>
+                  <a:schemeClr val="bg1">
+                    <a:lumMod val="75000"/>
+                  </a:schemeClr>
+                </a:solidFill>
+              </a:rPr>
+              <a:t>Introduction</a:t>
+            </a:r>
+          </a:p>
+          <a:p>
+            <a:r>
+              <a:rPr lang="en-US" altLang="zh-TW" dirty="0">
+                <a:solidFill>
+                  <a:schemeClr val="bg1">
+                    <a:lumMod val="75000"/>
+                  </a:schemeClr>
+                </a:solidFill>
+              </a:rPr>
+              <a:t>Problem Formulation</a:t>
+            </a:r>
+          </a:p>
+          <a:p>
+            <a:r>
               <a:rPr lang="en-US" altLang="zh-TW" dirty="0"/>
-              <a:t>Anchor Cells</a:t>
-            </a:r>
-          </a:p>
-          <a:p>
-            <a:pPr lvl="1"/>
-            <a:r>
-              <a:rPr lang="en-US" altLang="zh-TW" dirty="0"/>
-              <a:t>start of end point of a path</a:t>
-            </a:r>
-          </a:p>
-          <a:p>
-            <a:pPr lvl="1"/>
-            <a:r>
-              <a:rPr lang="en-US" altLang="zh-TW" dirty="0"/>
-              <a:t>movable: contained in another segment &amp; not the anchor of the segment</a:t>
-            </a:r>
-          </a:p>
-          <a:p>
-            <a:pPr lvl="1"/>
-            <a:r>
-              <a:rPr lang="en-US" altLang="zh-TW" dirty="0"/>
-              <a:t>fixed: otherwise</a:t>
-            </a:r>
-          </a:p>
-          <a:p>
-            <a:pPr lvl="1"/>
-            <a:endParaRPr lang="en-US" altLang="zh-TW" dirty="0"/>
-          </a:p>
-          <a:p>
-            <a:r>
-              <a:rPr lang="en-US" altLang="zh-TW" dirty="0"/>
-              <a:t>Two paths compete for an anchor cell</a:t>
-            </a:r>
-          </a:p>
-          <a:p>
-            <a:pPr lvl="1"/>
-            <a:r>
-              <a:rPr lang="en-US" altLang="zh-TW" dirty="0"/>
-              <a:t>v2: movable anchor for the blue path</a:t>
-            </a:r>
-          </a:p>
-          <a:p>
-            <a:pPr lvl="1"/>
-            <a:endParaRPr lang="en-US" altLang="zh-TW" dirty="0"/>
-          </a:p>
-          <a:p>
-            <a:r>
-              <a:rPr lang="en-US" altLang="zh-TW" dirty="0"/>
-              <a:t>Fix the anchor points</a:t>
-            </a:r>
-          </a:p>
-          <a:p>
-            <a:pPr lvl="1"/>
-            <a:r>
-              <a:rPr lang="en-US" altLang="zh-TW" dirty="0"/>
-              <a:t>Figure(b)</a:t>
-            </a:r>
-          </a:p>
-          <a:p>
-            <a:pPr marL="457200" lvl="1" indent="0">
-              <a:buNone/>
-            </a:pPr>
-            <a:endParaRPr lang="en-US" altLang="zh-TW" dirty="0"/>
-          </a:p>
-          <a:p>
-            <a:pPr marL="457200" lvl="1" indent="0">
-              <a:buNone/>
-            </a:pPr>
-            <a:endParaRPr lang="en-US" altLang="zh-TW" dirty="0"/>
-          </a:p>
-          <a:p>
-            <a:pPr marL="0" indent="0">
-              <a:buNone/>
-            </a:pPr>
-            <a:endParaRPr lang="zh-TW" altLang="en-US" dirty="0"/>
+              <a:t>Experimental Results</a:t>
+            </a:r>
+          </a:p>
+          <a:p>
+            <a:r>
+              <a:rPr lang="en-US" altLang="zh-TW" dirty="0">
+                <a:solidFill>
+                  <a:schemeClr val="bg1">
+                    <a:lumMod val="75000"/>
+                  </a:schemeClr>
+                </a:solidFill>
+              </a:rPr>
+              <a:t>Conclusion</a:t>
+            </a:r>
+            <a:endParaRPr lang="zh-TW" altLang="en-US" dirty="0">
+              <a:solidFill>
+                <a:schemeClr val="bg1">
+                  <a:lumMod val="75000"/>
+                </a:schemeClr>
+              </a:solidFill>
+            </a:endParaRPr>
           </a:p>
         </p:txBody>
       </p:sp>
@@ -10131,7 +10010,7 @@
           <p:cNvPr id="4" name="日期版面配置區 3">
             <a:extLst>
               <a:ext uri="{FF2B5EF4-FFF2-40B4-BE49-F238E27FC236}">
-                <a16:creationId xmlns:a16="http://schemas.microsoft.com/office/drawing/2014/main" id="{55DAC938-58FC-459F-AF9E-9EF51A7A3E03}"/>
+                <a16:creationId xmlns:a16="http://schemas.microsoft.com/office/drawing/2014/main" id="{D0037C9E-6880-425F-BD51-65FD3D5207EC}"/>
               </a:ext>
             </a:extLst>
           </p:cNvPr>
@@ -10163,7 +10042,7 @@
           <p:cNvPr id="5" name="投影片編號版面配置區 4">
             <a:extLst>
               <a:ext uri="{FF2B5EF4-FFF2-40B4-BE49-F238E27FC236}">
-                <a16:creationId xmlns:a16="http://schemas.microsoft.com/office/drawing/2014/main" id="{75F6E6EF-BE0E-46D6-BB76-9C8E96368CC8}"/>
+                <a16:creationId xmlns:a16="http://schemas.microsoft.com/office/drawing/2014/main" id="{F98953EF-304E-45D1-82DE-8EC49FAFB54C}"/>
               </a:ext>
             </a:extLst>
           </p:cNvPr>
@@ -10193,40 +10072,10 @@
           </a:p>
         </p:txBody>
       </p:sp>
-      <p:pic>
-        <p:nvPicPr>
-          <p:cNvPr id="6" name="圖片 5">
-            <a:extLst>
-              <a:ext uri="{FF2B5EF4-FFF2-40B4-BE49-F238E27FC236}">
-                <a16:creationId xmlns:a16="http://schemas.microsoft.com/office/drawing/2014/main" id="{2907F0AE-3A20-46B3-8E57-F81615D96BCF}"/>
-              </a:ext>
-            </a:extLst>
-          </p:cNvPr>
-          <p:cNvPicPr>
-            <a:picLocks noChangeAspect="1"/>
-          </p:cNvPicPr>
-          <p:nvPr/>
-        </p:nvPicPr>
-        <p:blipFill>
-          <a:blip r:embed="rId2"/>
-          <a:stretch>
-            <a:fillRect/>
-          </a:stretch>
-        </p:blipFill>
-        <p:spPr>
-          <a:xfrm>
-            <a:off x="6240016" y="2420888"/>
-            <a:ext cx="5730922" cy="3230488"/>
-          </a:xfrm>
-          <a:prstGeom prst="rect">
-            <a:avLst/>
-          </a:prstGeom>
-        </p:spPr>
-      </p:pic>
     </p:spTree>
     <p:extLst>
       <p:ext uri="{BB962C8B-B14F-4D97-AF65-F5344CB8AC3E}">
-        <p14:creationId xmlns:p14="http://schemas.microsoft.com/office/powerpoint/2010/main" val="357407598"/>
+        <p14:creationId xmlns:p14="http://schemas.microsoft.com/office/powerpoint/2010/main" val="3732529621"/>
       </p:ext>
     </p:extLst>
   </p:cSld>
@@ -10258,7 +10107,7 @@
           <p:cNvPr id="2" name="標題 1">
             <a:extLst>
               <a:ext uri="{FF2B5EF4-FFF2-40B4-BE49-F238E27FC236}">
-                <a16:creationId xmlns:a16="http://schemas.microsoft.com/office/drawing/2014/main" id="{1D200C26-EF5D-4C57-B74E-F2C777E89462}"/>
+                <a16:creationId xmlns:a16="http://schemas.microsoft.com/office/drawing/2014/main" id="{B36C0CBB-73B6-4523-BBAB-8A0776641E37}"/>
               </a:ext>
             </a:extLst>
           </p:cNvPr>
@@ -10276,7 +10125,7 @@
           <a:p>
             <a:r>
               <a:rPr lang="en-US" altLang="zh-TW" dirty="0"/>
-              <a:t>Anchor Placement</a:t>
+              <a:t>Experimental Settings</a:t>
             </a:r>
             <a:endParaRPr lang="zh-TW" altLang="en-US" dirty="0"/>
           </a:p>
@@ -10287,7 +10136,7 @@
           <p:cNvPr id="3" name="內容版面配置區 2">
             <a:extLst>
               <a:ext uri="{FF2B5EF4-FFF2-40B4-BE49-F238E27FC236}">
-                <a16:creationId xmlns:a16="http://schemas.microsoft.com/office/drawing/2014/main" id="{70B711FB-357C-40A8-8426-03552FE165B1}"/>
+                <a16:creationId xmlns:a16="http://schemas.microsoft.com/office/drawing/2014/main" id="{902CFE75-50C5-4789-894E-A85AF0E975D3}"/>
               </a:ext>
             </a:extLst>
           </p:cNvPr>
@@ -10305,28 +10154,56 @@
           <a:p>
             <a:r>
               <a:rPr lang="en-US" altLang="zh-TW" dirty="0"/>
-              <a:t>Construct placement graph</a:t>
+              <a:t>Language &amp; libraries</a:t>
             </a:r>
           </a:p>
           <a:p>
             <a:pPr lvl="1"/>
             <a:r>
               <a:rPr lang="en-US" altLang="zh-TW" dirty="0"/>
-              <a:t>vertices are the anchors</a:t>
+              <a:t>Programming language: </a:t>
+            </a:r>
+            <a:r>
+              <a:rPr lang="en-US" altLang="zh-TW" b="1" dirty="0"/>
+              <a:t>C++</a:t>
             </a:r>
           </a:p>
           <a:p>
             <a:pPr lvl="1"/>
             <a:r>
               <a:rPr lang="en-US" altLang="zh-TW" dirty="0"/>
-              <a:t>an edge is created between a fixed anchor and a movable anchor if they belong to the same path segment</a:t>
-            </a:r>
+              <a:t>Compiler: </a:t>
+            </a:r>
+            <a:r>
+              <a:rPr lang="en-US" altLang="zh-TW" b="1" dirty="0"/>
+              <a:t>g++ 4.9.2</a:t>
+            </a:r>
+            <a:endParaRPr lang="en-US" altLang="zh-TW" dirty="0"/>
           </a:p>
           <a:p>
             <a:pPr lvl="1"/>
+            <a:endParaRPr lang="en-US" altLang="zh-TW" b="1" dirty="0"/>
+          </a:p>
+          <a:p>
             <a:r>
               <a:rPr lang="en-US" altLang="zh-TW" dirty="0"/>
-              <a:t>weight of an edge</a:t>
+              <a:t>Platform </a:t>
+            </a:r>
+          </a:p>
+          <a:p>
+            <a:pPr lvl="1"/>
+            <a:r>
+              <a:rPr lang="en-US" altLang="zh-TW" dirty="0"/>
+              <a:t>Linux machine with Intel Xeon 3.0 GHz CPU and 48 GB memory</a:t>
+            </a:r>
+          </a:p>
+          <a:p>
+            <a:endParaRPr lang="en-US" altLang="zh-TW" dirty="0"/>
+          </a:p>
+          <a:p>
+            <a:r>
+              <a:rPr lang="en-US" altLang="zh-TW" dirty="0"/>
+              <a:t> Evaluation Metric</a:t>
             </a:r>
           </a:p>
           <a:p>
@@ -10334,18 +10211,27 @@
             <a:endParaRPr lang="en-US" altLang="zh-TW" dirty="0"/>
           </a:p>
           <a:p>
+            <a:pPr lvl="1"/>
             <a:endParaRPr lang="en-US" altLang="zh-TW" dirty="0"/>
           </a:p>
           <a:p>
-            <a:pPr marL="0" indent="0">
-              <a:buNone/>
-            </a:pPr>
+            <a:pPr lvl="1"/>
             <a:endParaRPr lang="en-US" altLang="zh-TW" dirty="0"/>
           </a:p>
           <a:p>
+            <a:endParaRPr lang="en-US" altLang="zh-TW" dirty="0"/>
+          </a:p>
+          <a:p>
             <a:r>
               <a:rPr lang="en-US" altLang="zh-TW" dirty="0"/>
-              <a:t>Quadratic programming</a:t>
+              <a:t>Benchmark</a:t>
+            </a:r>
+          </a:p>
+          <a:p>
+            <a:pPr lvl="1"/>
+            <a:r>
+              <a:rPr lang="en-US" altLang="zh-TW" dirty="0"/>
+              <a:t>ICCAD2015</a:t>
             </a:r>
           </a:p>
           <a:p>
@@ -10354,44 +10240,6 @@
             </a:pPr>
             <a:endParaRPr lang="en-US" altLang="zh-TW" dirty="0"/>
           </a:p>
-          <a:p>
-            <a:pPr marL="457200" lvl="1" indent="0">
-              <a:buNone/>
-            </a:pPr>
-            <a:endParaRPr lang="en-US" altLang="zh-TW" dirty="0"/>
-          </a:p>
-          <a:p>
-            <a:pPr lvl="1"/>
-            <a:r>
-              <a:rPr lang="en-US" altLang="zh-TW" dirty="0"/>
-              <a:t>Figure(a): before anchor placement</a:t>
-            </a:r>
-          </a:p>
-          <a:p>
-            <a:pPr lvl="1"/>
-            <a:r>
-              <a:rPr lang="en-US" altLang="zh-TW" dirty="0"/>
-              <a:t>Figure(b): after anchor placement</a:t>
-            </a:r>
-          </a:p>
-          <a:p>
-            <a:pPr marL="457200" lvl="1" indent="0">
-              <a:buNone/>
-            </a:pPr>
-            <a:endParaRPr lang="en-US" altLang="zh-TW" dirty="0"/>
-          </a:p>
-          <a:p>
-            <a:pPr marL="457200" lvl="1" indent="0">
-              <a:buNone/>
-            </a:pPr>
-            <a:endParaRPr lang="en-US" altLang="zh-TW" dirty="0"/>
-          </a:p>
-          <a:p>
-            <a:pPr marL="0" indent="0">
-              <a:buNone/>
-            </a:pPr>
-            <a:endParaRPr lang="zh-TW" altLang="en-US" dirty="0"/>
-          </a:p>
         </p:txBody>
       </p:sp>
       <p:sp>
@@ -10399,7 +10247,7 @@
           <p:cNvPr id="4" name="日期版面配置區 3">
             <a:extLst>
               <a:ext uri="{FF2B5EF4-FFF2-40B4-BE49-F238E27FC236}">
-                <a16:creationId xmlns:a16="http://schemas.microsoft.com/office/drawing/2014/main" id="{55DAC938-58FC-459F-AF9E-9EF51A7A3E03}"/>
+                <a16:creationId xmlns:a16="http://schemas.microsoft.com/office/drawing/2014/main" id="{AA0AB3A0-3BE2-4B22-A5DE-56B2D61246E9}"/>
               </a:ext>
             </a:extLst>
           </p:cNvPr>
@@ -10431,7 +10279,7 @@
           <p:cNvPr id="5" name="投影片編號版面配置區 4">
             <a:extLst>
               <a:ext uri="{FF2B5EF4-FFF2-40B4-BE49-F238E27FC236}">
-                <a16:creationId xmlns:a16="http://schemas.microsoft.com/office/drawing/2014/main" id="{75F6E6EF-BE0E-46D6-BB76-9C8E96368CC8}"/>
+                <a16:creationId xmlns:a16="http://schemas.microsoft.com/office/drawing/2014/main" id="{57565F14-FD05-4976-8E7B-8467A0AC3A92}"/>
               </a:ext>
             </a:extLst>
           </p:cNvPr>
@@ -10463,10 +10311,10 @@
       </p:sp>
       <p:pic>
         <p:nvPicPr>
-          <p:cNvPr id="7" name="圖片 6">
+          <p:cNvPr id="6" name="圖片 5">
             <a:extLst>
               <a:ext uri="{FF2B5EF4-FFF2-40B4-BE49-F238E27FC236}">
-                <a16:creationId xmlns:a16="http://schemas.microsoft.com/office/drawing/2014/main" id="{2C098C8D-AE98-4E91-9DC6-AF8C87E63B62}"/>
+                <a16:creationId xmlns:a16="http://schemas.microsoft.com/office/drawing/2014/main" id="{A5E931A8-3D76-4CEA-8904-8D483E33F12F}"/>
               </a:ext>
             </a:extLst>
           </p:cNvPr>
@@ -10483,8 +10331,8 @@
         </p:blipFill>
         <p:spPr>
           <a:xfrm>
-            <a:off x="6079803" y="4124924"/>
-            <a:ext cx="4205230" cy="2373381"/>
+            <a:off x="1271464" y="4373261"/>
+            <a:ext cx="2448272" cy="286260"/>
           </a:xfrm>
           <a:prstGeom prst="rect">
             <a:avLst/>
@@ -10493,10 +10341,10 @@
       </p:pic>
       <p:pic>
         <p:nvPicPr>
-          <p:cNvPr id="8" name="圖片 7">
+          <p:cNvPr id="7" name="圖片 6">
             <a:extLst>
               <a:ext uri="{FF2B5EF4-FFF2-40B4-BE49-F238E27FC236}">
-                <a16:creationId xmlns:a16="http://schemas.microsoft.com/office/drawing/2014/main" id="{EEA0C1DF-7312-4A1D-853D-EA1103049844}"/>
+                <a16:creationId xmlns:a16="http://schemas.microsoft.com/office/drawing/2014/main" id="{B553D193-5843-4F50-BB9F-A408F2ACE4B3}"/>
               </a:ext>
             </a:extLst>
           </p:cNvPr>
@@ -10513,8 +10361,8 @@
         </p:blipFill>
         <p:spPr>
           <a:xfrm>
-            <a:off x="7536160" y="2119762"/>
-            <a:ext cx="4297034" cy="1903384"/>
+            <a:off x="5972344" y="3429000"/>
+            <a:ext cx="6068720" cy="2535560"/>
           </a:xfrm>
           <a:prstGeom prst="rect">
             <a:avLst/>
@@ -10523,10 +10371,10 @@
       </p:pic>
       <p:pic>
         <p:nvPicPr>
-          <p:cNvPr id="9" name="圖片 8">
+          <p:cNvPr id="8" name="圖片 7">
             <a:extLst>
               <a:ext uri="{FF2B5EF4-FFF2-40B4-BE49-F238E27FC236}">
-                <a16:creationId xmlns:a16="http://schemas.microsoft.com/office/drawing/2014/main" id="{3968C251-4AD8-4130-9D96-97CEB5CADFDB}"/>
+                <a16:creationId xmlns:a16="http://schemas.microsoft.com/office/drawing/2014/main" id="{F5A4A5C9-C3DD-4016-9BC3-1B7020945575}"/>
               </a:ext>
             </a:extLst>
           </p:cNvPr>
@@ -10543,68 +10391,8 @@
         </p:blipFill>
         <p:spPr>
           <a:xfrm>
-            <a:off x="1487488" y="2809897"/>
-            <a:ext cx="2952328" cy="607098"/>
-          </a:xfrm>
-          <a:prstGeom prst="rect">
-            <a:avLst/>
-          </a:prstGeom>
-        </p:spPr>
-      </p:pic>
-      <p:pic>
-        <p:nvPicPr>
-          <p:cNvPr id="10" name="圖片 9">
-            <a:extLst>
-              <a:ext uri="{FF2B5EF4-FFF2-40B4-BE49-F238E27FC236}">
-                <a16:creationId xmlns:a16="http://schemas.microsoft.com/office/drawing/2014/main" id="{9042024A-AD15-4BBD-954B-EF3A523480CF}"/>
-              </a:ext>
-            </a:extLst>
-          </p:cNvPr>
-          <p:cNvPicPr>
-            <a:picLocks noChangeAspect="1"/>
-          </p:cNvPicPr>
-          <p:nvPr/>
-        </p:nvPicPr>
-        <p:blipFill>
-          <a:blip r:embed="rId5"/>
-          <a:stretch>
-            <a:fillRect/>
-          </a:stretch>
-        </p:blipFill>
-        <p:spPr>
-          <a:xfrm>
-            <a:off x="1487488" y="3441006"/>
-            <a:ext cx="5045420" cy="238635"/>
-          </a:xfrm>
-          <a:prstGeom prst="rect">
-            <a:avLst/>
-          </a:prstGeom>
-        </p:spPr>
-      </p:pic>
-      <p:pic>
-        <p:nvPicPr>
-          <p:cNvPr id="11" name="圖片 10">
-            <a:extLst>
-              <a:ext uri="{FF2B5EF4-FFF2-40B4-BE49-F238E27FC236}">
-                <a16:creationId xmlns:a16="http://schemas.microsoft.com/office/drawing/2014/main" id="{586C9E7A-5834-489A-8FB9-7005284658D2}"/>
-              </a:ext>
-            </a:extLst>
-          </p:cNvPr>
-          <p:cNvPicPr>
-            <a:picLocks noChangeAspect="1"/>
-          </p:cNvPicPr>
-          <p:nvPr/>
-        </p:nvPicPr>
-        <p:blipFill>
-          <a:blip r:embed="rId6"/>
-          <a:stretch>
-            <a:fillRect/>
-          </a:stretch>
-        </p:blipFill>
-        <p:spPr>
-          <a:xfrm>
-            <a:off x="1128066" y="4629194"/>
-            <a:ext cx="4959530" cy="607098"/>
+            <a:off x="1142232" y="4767909"/>
+            <a:ext cx="4953768" cy="448305"/>
           </a:xfrm>
           <a:prstGeom prst="rect">
             <a:avLst/>
@@ -10614,7 +10402,7 @@
     </p:spTree>
     <p:extLst>
       <p:ext uri="{BB962C8B-B14F-4D97-AF65-F5344CB8AC3E}">
-        <p14:creationId xmlns:p14="http://schemas.microsoft.com/office/powerpoint/2010/main" val="4252573933"/>
+        <p14:creationId xmlns:p14="http://schemas.microsoft.com/office/powerpoint/2010/main" val="500024535"/>
       </p:ext>
     </p:extLst>
   </p:cSld>
@@ -10646,7 +10434,7 @@
           <p:cNvPr id="2" name="標題 1">
             <a:extLst>
               <a:ext uri="{FF2B5EF4-FFF2-40B4-BE49-F238E27FC236}">
-                <a16:creationId xmlns:a16="http://schemas.microsoft.com/office/drawing/2014/main" id="{63087DD6-02A7-4E24-9A2C-B6104101C67C}"/>
+                <a16:creationId xmlns:a16="http://schemas.microsoft.com/office/drawing/2014/main" id="{B36C0CBB-73B6-4523-BBAB-8A0776641E37}"/>
               </a:ext>
             </a:extLst>
           </p:cNvPr>
@@ -10663,8 +10451,12 @@
           <a:lstStyle/>
           <a:p>
             <a:r>
+              <a:rPr lang="en-US" altLang="zh-TW" dirty="0" err="1"/>
+              <a:t>Postoptimization</a:t>
+            </a:r>
+            <a:r>
               <a:rPr lang="en-US" altLang="zh-TW" dirty="0"/>
-              <a:t>Algorithm Flow</a:t>
+              <a:t> Results</a:t>
             </a:r>
             <a:endParaRPr lang="zh-TW" altLang="en-US" dirty="0"/>
           </a:p>
@@ -10675,7 +10467,7 @@
           <p:cNvPr id="3" name="內容版面配置區 2">
             <a:extLst>
               <a:ext uri="{FF2B5EF4-FFF2-40B4-BE49-F238E27FC236}">
-                <a16:creationId xmlns:a16="http://schemas.microsoft.com/office/drawing/2014/main" id="{A413B6A5-CC15-46A4-8F22-90317A0F41B4}"/>
+                <a16:creationId xmlns:a16="http://schemas.microsoft.com/office/drawing/2014/main" id="{902CFE75-50C5-4789-894E-A85AF0E975D3}"/>
               </a:ext>
             </a:extLst>
           </p:cNvPr>
@@ -10691,7 +10483,16 @@
           <a:bodyPr/>
           <a:lstStyle/>
           <a:p>
-            <a:endParaRPr lang="zh-TW" altLang="en-US"/>
+            <a:pPr lvl="1"/>
+            <a:endParaRPr lang="en-US" altLang="zh-TW" dirty="0"/>
+          </a:p>
+          <a:p>
+            <a:pPr lvl="1"/>
+            <a:endParaRPr lang="en-US" altLang="zh-TW" dirty="0"/>
+          </a:p>
+          <a:p>
+            <a:pPr lvl="1"/>
+            <a:endParaRPr lang="zh-TW" altLang="en-US" b="1" dirty="0"/>
           </a:p>
         </p:txBody>
       </p:sp>
@@ -10700,7 +10501,7 @@
           <p:cNvPr id="4" name="日期版面配置區 3">
             <a:extLst>
               <a:ext uri="{FF2B5EF4-FFF2-40B4-BE49-F238E27FC236}">
-                <a16:creationId xmlns:a16="http://schemas.microsoft.com/office/drawing/2014/main" id="{C641B7BF-8F43-4916-AA90-EB1031EB8ACD}"/>
+                <a16:creationId xmlns:a16="http://schemas.microsoft.com/office/drawing/2014/main" id="{AA0AB3A0-3BE2-4B22-A5DE-56B2D61246E9}"/>
               </a:ext>
             </a:extLst>
           </p:cNvPr>
@@ -10732,7 +10533,7 @@
           <p:cNvPr id="5" name="投影片編號版面配置區 4">
             <a:extLst>
               <a:ext uri="{FF2B5EF4-FFF2-40B4-BE49-F238E27FC236}">
-                <a16:creationId xmlns:a16="http://schemas.microsoft.com/office/drawing/2014/main" id="{FBDF2E30-8507-4A22-B393-C0926682F6C0}"/>
+                <a16:creationId xmlns:a16="http://schemas.microsoft.com/office/drawing/2014/main" id="{57565F14-FD05-4976-8E7B-8467A0AC3A92}"/>
               </a:ext>
             </a:extLst>
           </p:cNvPr>
@@ -10764,10 +10565,10 @@
       </p:sp>
       <p:pic>
         <p:nvPicPr>
-          <p:cNvPr id="6" name="圖片 5">
+          <p:cNvPr id="7" name="圖片 6">
             <a:extLst>
               <a:ext uri="{FF2B5EF4-FFF2-40B4-BE49-F238E27FC236}">
-                <a16:creationId xmlns:a16="http://schemas.microsoft.com/office/drawing/2014/main" id="{384CED64-FD10-45BF-A4D1-260178D4D572}"/>
+                <a16:creationId xmlns:a16="http://schemas.microsoft.com/office/drawing/2014/main" id="{D3F96C3B-CB7A-4C73-B6E9-ACE3A6FF3692}"/>
               </a:ext>
             </a:extLst>
           </p:cNvPr>
@@ -10784,8 +10585,68 @@
         </p:blipFill>
         <p:spPr>
           <a:xfrm>
-            <a:off x="2927985" y="925696"/>
-            <a:ext cx="6234430" cy="5603096"/>
+            <a:off x="395372" y="998272"/>
+            <a:ext cx="5812238" cy="2957236"/>
+          </a:xfrm>
+          <a:prstGeom prst="rect">
+            <a:avLst/>
+          </a:prstGeom>
+        </p:spPr>
+      </p:pic>
+      <p:pic>
+        <p:nvPicPr>
+          <p:cNvPr id="8" name="圖片 7">
+            <a:extLst>
+              <a:ext uri="{FF2B5EF4-FFF2-40B4-BE49-F238E27FC236}">
+                <a16:creationId xmlns:a16="http://schemas.microsoft.com/office/drawing/2014/main" id="{A8E26048-85FE-4EE1-AF72-18A3130D1F75}"/>
+              </a:ext>
+            </a:extLst>
+          </p:cNvPr>
+          <p:cNvPicPr>
+            <a:picLocks noChangeAspect="1"/>
+          </p:cNvPicPr>
+          <p:nvPr/>
+        </p:nvPicPr>
+        <p:blipFill>
+          <a:blip r:embed="rId3"/>
+          <a:stretch>
+            <a:fillRect/>
+          </a:stretch>
+        </p:blipFill>
+        <p:spPr>
+          <a:xfrm>
+            <a:off x="6269873" y="998271"/>
+            <a:ext cx="5904656" cy="3030574"/>
+          </a:xfrm>
+          <a:prstGeom prst="rect">
+            <a:avLst/>
+          </a:prstGeom>
+        </p:spPr>
+      </p:pic>
+      <p:pic>
+        <p:nvPicPr>
+          <p:cNvPr id="9" name="圖片 8">
+            <a:extLst>
+              <a:ext uri="{FF2B5EF4-FFF2-40B4-BE49-F238E27FC236}">
+                <a16:creationId xmlns:a16="http://schemas.microsoft.com/office/drawing/2014/main" id="{91976E58-B0D1-44F3-AED1-822850F02229}"/>
+              </a:ext>
+            </a:extLst>
+          </p:cNvPr>
+          <p:cNvPicPr>
+            <a:picLocks noChangeAspect="1"/>
+          </p:cNvPicPr>
+          <p:nvPr/>
+        </p:nvPicPr>
+        <p:blipFill>
+          <a:blip r:embed="rId4"/>
+          <a:stretch>
+            <a:fillRect/>
+          </a:stretch>
+        </p:blipFill>
+        <p:spPr>
+          <a:xfrm>
+            <a:off x="3228234" y="4028845"/>
+            <a:ext cx="5735695" cy="2824614"/>
           </a:xfrm>
           <a:prstGeom prst="rect">
             <a:avLst/>
@@ -10795,7 +10656,7 @@
     </p:spTree>
     <p:extLst>
       <p:ext uri="{BB962C8B-B14F-4D97-AF65-F5344CB8AC3E}">
-        <p14:creationId xmlns:p14="http://schemas.microsoft.com/office/powerpoint/2010/main" val="613474907"/>
+        <p14:creationId xmlns:p14="http://schemas.microsoft.com/office/powerpoint/2010/main" val="3624250623"/>
       </p:ext>
     </p:extLst>
   </p:cSld>
@@ -10827,7 +10688,7 @@
           <p:cNvPr id="2" name="標題 1">
             <a:extLst>
               <a:ext uri="{FF2B5EF4-FFF2-40B4-BE49-F238E27FC236}">
-                <a16:creationId xmlns:a16="http://schemas.microsoft.com/office/drawing/2014/main" id="{0E21B4C5-E7C1-43FF-A86B-ED12A45C57FC}"/>
+                <a16:creationId xmlns:a16="http://schemas.microsoft.com/office/drawing/2014/main" id="{B36C0CBB-73B6-4523-BBAB-8A0776641E37}"/>
               </a:ext>
             </a:extLst>
           </p:cNvPr>
@@ -10845,7 +10706,7 @@
           <a:p>
             <a:r>
               <a:rPr lang="en-US" altLang="zh-TW" dirty="0"/>
-              <a:t>Outline</a:t>
+              <a:t>Results Comparisons</a:t>
             </a:r>
             <a:endParaRPr lang="zh-TW" altLang="en-US" dirty="0"/>
           </a:p>
@@ -10856,7 +10717,7 @@
           <p:cNvPr id="3" name="內容版面配置區 2">
             <a:extLst>
               <a:ext uri="{FF2B5EF4-FFF2-40B4-BE49-F238E27FC236}">
-                <a16:creationId xmlns:a16="http://schemas.microsoft.com/office/drawing/2014/main" id="{A7731B0D-BFCA-4942-8434-BA43449D5D22}"/>
+                <a16:creationId xmlns:a16="http://schemas.microsoft.com/office/drawing/2014/main" id="{902CFE75-50C5-4789-894E-A85AF0E975D3}"/>
               </a:ext>
             </a:extLst>
           </p:cNvPr>
@@ -10872,53 +10733,16 @@
           <a:bodyPr/>
           <a:lstStyle/>
           <a:p>
-            <a:r>
-              <a:rPr lang="en-US" altLang="zh-TW" dirty="0">
-                <a:solidFill>
-                  <a:schemeClr val="bg1">
-                    <a:lumMod val="75000"/>
-                  </a:schemeClr>
-                </a:solidFill>
-              </a:rPr>
-              <a:t>Introduction</a:t>
-            </a:r>
-          </a:p>
-          <a:p>
-            <a:r>
-              <a:rPr lang="en-US" altLang="zh-TW" dirty="0">
-                <a:solidFill>
-                  <a:schemeClr val="bg1">
-                    <a:lumMod val="75000"/>
-                  </a:schemeClr>
-                </a:solidFill>
-              </a:rPr>
-              <a:t>Problem Formulation</a:t>
-            </a:r>
-          </a:p>
-          <a:p>
-            <a:r>
-              <a:rPr lang="en-US" altLang="zh-TW" dirty="0"/>
-              <a:t>Experimental Results</a:t>
-            </a:r>
-          </a:p>
-          <a:p>
-            <a:r>
-              <a:rPr lang="en-US" altLang="zh-TW" dirty="0">
-                <a:solidFill>
-                  <a:schemeClr val="bg1">
-                    <a:lumMod val="75000"/>
-                  </a:schemeClr>
-                </a:solidFill>
-              </a:rPr>
-              <a:t>Conclusion</a:t>
-            </a:r>
-            <a:endParaRPr lang="zh-TW" altLang="en-US" dirty="0">
-              <a:solidFill>
-                <a:schemeClr val="bg1">
-                  <a:lumMod val="75000"/>
-                </a:schemeClr>
-              </a:solidFill>
-            </a:endParaRPr>
+            <a:pPr lvl="1"/>
+            <a:endParaRPr lang="en-US" altLang="zh-TW" dirty="0"/>
+          </a:p>
+          <a:p>
+            <a:pPr lvl="1"/>
+            <a:endParaRPr lang="en-US" altLang="zh-TW" dirty="0"/>
+          </a:p>
+          <a:p>
+            <a:pPr lvl="1"/>
+            <a:endParaRPr lang="zh-TW" altLang="en-US" b="1" dirty="0"/>
           </a:p>
         </p:txBody>
       </p:sp>
@@ -10927,7 +10751,7 @@
           <p:cNvPr id="4" name="日期版面配置區 3">
             <a:extLst>
               <a:ext uri="{FF2B5EF4-FFF2-40B4-BE49-F238E27FC236}">
-                <a16:creationId xmlns:a16="http://schemas.microsoft.com/office/drawing/2014/main" id="{D0037C9E-6880-425F-BD51-65FD3D5207EC}"/>
+                <a16:creationId xmlns:a16="http://schemas.microsoft.com/office/drawing/2014/main" id="{AA0AB3A0-3BE2-4B22-A5DE-56B2D61246E9}"/>
               </a:ext>
             </a:extLst>
           </p:cNvPr>
@@ -10959,7 +10783,7 @@
           <p:cNvPr id="5" name="投影片編號版面配置區 4">
             <a:extLst>
               <a:ext uri="{FF2B5EF4-FFF2-40B4-BE49-F238E27FC236}">
-                <a16:creationId xmlns:a16="http://schemas.microsoft.com/office/drawing/2014/main" id="{F98953EF-304E-45D1-82DE-8EC49FAFB54C}"/>
+                <a16:creationId xmlns:a16="http://schemas.microsoft.com/office/drawing/2014/main" id="{57565F14-FD05-4976-8E7B-8467A0AC3A92}"/>
               </a:ext>
             </a:extLst>
           </p:cNvPr>
@@ -10989,10 +10813,70 @@
           </a:p>
         </p:txBody>
       </p:sp>
+      <p:pic>
+        <p:nvPicPr>
+          <p:cNvPr id="6" name="圖片 5">
+            <a:extLst>
+              <a:ext uri="{FF2B5EF4-FFF2-40B4-BE49-F238E27FC236}">
+                <a16:creationId xmlns:a16="http://schemas.microsoft.com/office/drawing/2014/main" id="{A98557F2-B36A-4741-B0ED-09EABD7869A1}"/>
+              </a:ext>
+            </a:extLst>
+          </p:cNvPr>
+          <p:cNvPicPr>
+            <a:picLocks noChangeAspect="1"/>
+          </p:cNvPicPr>
+          <p:nvPr/>
+        </p:nvPicPr>
+        <p:blipFill>
+          <a:blip r:embed="rId2"/>
+          <a:stretch>
+            <a:fillRect/>
+          </a:stretch>
+        </p:blipFill>
+        <p:spPr>
+          <a:xfrm>
+            <a:off x="711200" y="1556792"/>
+            <a:ext cx="5259552" cy="3312368"/>
+          </a:xfrm>
+          <a:prstGeom prst="rect">
+            <a:avLst/>
+          </a:prstGeom>
+        </p:spPr>
+      </p:pic>
+      <p:pic>
+        <p:nvPicPr>
+          <p:cNvPr id="11" name="圖片 10">
+            <a:extLst>
+              <a:ext uri="{FF2B5EF4-FFF2-40B4-BE49-F238E27FC236}">
+                <a16:creationId xmlns:a16="http://schemas.microsoft.com/office/drawing/2014/main" id="{5AC86C2D-80CA-4997-9451-AB4FC09AD091}"/>
+              </a:ext>
+            </a:extLst>
+          </p:cNvPr>
+          <p:cNvPicPr>
+            <a:picLocks noChangeAspect="1"/>
+          </p:cNvPicPr>
+          <p:nvPr/>
+        </p:nvPicPr>
+        <p:blipFill>
+          <a:blip r:embed="rId3"/>
+          <a:stretch>
+            <a:fillRect/>
+          </a:stretch>
+        </p:blipFill>
+        <p:spPr>
+          <a:xfrm>
+            <a:off x="6657333" y="1451327"/>
+            <a:ext cx="4721702" cy="3815601"/>
+          </a:xfrm>
+          <a:prstGeom prst="rect">
+            <a:avLst/>
+          </a:prstGeom>
+        </p:spPr>
+      </p:pic>
     </p:spTree>
     <p:extLst>
       <p:ext uri="{BB962C8B-B14F-4D97-AF65-F5344CB8AC3E}">
-        <p14:creationId xmlns:p14="http://schemas.microsoft.com/office/powerpoint/2010/main" val="3732529621"/>
+        <p14:creationId xmlns:p14="http://schemas.microsoft.com/office/powerpoint/2010/main" val="184115189"/>
       </p:ext>
     </p:extLst>
   </p:cSld>
@@ -11024,7 +10908,7 @@
           <p:cNvPr id="2" name="標題 1">
             <a:extLst>
               <a:ext uri="{FF2B5EF4-FFF2-40B4-BE49-F238E27FC236}">
-                <a16:creationId xmlns:a16="http://schemas.microsoft.com/office/drawing/2014/main" id="{B36C0CBB-73B6-4523-BBAB-8A0776641E37}"/>
+                <a16:creationId xmlns:a16="http://schemas.microsoft.com/office/drawing/2014/main" id="{0E21B4C5-E7C1-43FF-A86B-ED12A45C57FC}"/>
               </a:ext>
             </a:extLst>
           </p:cNvPr>
@@ -11042,7 +10926,7 @@
           <a:p>
             <a:r>
               <a:rPr lang="en-US" altLang="zh-TW" dirty="0"/>
-              <a:t>Experimental Results</a:t>
+              <a:t>Outline</a:t>
             </a:r>
             <a:endParaRPr lang="zh-TW" altLang="en-US" dirty="0"/>
           </a:p>
@@ -11053,7 +10937,7 @@
           <p:cNvPr id="3" name="內容版面配置區 2">
             <a:extLst>
               <a:ext uri="{FF2B5EF4-FFF2-40B4-BE49-F238E27FC236}">
-                <a16:creationId xmlns:a16="http://schemas.microsoft.com/office/drawing/2014/main" id="{902CFE75-50C5-4789-894E-A85AF0E975D3}"/>
+                <a16:creationId xmlns:a16="http://schemas.microsoft.com/office/drawing/2014/main" id="{A7731B0D-BFCA-4942-8434-BA43449D5D22}"/>
               </a:ext>
             </a:extLst>
           </p:cNvPr>
@@ -11070,85 +10954,46 @@
           <a:lstStyle/>
           <a:p>
             <a:r>
+              <a:rPr lang="en-US" altLang="zh-TW" dirty="0">
+                <a:solidFill>
+                  <a:schemeClr val="bg1">
+                    <a:lumMod val="75000"/>
+                  </a:schemeClr>
+                </a:solidFill>
+              </a:rPr>
+              <a:t>Introduction</a:t>
+            </a:r>
+          </a:p>
+          <a:p>
+            <a:r>
+              <a:rPr lang="en-US" altLang="zh-TW" dirty="0">
+                <a:solidFill>
+                  <a:schemeClr val="bg1">
+                    <a:lumMod val="75000"/>
+                  </a:schemeClr>
+                </a:solidFill>
+              </a:rPr>
+              <a:t>Algorithms</a:t>
+            </a:r>
+          </a:p>
+          <a:p>
+            <a:r>
+              <a:rPr lang="en-US" altLang="zh-TW" dirty="0">
+                <a:solidFill>
+                  <a:schemeClr val="bg1">
+                    <a:lumMod val="75000"/>
+                  </a:schemeClr>
+                </a:solidFill>
+              </a:rPr>
+              <a:t>Experimental Results</a:t>
+            </a:r>
+          </a:p>
+          <a:p>
+            <a:r>
               <a:rPr lang="en-US" altLang="zh-TW" dirty="0"/>
-              <a:t>Settings</a:t>
-            </a:r>
-          </a:p>
-          <a:p>
-            <a:pPr lvl="1"/>
-            <a:r>
-              <a:rPr lang="en-US" altLang="zh-TW" dirty="0"/>
-              <a:t>Programming language: </a:t>
-            </a:r>
-            <a:r>
-              <a:rPr lang="en-US" altLang="zh-TW" b="1" dirty="0"/>
-              <a:t>C++</a:t>
-            </a:r>
-            <a:endParaRPr lang="en-US" altLang="zh-TW" dirty="0"/>
-          </a:p>
-          <a:p>
-            <a:pPr lvl="1"/>
-            <a:r>
-              <a:rPr lang="en-US" altLang="zh-TW" dirty="0"/>
-              <a:t>An industrial static timing analyzer with sign-off accuracy</a:t>
-            </a:r>
-          </a:p>
-          <a:p>
-            <a:pPr lvl="1"/>
-            <a:r>
-              <a:rPr lang="en-US" altLang="zh-TW" dirty="0"/>
-              <a:t>14nm circuits from commercial high performance microprocessor designs</a:t>
-            </a:r>
-          </a:p>
-          <a:p>
-            <a:pPr lvl="1"/>
-            <a:endParaRPr lang="en-US" altLang="zh-TW" dirty="0"/>
-          </a:p>
-          <a:p>
-            <a:r>
-              <a:rPr lang="en-US" altLang="zh-TW" dirty="0"/>
-              <a:t>Details</a:t>
-            </a:r>
-          </a:p>
-          <a:p>
-            <a:pPr lvl="1"/>
-            <a:r>
-              <a:rPr lang="en-US" altLang="zh-TW" dirty="0"/>
-              <a:t>Clock period: 180ps</a:t>
-            </a:r>
-          </a:p>
-          <a:p>
-            <a:pPr lvl="1"/>
-            <a:r>
-              <a:rPr lang="en-US" altLang="zh-TW" dirty="0"/>
-              <a:t>Slack threshold: 10ps</a:t>
-            </a:r>
-          </a:p>
-          <a:p>
-            <a:pPr lvl="1"/>
-            <a:r>
-              <a:rPr lang="en-US" altLang="zh-TW" dirty="0"/>
-              <a:t>Iteration limit: 50</a:t>
-            </a:r>
-          </a:p>
-          <a:p>
-            <a:pPr lvl="1"/>
-            <a:r>
-              <a:rPr lang="en-US" altLang="zh-TW" dirty="0"/>
-              <a:t>k: 10</a:t>
-            </a:r>
-          </a:p>
-          <a:p>
-            <a:pPr lvl="1"/>
-            <a:endParaRPr lang="en-US" altLang="zh-TW" dirty="0"/>
-          </a:p>
-          <a:p>
-            <a:pPr lvl="1"/>
-            <a:endParaRPr lang="en-US" altLang="zh-TW" dirty="0"/>
-          </a:p>
-          <a:p>
-            <a:pPr lvl="1"/>
-            <a:endParaRPr lang="zh-TW" altLang="en-US" b="1" dirty="0"/>
+              <a:t>Conclusion</a:t>
+            </a:r>
+            <a:endParaRPr lang="zh-TW" altLang="en-US" dirty="0"/>
           </a:p>
         </p:txBody>
       </p:sp>
@@ -11157,7 +11002,7 @@
           <p:cNvPr id="4" name="日期版面配置區 3">
             <a:extLst>
               <a:ext uri="{FF2B5EF4-FFF2-40B4-BE49-F238E27FC236}">
-                <a16:creationId xmlns:a16="http://schemas.microsoft.com/office/drawing/2014/main" id="{AA0AB3A0-3BE2-4B22-A5DE-56B2D61246E9}"/>
+                <a16:creationId xmlns:a16="http://schemas.microsoft.com/office/drawing/2014/main" id="{D0037C9E-6880-425F-BD51-65FD3D5207EC}"/>
               </a:ext>
             </a:extLst>
           </p:cNvPr>
@@ -11189,7 +11034,7 @@
           <p:cNvPr id="5" name="投影片編號版面配置區 4">
             <a:extLst>
               <a:ext uri="{FF2B5EF4-FFF2-40B4-BE49-F238E27FC236}">
-                <a16:creationId xmlns:a16="http://schemas.microsoft.com/office/drawing/2014/main" id="{57565F14-FD05-4976-8E7B-8467A0AC3A92}"/>
+                <a16:creationId xmlns:a16="http://schemas.microsoft.com/office/drawing/2014/main" id="{F98953EF-304E-45D1-82DE-8EC49FAFB54C}"/>
               </a:ext>
             </a:extLst>
           </p:cNvPr>
@@ -11219,40 +11064,10 @@
           </a:p>
         </p:txBody>
       </p:sp>
-      <p:pic>
-        <p:nvPicPr>
-          <p:cNvPr id="6" name="圖片 5">
-            <a:extLst>
-              <a:ext uri="{FF2B5EF4-FFF2-40B4-BE49-F238E27FC236}">
-                <a16:creationId xmlns:a16="http://schemas.microsoft.com/office/drawing/2014/main" id="{645FDF06-C00A-49E2-8460-4B60B4C9E307}"/>
-              </a:ext>
-            </a:extLst>
-          </p:cNvPr>
-          <p:cNvPicPr>
-            <a:picLocks noChangeAspect="1"/>
-          </p:cNvPicPr>
-          <p:nvPr/>
-        </p:nvPicPr>
-        <p:blipFill>
-          <a:blip r:embed="rId2"/>
-          <a:stretch>
-            <a:fillRect/>
-          </a:stretch>
-        </p:blipFill>
-        <p:spPr>
-          <a:xfrm>
-            <a:off x="4727848" y="2897068"/>
-            <a:ext cx="6490400" cy="2942456"/>
-          </a:xfrm>
-          <a:prstGeom prst="rect">
-            <a:avLst/>
-          </a:prstGeom>
-        </p:spPr>
-      </p:pic>
     </p:spTree>
     <p:extLst>
       <p:ext uri="{BB962C8B-B14F-4D97-AF65-F5344CB8AC3E}">
-        <p14:creationId xmlns:p14="http://schemas.microsoft.com/office/powerpoint/2010/main" val="3624250623"/>
+        <p14:creationId xmlns:p14="http://schemas.microsoft.com/office/powerpoint/2010/main" val="2208720815"/>
       </p:ext>
     </p:extLst>
   </p:cSld>
@@ -11284,7 +11099,7 @@
           <p:cNvPr id="2" name="標題 1">
             <a:extLst>
               <a:ext uri="{FF2B5EF4-FFF2-40B4-BE49-F238E27FC236}">
-                <a16:creationId xmlns:a16="http://schemas.microsoft.com/office/drawing/2014/main" id="{0E21B4C5-E7C1-43FF-A86B-ED12A45C57FC}"/>
+                <a16:creationId xmlns:a16="http://schemas.microsoft.com/office/drawing/2014/main" id="{B36C0CBB-73B6-4523-BBAB-8A0776641E37}"/>
               </a:ext>
             </a:extLst>
           </p:cNvPr>
@@ -11302,7 +11117,7 @@
           <a:p>
             <a:r>
               <a:rPr lang="en-US" altLang="zh-TW" dirty="0"/>
-              <a:t>Outline</a:t>
+              <a:t>Conclusion</a:t>
             </a:r>
             <a:endParaRPr lang="zh-TW" altLang="en-US" dirty="0"/>
           </a:p>
@@ -11313,7 +11128,7 @@
           <p:cNvPr id="3" name="內容版面配置區 2">
             <a:extLst>
               <a:ext uri="{FF2B5EF4-FFF2-40B4-BE49-F238E27FC236}">
-                <a16:creationId xmlns:a16="http://schemas.microsoft.com/office/drawing/2014/main" id="{A7731B0D-BFCA-4942-8434-BA43449D5D22}"/>
+                <a16:creationId xmlns:a16="http://schemas.microsoft.com/office/drawing/2014/main" id="{902CFE75-50C5-4789-894E-A85AF0E975D3}"/>
               </a:ext>
             </a:extLst>
           </p:cNvPr>
@@ -11329,46 +11144,40 @@
           <a:bodyPr/>
           <a:lstStyle/>
           <a:p>
-            <a:r>
-              <a:rPr lang="en-US" altLang="zh-TW" dirty="0">
-                <a:solidFill>
-                  <a:schemeClr val="bg1">
-                    <a:lumMod val="75000"/>
-                  </a:schemeClr>
-                </a:solidFill>
-              </a:rPr>
-              <a:t>Introduction</a:t>
-            </a:r>
-          </a:p>
-          <a:p>
-            <a:r>
-              <a:rPr lang="en-US" altLang="zh-TW" dirty="0">
-                <a:solidFill>
-                  <a:schemeClr val="bg1">
-                    <a:lumMod val="75000"/>
-                  </a:schemeClr>
-                </a:solidFill>
-              </a:rPr>
-              <a:t>Algorithms</a:t>
-            </a:r>
-          </a:p>
-          <a:p>
-            <a:r>
-              <a:rPr lang="en-US" altLang="zh-TW" dirty="0">
-                <a:solidFill>
-                  <a:schemeClr val="bg1">
-                    <a:lumMod val="75000"/>
-                  </a:schemeClr>
-                </a:solidFill>
-              </a:rPr>
-              <a:t>Experimental Results</a:t>
-            </a:r>
-          </a:p>
-          <a:p>
+            <a:pPr algn="l"/>
             <a:r>
               <a:rPr lang="en-US" altLang="zh-TW" dirty="0"/>
-              <a:t>Conclusion</a:t>
-            </a:r>
+              <a:t>Proposes approximation models for signoff timer information and nonlinear cell libraries</a:t>
+            </a:r>
+            <a:endParaRPr lang="en" altLang="zh-TW" dirty="0"/>
+          </a:p>
+          <a:p>
+            <a:endParaRPr lang="en" altLang="zh-TW" dirty="0"/>
+          </a:p>
+          <a:p>
+            <a:pPr algn="l"/>
+            <a:r>
+              <a:rPr lang="en-US" altLang="zh-TW" dirty="0"/>
+              <a:t>Adjustment of the clock tree and the modified weight of LR help to ensure that the timing violations of design are diminished</a:t>
+            </a:r>
+            <a:endParaRPr lang="en" altLang="zh-TW" dirty="0"/>
+          </a:p>
+          <a:p>
+            <a:pPr marL="0" indent="0">
+              <a:buNone/>
+            </a:pPr>
+            <a:endParaRPr lang="en" altLang="zh-TW" dirty="0"/>
+          </a:p>
+          <a:p>
+            <a:endParaRPr lang="en" altLang="zh-TW" dirty="0"/>
+          </a:p>
+          <a:p>
+            <a:endParaRPr lang="en" altLang="zh-TW" dirty="0"/>
+          </a:p>
+          <a:p>
+            <a:endParaRPr lang="en" altLang="zh-TW" dirty="0"/>
+          </a:p>
+          <a:p>
             <a:endParaRPr lang="zh-TW" altLang="en-US" dirty="0"/>
           </a:p>
         </p:txBody>
@@ -11378,7 +11187,7 @@
           <p:cNvPr id="4" name="日期版面配置區 3">
             <a:extLst>
               <a:ext uri="{FF2B5EF4-FFF2-40B4-BE49-F238E27FC236}">
-                <a16:creationId xmlns:a16="http://schemas.microsoft.com/office/drawing/2014/main" id="{D0037C9E-6880-425F-BD51-65FD3D5207EC}"/>
+                <a16:creationId xmlns:a16="http://schemas.microsoft.com/office/drawing/2014/main" id="{AA0AB3A0-3BE2-4B22-A5DE-56B2D61246E9}"/>
               </a:ext>
             </a:extLst>
           </p:cNvPr>
@@ -11398,10 +11207,10 @@
               <a:defRPr/>
             </a:pPr>
             <a:r>
-              <a:rPr lang="en-US" altLang="zh-Hant"/>
+              <a:rPr lang="en-US" altLang="zh-Hant" dirty="0"/>
               <a:t>GIEE, NTU</a:t>
             </a:r>
-            <a:endParaRPr lang="zh-Hant" altLang="zh-Hant"/>
+            <a:endParaRPr lang="zh-Hant" altLang="zh-Hant" dirty="0"/>
           </a:p>
         </p:txBody>
       </p:sp>
@@ -11410,7 +11219,7 @@
           <p:cNvPr id="5" name="投影片編號版面配置區 4">
             <a:extLst>
               <a:ext uri="{FF2B5EF4-FFF2-40B4-BE49-F238E27FC236}">
-                <a16:creationId xmlns:a16="http://schemas.microsoft.com/office/drawing/2014/main" id="{F98953EF-304E-45D1-82DE-8EC49FAFB54C}"/>
+                <a16:creationId xmlns:a16="http://schemas.microsoft.com/office/drawing/2014/main" id="{57565F14-FD05-4976-8E7B-8467A0AC3A92}"/>
               </a:ext>
             </a:extLst>
           </p:cNvPr>
@@ -11435,205 +11244,6 @@
                 <a:defRPr/>
               </a:pPr>
               <a:t>15</a:t>
-            </a:fld>
-            <a:endParaRPr lang="en-US" altLang="zh-Hant" dirty="0"/>
-          </a:p>
-        </p:txBody>
-      </p:sp>
-    </p:spTree>
-    <p:extLst>
-      <p:ext uri="{BB962C8B-B14F-4D97-AF65-F5344CB8AC3E}">
-        <p14:creationId xmlns:p14="http://schemas.microsoft.com/office/powerpoint/2010/main" val="2208720815"/>
-      </p:ext>
-    </p:extLst>
-  </p:cSld>
-  <p:clrMapOvr>
-    <a:masterClrMapping/>
-  </p:clrMapOvr>
-</p:sld>
-</file>
-
-<file path=ppt/slides/slide16.xml><?xml version="1.0" encoding="utf-8"?>
-<p:sld xmlns:a="http://schemas.openxmlformats.org/drawingml/2006/main" xmlns:r="http://schemas.openxmlformats.org/officeDocument/2006/relationships" xmlns:p="http://schemas.openxmlformats.org/presentationml/2006/main">
-  <p:cSld>
-    <p:spTree>
-      <p:nvGrpSpPr>
-        <p:cNvPr id="1" name=""/>
-        <p:cNvGrpSpPr/>
-        <p:nvPr/>
-      </p:nvGrpSpPr>
-      <p:grpSpPr>
-        <a:xfrm>
-          <a:off x="0" y="0"/>
-          <a:ext cx="0" cy="0"/>
-          <a:chOff x="0" y="0"/>
-          <a:chExt cx="0" cy="0"/>
-        </a:xfrm>
-      </p:grpSpPr>
-      <p:sp>
-        <p:nvSpPr>
-          <p:cNvPr id="2" name="標題 1">
-            <a:extLst>
-              <a:ext uri="{FF2B5EF4-FFF2-40B4-BE49-F238E27FC236}">
-                <a16:creationId xmlns:a16="http://schemas.microsoft.com/office/drawing/2014/main" id="{B36C0CBB-73B6-4523-BBAB-8A0776641E37}"/>
-              </a:ext>
-            </a:extLst>
-          </p:cNvPr>
-          <p:cNvSpPr>
-            <a:spLocks noGrp="1"/>
-          </p:cNvSpPr>
-          <p:nvPr>
-            <p:ph type="title"/>
-          </p:nvPr>
-        </p:nvSpPr>
-        <p:spPr/>
-        <p:txBody>
-          <a:bodyPr/>
-          <a:lstStyle/>
-          <a:p>
-            <a:r>
-              <a:rPr lang="en-US" altLang="zh-TW" dirty="0"/>
-              <a:t>Conclusion</a:t>
-            </a:r>
-            <a:endParaRPr lang="zh-TW" altLang="en-US" dirty="0"/>
-          </a:p>
-        </p:txBody>
-      </p:sp>
-      <p:sp>
-        <p:nvSpPr>
-          <p:cNvPr id="3" name="內容版面配置區 2">
-            <a:extLst>
-              <a:ext uri="{FF2B5EF4-FFF2-40B4-BE49-F238E27FC236}">
-                <a16:creationId xmlns:a16="http://schemas.microsoft.com/office/drawing/2014/main" id="{902CFE75-50C5-4789-894E-A85AF0E975D3}"/>
-              </a:ext>
-            </a:extLst>
-          </p:cNvPr>
-          <p:cNvSpPr>
-            <a:spLocks noGrp="1"/>
-          </p:cNvSpPr>
-          <p:nvPr>
-            <p:ph idx="1"/>
-          </p:nvPr>
-        </p:nvSpPr>
-        <p:spPr/>
-        <p:txBody>
-          <a:bodyPr/>
-          <a:lstStyle/>
-          <a:p>
-            <a:r>
-              <a:rPr lang="en-US" altLang="zh-TW" dirty="0"/>
-              <a:t>Present a path-based incremental timing-driven placement algorithm called OWARU</a:t>
-            </a:r>
-            <a:endParaRPr lang="en" altLang="zh-TW" dirty="0"/>
-          </a:p>
-          <a:p>
-            <a:endParaRPr lang="en" altLang="zh-TW" dirty="0"/>
-          </a:p>
-          <a:p>
-            <a:r>
-              <a:rPr lang="en-US" altLang="zh-TW" dirty="0"/>
-              <a:t>Adopt </a:t>
-            </a:r>
-            <a:r>
-              <a:rPr lang="en-US" altLang="zh-TW" dirty="0" err="1"/>
-              <a:t>Bézier</a:t>
-            </a:r>
-            <a:r>
-              <a:rPr lang="en-US" altLang="zh-TW" dirty="0"/>
-              <a:t> curve smoothing to straighten out meandering timing critical paths</a:t>
-            </a:r>
-            <a:endParaRPr lang="en" altLang="zh-TW" dirty="0"/>
-          </a:p>
-          <a:p>
-            <a:pPr lvl="1"/>
-            <a:endParaRPr lang="en" altLang="zh-TW" dirty="0"/>
-          </a:p>
-          <a:p>
-            <a:r>
-              <a:rPr lang="en-US" altLang="zh-TW" dirty="0"/>
-              <a:t>Provide a free space aware capability to guarantee a legal placement solution even without an explicit legalization step</a:t>
-            </a:r>
-            <a:endParaRPr lang="en" altLang="zh-TW" dirty="0"/>
-          </a:p>
-          <a:p>
-            <a:endParaRPr lang="en" altLang="zh-TW" dirty="0"/>
-          </a:p>
-          <a:p>
-            <a:endParaRPr lang="en" altLang="zh-TW" dirty="0"/>
-          </a:p>
-          <a:p>
-            <a:endParaRPr lang="en" altLang="zh-TW" dirty="0"/>
-          </a:p>
-          <a:p>
-            <a:endParaRPr lang="en" altLang="zh-TW" dirty="0"/>
-          </a:p>
-          <a:p>
-            <a:endParaRPr lang="zh-TW" altLang="en-US" dirty="0"/>
-          </a:p>
-        </p:txBody>
-      </p:sp>
-      <p:sp>
-        <p:nvSpPr>
-          <p:cNvPr id="4" name="日期版面配置區 3">
-            <a:extLst>
-              <a:ext uri="{FF2B5EF4-FFF2-40B4-BE49-F238E27FC236}">
-                <a16:creationId xmlns:a16="http://schemas.microsoft.com/office/drawing/2014/main" id="{AA0AB3A0-3BE2-4B22-A5DE-56B2D61246E9}"/>
-              </a:ext>
-            </a:extLst>
-          </p:cNvPr>
-          <p:cNvSpPr>
-            <a:spLocks noGrp="1"/>
-          </p:cNvSpPr>
-          <p:nvPr>
-            <p:ph type="dt" sz="half" idx="10"/>
-          </p:nvPr>
-        </p:nvSpPr>
-        <p:spPr/>
-        <p:txBody>
-          <a:bodyPr/>
-          <a:lstStyle/>
-          <a:p>
-            <a:pPr>
-              <a:defRPr/>
-            </a:pPr>
-            <a:r>
-              <a:rPr lang="en-US" altLang="zh-Hant" dirty="0"/>
-              <a:t>GIEE, NTU</a:t>
-            </a:r>
-            <a:endParaRPr lang="zh-Hant" altLang="zh-Hant" dirty="0"/>
-          </a:p>
-        </p:txBody>
-      </p:sp>
-      <p:sp>
-        <p:nvSpPr>
-          <p:cNvPr id="5" name="投影片編號版面配置區 4">
-            <a:extLst>
-              <a:ext uri="{FF2B5EF4-FFF2-40B4-BE49-F238E27FC236}">
-                <a16:creationId xmlns:a16="http://schemas.microsoft.com/office/drawing/2014/main" id="{57565F14-FD05-4976-8E7B-8467A0AC3A92}"/>
-              </a:ext>
-            </a:extLst>
-          </p:cNvPr>
-          <p:cNvSpPr>
-            <a:spLocks noGrp="1"/>
-          </p:cNvSpPr>
-          <p:nvPr>
-            <p:ph type="sldNum" sz="quarter" idx="11"/>
-          </p:nvPr>
-        </p:nvSpPr>
-        <p:spPr/>
-        <p:txBody>
-          <a:bodyPr/>
-          <a:lstStyle/>
-          <a:p>
-            <a:pPr>
-              <a:defRPr/>
-            </a:pPr>
-            <a:fld id="{5A007831-3536-4435-90C1-461D060F6A03}" type="slidenum">
-              <a:rPr lang="zh-Hant" altLang="en-US" smtClean="0"/>
-              <a:pPr>
-                <a:defRPr/>
-              </a:pPr>
-              <a:t>16</a:t>
             </a:fld>
             <a:endParaRPr lang="en-US" altLang="zh-Hant" dirty="0"/>
           </a:p>
@@ -11652,7 +11262,7 @@
 </p:sld>
 </file>
 
-<file path=ppt/slides/slide17.xml><?xml version="1.0" encoding="utf-8"?>
+<file path=ppt/slides/slide16.xml><?xml version="1.0" encoding="utf-8"?>
 <p:sld xmlns:a="http://schemas.openxmlformats.org/drawingml/2006/main" xmlns:r="http://schemas.openxmlformats.org/officeDocument/2006/relationships" xmlns:p="http://schemas.openxmlformats.org/presentationml/2006/main">
   <p:cSld>
     <p:spTree>
@@ -12581,14 +12191,14 @@
           </a:ln>
           <a:extLst>
             <a:ext uri="{909E8E84-426E-40dd-AFC4-6F175D3DCCD1}">
-              <a14:hiddenFill xmlns:a14="http://schemas.microsoft.com/office/drawing/2010/main" xmlns="">
+              <a14:hiddenFill xmlns="" xmlns:a14="http://schemas.microsoft.com/office/drawing/2010/main">
                 <a:solidFill>
                   <a:srgbClr val="FFFFFF"/>
                 </a:solidFill>
               </a14:hiddenFill>
             </a:ext>
             <a:ext uri="{91240B29-F687-4f45-9708-019B960494DF}">
-              <a14:hiddenLine xmlns:a14="http://schemas.microsoft.com/office/drawing/2010/main" xmlns="" w="9525">
+              <a14:hiddenLine xmlns="" xmlns:a14="http://schemas.microsoft.com/office/drawing/2010/main" w="9525">
                 <a:solidFill>
                   <a:srgbClr val="000000"/>
                 </a:solidFill>
@@ -13967,15 +13577,26 @@
           <a:p>
             <a:r>
               <a:rPr lang="en-US" altLang="zh-TW" dirty="0"/>
-              <a:t>Ideal Space Competition</a:t>
+              <a:t>Creation of Useful Clock Skew</a:t>
             </a:r>
           </a:p>
           <a:p>
             <a:pPr lvl="1"/>
             <a:r>
               <a:rPr lang="en-US" altLang="zh-TW" dirty="0"/>
-              <a:t>Figure(a)</a:t>
-            </a:r>
+              <a:t>Time Borrowing</a:t>
+            </a:r>
+          </a:p>
+          <a:p>
+            <a:pPr lvl="1"/>
+            <a:r>
+              <a:rPr lang="en-US" altLang="zh-TW" dirty="0"/>
+              <a:t>Launch path or capture path adjustment</a:t>
+            </a:r>
+          </a:p>
+          <a:p>
+            <a:pPr lvl="1"/>
+            <a:endParaRPr lang="en-US" altLang="zh-TW" dirty="0"/>
           </a:p>
           <a:p>
             <a:pPr marL="457200" lvl="1" indent="0">
@@ -13986,21 +13607,7 @@
           <a:p>
             <a:r>
               <a:rPr lang="en-US" altLang="zh-TW" dirty="0"/>
-              <a:t>Segmentation</a:t>
-            </a:r>
-          </a:p>
-          <a:p>
-            <a:pPr lvl="1"/>
-            <a:r>
-              <a:rPr lang="en-US" altLang="zh-TW" dirty="0"/>
-              <a:t>Decompose into the critical path and the others</a:t>
-            </a:r>
-          </a:p>
-          <a:p>
-            <a:pPr lvl="1"/>
-            <a:r>
-              <a:rPr lang="en-US" altLang="zh-TW" dirty="0"/>
-              <a:t>Figure(b)</a:t>
+              <a:t>Creation of Common Path</a:t>
             </a:r>
           </a:p>
         </p:txBody>
@@ -14074,10 +13681,10 @@
       </p:sp>
       <p:pic>
         <p:nvPicPr>
-          <p:cNvPr id="9" name="圖片 8">
+          <p:cNvPr id="6" name="圖片 5">
             <a:extLst>
               <a:ext uri="{FF2B5EF4-FFF2-40B4-BE49-F238E27FC236}">
-                <a16:creationId xmlns:a16="http://schemas.microsoft.com/office/drawing/2014/main" id="{A607FDD3-DCDB-41A2-8F59-AE860E28C595}"/>
+                <a16:creationId xmlns:a16="http://schemas.microsoft.com/office/drawing/2014/main" id="{7A13C8FF-49CB-4FD9-8CEB-C5DF2C5C9589}"/>
               </a:ext>
             </a:extLst>
           </p:cNvPr>
@@ -14086,15 +13693,16 @@
           </p:cNvPicPr>
           <p:nvPr/>
         </p:nvPicPr>
-        <p:blipFill rotWithShape="1">
+        <p:blipFill>
           <a:blip r:embed="rId2"/>
-          <a:srcRect b="4762"/>
-          <a:stretch/>
+          <a:stretch>
+            <a:fillRect/>
+          </a:stretch>
         </p:blipFill>
         <p:spPr>
           <a:xfrm>
-            <a:off x="4943872" y="3257793"/>
-            <a:ext cx="6066369" cy="3336636"/>
+            <a:off x="4890579" y="2201929"/>
+            <a:ext cx="6590221" cy="4548545"/>
           </a:xfrm>
           <a:prstGeom prst="rect">
             <a:avLst/>
@@ -14136,7 +13744,7 @@
           <p:cNvPr id="2" name="標題 1">
             <a:extLst>
               <a:ext uri="{FF2B5EF4-FFF2-40B4-BE49-F238E27FC236}">
-                <a16:creationId xmlns:a16="http://schemas.microsoft.com/office/drawing/2014/main" id="{D8740A1A-B763-4A88-BE52-F594EA0B754C}"/>
+                <a16:creationId xmlns:a16="http://schemas.microsoft.com/office/drawing/2014/main" id="{63087DD6-02A7-4E24-9A2C-B6104101C67C}"/>
               </a:ext>
             </a:extLst>
           </p:cNvPr>
@@ -14154,7 +13762,7 @@
           <a:p>
             <a:r>
               <a:rPr lang="en-US" altLang="zh-TW" dirty="0"/>
-              <a:t>Free Space Assignment for Multiple Gates</a:t>
+              <a:t>Algorithm Flow</a:t>
             </a:r>
             <a:endParaRPr lang="zh-TW" altLang="en-US" dirty="0"/>
           </a:p>
@@ -14165,7 +13773,7 @@
           <p:cNvPr id="3" name="內容版面配置區 2">
             <a:extLst>
               <a:ext uri="{FF2B5EF4-FFF2-40B4-BE49-F238E27FC236}">
-                <a16:creationId xmlns:a16="http://schemas.microsoft.com/office/drawing/2014/main" id="{3F237DFB-39DA-421A-A6E6-3E4F4135426F}"/>
+                <a16:creationId xmlns:a16="http://schemas.microsoft.com/office/drawing/2014/main" id="{A413B6A5-CC15-46A4-8F22-90317A0F41B4}"/>
               </a:ext>
             </a:extLst>
           </p:cNvPr>
@@ -14181,45 +13789,6 @@
           <a:bodyPr/>
           <a:lstStyle/>
           <a:p>
-            <a:r>
-              <a:rPr lang="en-US" altLang="zh-TW" dirty="0"/>
-              <a:t>Different Cells in different paths compete for the same free spaces</a:t>
-            </a:r>
-          </a:p>
-          <a:p>
-            <a:pPr lvl="1"/>
-            <a:r>
-              <a:rPr lang="en-US" altLang="zh-TW" dirty="0"/>
-              <a:t>v3 and v7 compete for f1 and f2</a:t>
-            </a:r>
-          </a:p>
-          <a:p>
-            <a:endParaRPr lang="en-US" altLang="zh-TW" dirty="0"/>
-          </a:p>
-          <a:p>
-            <a:r>
-              <a:rPr lang="en-US" altLang="zh-TW" dirty="0"/>
-              <a:t>Maximum Flow Problem</a:t>
-            </a:r>
-          </a:p>
-          <a:p>
-            <a:pPr lvl="1"/>
-            <a:r>
-              <a:rPr lang="en-US" altLang="zh-TW" dirty="0"/>
-              <a:t>Construct a bipartite graph</a:t>
-            </a:r>
-          </a:p>
-          <a:p>
-            <a:pPr lvl="1"/>
-            <a:r>
-              <a:rPr lang="en-US" altLang="zh-TW" dirty="0"/>
-              <a:t>Use Hungarian method to solve it</a:t>
-            </a:r>
-          </a:p>
-          <a:p>
-            <a:pPr marL="0" indent="0">
-              <a:buNone/>
-            </a:pPr>
             <a:endParaRPr lang="zh-TW" altLang="en-US" dirty="0"/>
           </a:p>
         </p:txBody>
@@ -14229,7 +13798,7 @@
           <p:cNvPr id="4" name="日期版面配置區 3">
             <a:extLst>
               <a:ext uri="{FF2B5EF4-FFF2-40B4-BE49-F238E27FC236}">
-                <a16:creationId xmlns:a16="http://schemas.microsoft.com/office/drawing/2014/main" id="{75D1329F-644E-4C53-9060-8912F5C1C37C}"/>
+                <a16:creationId xmlns:a16="http://schemas.microsoft.com/office/drawing/2014/main" id="{C641B7BF-8F43-4916-AA90-EB1031EB8ACD}"/>
               </a:ext>
             </a:extLst>
           </p:cNvPr>
@@ -14261,7 +13830,7 @@
           <p:cNvPr id="5" name="投影片編號版面配置區 4">
             <a:extLst>
               <a:ext uri="{FF2B5EF4-FFF2-40B4-BE49-F238E27FC236}">
-                <a16:creationId xmlns:a16="http://schemas.microsoft.com/office/drawing/2014/main" id="{32FC4AF5-E2A3-4EB4-B2DF-4090F9B08F26}"/>
+                <a16:creationId xmlns:a16="http://schemas.microsoft.com/office/drawing/2014/main" id="{FBDF2E30-8507-4A22-B393-C0926682F6C0}"/>
               </a:ext>
             </a:extLst>
           </p:cNvPr>
@@ -14293,10 +13862,10 @@
       </p:sp>
       <p:pic>
         <p:nvPicPr>
-          <p:cNvPr id="6" name="圖片 5">
+          <p:cNvPr id="7" name="圖片 6">
             <a:extLst>
               <a:ext uri="{FF2B5EF4-FFF2-40B4-BE49-F238E27FC236}">
-                <a16:creationId xmlns:a16="http://schemas.microsoft.com/office/drawing/2014/main" id="{8EF7DF1F-9C14-4379-BC23-D6AEF6A77612}"/>
+                <a16:creationId xmlns:a16="http://schemas.microsoft.com/office/drawing/2014/main" id="{A733381B-CB7D-4CEF-9C4E-9E1FC8085B62}"/>
               </a:ext>
             </a:extLst>
           </p:cNvPr>
@@ -14306,45 +13875,15 @@
           <p:nvPr/>
         </p:nvPicPr>
         <p:blipFill>
-          <a:blip r:embed="rId3"/>
+          <a:blip r:embed="rId2"/>
           <a:stretch>
             <a:fillRect/>
           </a:stretch>
         </p:blipFill>
         <p:spPr>
           <a:xfrm>
-            <a:off x="6908473" y="1556792"/>
-            <a:ext cx="4439270" cy="2934109"/>
-          </a:xfrm>
-          <a:prstGeom prst="rect">
-            <a:avLst/>
-          </a:prstGeom>
-        </p:spPr>
-      </p:pic>
-      <p:pic>
-        <p:nvPicPr>
-          <p:cNvPr id="7" name="圖片 6">
-            <a:extLst>
-              <a:ext uri="{FF2B5EF4-FFF2-40B4-BE49-F238E27FC236}">
-                <a16:creationId xmlns:a16="http://schemas.microsoft.com/office/drawing/2014/main" id="{0A7D5C47-0418-4324-9619-197374658CB6}"/>
-              </a:ext>
-            </a:extLst>
-          </p:cNvPr>
-          <p:cNvPicPr>
-            <a:picLocks noChangeAspect="1"/>
-          </p:cNvPicPr>
-          <p:nvPr/>
-        </p:nvPicPr>
-        <p:blipFill>
-          <a:blip r:embed="rId4"/>
-          <a:stretch>
-            <a:fillRect/>
-          </a:stretch>
-        </p:blipFill>
-        <p:spPr>
-          <a:xfrm>
-            <a:off x="1127448" y="3704875"/>
-            <a:ext cx="6001588" cy="2505425"/>
+            <a:off x="2148494" y="955835"/>
+            <a:ext cx="7793411" cy="5597365"/>
           </a:xfrm>
           <a:prstGeom prst="rect">
             <a:avLst/>
@@ -14354,7 +13893,7 @@
     </p:spTree>
     <p:extLst>
       <p:ext uri="{BB962C8B-B14F-4D97-AF65-F5344CB8AC3E}">
-        <p14:creationId xmlns:p14="http://schemas.microsoft.com/office/powerpoint/2010/main" val="2049963102"/>
+        <p14:creationId xmlns:p14="http://schemas.microsoft.com/office/powerpoint/2010/main" val="613474907"/>
       </p:ext>
     </p:extLst>
   </p:cSld>
